--- a/sample_code/week2/week2_cmpt135.pptx
+++ b/sample_code/week2/week2_cmpt135.pptx
@@ -5,7 +5,7 @@
     <p:sldMasterId id="2147483648" r:id="rId1"/>
   </p:sldMasterIdLst>
   <p:notesMasterIdLst>
-    <p:notesMasterId r:id="rId52"/>
+    <p:notesMasterId r:id="rId57"/>
   </p:notesMasterIdLst>
   <p:sldIdLst>
     <p:sldId id="256" r:id="rId2"/>
@@ -42,22 +42,27 @@
     <p:sldId id="286" r:id="rId33"/>
     <p:sldId id="287" r:id="rId34"/>
     <p:sldId id="288" r:id="rId35"/>
-    <p:sldId id="289" r:id="rId36"/>
-    <p:sldId id="295" r:id="rId37"/>
-    <p:sldId id="297" r:id="rId38"/>
-    <p:sldId id="298" r:id="rId39"/>
-    <p:sldId id="299" r:id="rId40"/>
-    <p:sldId id="300" r:id="rId41"/>
-    <p:sldId id="301" r:id="rId42"/>
-    <p:sldId id="302" r:id="rId43"/>
-    <p:sldId id="303" r:id="rId44"/>
-    <p:sldId id="304" r:id="rId45"/>
-    <p:sldId id="305" r:id="rId46"/>
-    <p:sldId id="306" r:id="rId47"/>
-    <p:sldId id="308" r:id="rId48"/>
-    <p:sldId id="307" r:id="rId49"/>
-    <p:sldId id="310" r:id="rId50"/>
-    <p:sldId id="309" r:id="rId51"/>
+    <p:sldId id="311" r:id="rId36"/>
+    <p:sldId id="312" r:id="rId37"/>
+    <p:sldId id="314" r:id="rId38"/>
+    <p:sldId id="313" r:id="rId39"/>
+    <p:sldId id="315" r:id="rId40"/>
+    <p:sldId id="289" r:id="rId41"/>
+    <p:sldId id="295" r:id="rId42"/>
+    <p:sldId id="297" r:id="rId43"/>
+    <p:sldId id="298" r:id="rId44"/>
+    <p:sldId id="299" r:id="rId45"/>
+    <p:sldId id="300" r:id="rId46"/>
+    <p:sldId id="301" r:id="rId47"/>
+    <p:sldId id="302" r:id="rId48"/>
+    <p:sldId id="303" r:id="rId49"/>
+    <p:sldId id="304" r:id="rId50"/>
+    <p:sldId id="305" r:id="rId51"/>
+    <p:sldId id="306" r:id="rId52"/>
+    <p:sldId id="308" r:id="rId53"/>
+    <p:sldId id="307" r:id="rId54"/>
+    <p:sldId id="310" r:id="rId55"/>
+    <p:sldId id="309" r:id="rId56"/>
   </p:sldIdLst>
   <p:sldSz cx="12192000" cy="6858000"/>
   <p:notesSz cx="7010400" cy="9296400"/>
@@ -199,6 +204,11 @@
             <p14:sldId id="286"/>
             <p14:sldId id="287"/>
             <p14:sldId id="288"/>
+            <p14:sldId id="311"/>
+            <p14:sldId id="312"/>
+            <p14:sldId id="314"/>
+            <p14:sldId id="313"/>
+            <p14:sldId id="315"/>
             <p14:sldId id="289"/>
           </p14:sldIdLst>
         </p14:section>
@@ -233,7 +243,7 @@
 <file path=ppt/revisionInfo.xml><?xml version="1.0" encoding="utf-8"?>
 <p1510:revInfo xmlns:a="http://schemas.openxmlformats.org/drawingml/2006/main" xmlns:r="http://schemas.openxmlformats.org/officeDocument/2006/relationships" xmlns:p1510="http://schemas.microsoft.com/office/powerpoint/2015/10/main">
   <p1510:revLst>
-    <p1510:client id="{F56B8EF3-5C90-42FD-AD3E-B2A337B95298}" v="185" dt="2024-01-16T21:36:14.911"/>
+    <p1510:client id="{F56B8EF3-5C90-42FD-AD3E-B2A337B95298}" v="195" dt="2024-01-17T18:48:59.195"/>
   </p1510:revLst>
 </p1510:revInfo>
 </file>
@@ -622,7 +632,7 @@
   <pc:docChgLst>
     <pc:chgData name="Toby Donaldson" userId="2e6e5431-bb17-4c41-9985-d39c50d83c73" providerId="ADAL" clId="{F56B8EF3-5C90-42FD-AD3E-B2A337B95298}"/>
     <pc:docChg chg="undo redo custSel addSld delSld modSld sldOrd modSection">
-      <pc:chgData name="Toby Donaldson" userId="2e6e5431-bb17-4c41-9985-d39c50d83c73" providerId="ADAL" clId="{F56B8EF3-5C90-42FD-AD3E-B2A337B95298}" dt="2024-01-16T21:40:39.150" v="17831" actId="20577"/>
+      <pc:chgData name="Toby Donaldson" userId="2e6e5431-bb17-4c41-9985-d39c50d83c73" providerId="ADAL" clId="{F56B8EF3-5C90-42FD-AD3E-B2A337B95298}" dt="2024-01-17T18:51:46.262" v="18792" actId="27309"/>
       <pc:docMkLst>
         <pc:docMk/>
       </pc:docMkLst>
@@ -2496,7 +2506,7 @@
         </pc:sldMkLst>
       </pc:sldChg>
       <pc:sldChg chg="modSp new mod">
-        <pc:chgData name="Toby Donaldson" userId="2e6e5431-bb17-4c41-9985-d39c50d83c73" providerId="ADAL" clId="{F56B8EF3-5C90-42FD-AD3E-B2A337B95298}" dt="2024-01-15T22:43:15.990" v="13707" actId="27636"/>
+        <pc:chgData name="Toby Donaldson" userId="2e6e5431-bb17-4c41-9985-d39c50d83c73" providerId="ADAL" clId="{F56B8EF3-5C90-42FD-AD3E-B2A337B95298}" dt="2024-01-17T18:43:53.581" v="18272" actId="20577"/>
         <pc:sldMkLst>
           <pc:docMk/>
           <pc:sldMk cId="3036112539" sldId="289"/>
@@ -2510,7 +2520,7 @@
           </ac:spMkLst>
         </pc:spChg>
         <pc:spChg chg="mod">
-          <ac:chgData name="Toby Donaldson" userId="2e6e5431-bb17-4c41-9985-d39c50d83c73" providerId="ADAL" clId="{F56B8EF3-5C90-42FD-AD3E-B2A337B95298}" dt="2024-01-15T22:43:15.990" v="13707" actId="27636"/>
+          <ac:chgData name="Toby Donaldson" userId="2e6e5431-bb17-4c41-9985-d39c50d83c73" providerId="ADAL" clId="{F56B8EF3-5C90-42FD-AD3E-B2A337B95298}" dt="2024-01-17T18:43:53.581" v="18272" actId="20577"/>
           <ac:spMkLst>
             <pc:docMk/>
             <pc:sldMk cId="3036112539" sldId="289"/>
@@ -4171,6 +4181,217 @@
             <ac:cxnSpMk id="31" creationId="{A373B14D-7E33-AE61-912A-5B7125B146A5}"/>
           </ac:cxnSpMkLst>
         </pc:cxnChg>
+      </pc:sldChg>
+      <pc:sldChg chg="addSp delSp modSp add mod">
+        <pc:chgData name="Toby Donaldson" userId="2e6e5431-bb17-4c41-9985-d39c50d83c73" providerId="ADAL" clId="{F56B8EF3-5C90-42FD-AD3E-B2A337B95298}" dt="2024-01-17T18:39:53.702" v="17955" actId="1076"/>
+        <pc:sldMkLst>
+          <pc:docMk/>
+          <pc:sldMk cId="1542201987" sldId="311"/>
+        </pc:sldMkLst>
+        <pc:spChg chg="del">
+          <ac:chgData name="Toby Donaldson" userId="2e6e5431-bb17-4c41-9985-d39c50d83c73" providerId="ADAL" clId="{F56B8EF3-5C90-42FD-AD3E-B2A337B95298}" dt="2024-01-17T18:35:39.104" v="17836" actId="21"/>
+          <ac:spMkLst>
+            <pc:docMk/>
+            <pc:sldMk cId="1542201987" sldId="311"/>
+            <ac:spMk id="5" creationId="{F9DA505B-8666-ECFB-AA08-9295261ADD1C}"/>
+          </ac:spMkLst>
+        </pc:spChg>
+        <pc:spChg chg="add mod">
+          <ac:chgData name="Toby Donaldson" userId="2e6e5431-bb17-4c41-9985-d39c50d83c73" providerId="ADAL" clId="{F56B8EF3-5C90-42FD-AD3E-B2A337B95298}" dt="2024-01-17T18:37:43.879" v="17845" actId="20577"/>
+          <ac:spMkLst>
+            <pc:docMk/>
+            <pc:sldMk cId="1542201987" sldId="311"/>
+            <ac:spMk id="6" creationId="{75A28670-B9E5-D26B-F58D-E88A3716765B}"/>
+          </ac:spMkLst>
+        </pc:spChg>
+        <pc:spChg chg="add mod">
+          <ac:chgData name="Toby Donaldson" userId="2e6e5431-bb17-4c41-9985-d39c50d83c73" providerId="ADAL" clId="{F56B8EF3-5C90-42FD-AD3E-B2A337B95298}" dt="2024-01-17T18:39:13.734" v="17863" actId="1076"/>
+          <ac:spMkLst>
+            <pc:docMk/>
+            <pc:sldMk cId="1542201987" sldId="311"/>
+            <ac:spMk id="7" creationId="{0D7D57C9-27D7-E80A-DF43-97F70899C081}"/>
+          </ac:spMkLst>
+        </pc:spChg>
+        <pc:spChg chg="mod">
+          <ac:chgData name="Toby Donaldson" userId="2e6e5431-bb17-4c41-9985-d39c50d83c73" providerId="ADAL" clId="{F56B8EF3-5C90-42FD-AD3E-B2A337B95298}" dt="2024-01-17T18:35:34.854" v="17835" actId="14100"/>
+          <ac:spMkLst>
+            <pc:docMk/>
+            <pc:sldMk cId="1542201987" sldId="311"/>
+            <ac:spMk id="8" creationId="{3C9DC5BA-A083-A32D-DB15-55ED223B598C}"/>
+          </ac:spMkLst>
+        </pc:spChg>
+        <pc:spChg chg="add mod">
+          <ac:chgData name="Toby Donaldson" userId="2e6e5431-bb17-4c41-9985-d39c50d83c73" providerId="ADAL" clId="{F56B8EF3-5C90-42FD-AD3E-B2A337B95298}" dt="2024-01-17T18:37:57.458" v="17847"/>
+          <ac:spMkLst>
+            <pc:docMk/>
+            <pc:sldMk cId="1542201987" sldId="311"/>
+            <ac:spMk id="10" creationId="{7FF694CA-CBC8-6058-3FB8-3A581B60C9C8}"/>
+          </ac:spMkLst>
+        </pc:spChg>
+        <pc:spChg chg="add mod">
+          <ac:chgData name="Toby Donaldson" userId="2e6e5431-bb17-4c41-9985-d39c50d83c73" providerId="ADAL" clId="{F56B8EF3-5C90-42FD-AD3E-B2A337B95298}" dt="2024-01-17T18:38:00.045" v="17848"/>
+          <ac:spMkLst>
+            <pc:docMk/>
+            <pc:sldMk cId="1542201987" sldId="311"/>
+            <ac:spMk id="11" creationId="{B7CCA678-93BC-D6CA-E765-4AD0BF5AB27B}"/>
+          </ac:spMkLst>
+        </pc:spChg>
+        <pc:spChg chg="add mod">
+          <ac:chgData name="Toby Donaldson" userId="2e6e5431-bb17-4c41-9985-d39c50d83c73" providerId="ADAL" clId="{F56B8EF3-5C90-42FD-AD3E-B2A337B95298}" dt="2024-01-17T18:39:53.702" v="17955" actId="1076"/>
+          <ac:spMkLst>
+            <pc:docMk/>
+            <pc:sldMk cId="1542201987" sldId="311"/>
+            <ac:spMk id="12" creationId="{48ABF86D-F49F-85E8-15A5-46E8D90368B9}"/>
+          </ac:spMkLst>
+        </pc:spChg>
+        <pc:spChg chg="del">
+          <ac:chgData name="Toby Donaldson" userId="2e6e5431-bb17-4c41-9985-d39c50d83c73" providerId="ADAL" clId="{F56B8EF3-5C90-42FD-AD3E-B2A337B95298}" dt="2024-01-17T18:35:39.104" v="17836" actId="21"/>
+          <ac:spMkLst>
+            <pc:docMk/>
+            <pc:sldMk cId="1542201987" sldId="311"/>
+            <ac:spMk id="20" creationId="{E7B4104D-2A52-43DD-22E0-57CF67F57A06}"/>
+          </ac:spMkLst>
+        </pc:spChg>
+        <pc:spChg chg="del">
+          <ac:chgData name="Toby Donaldson" userId="2e6e5431-bb17-4c41-9985-d39c50d83c73" providerId="ADAL" clId="{F56B8EF3-5C90-42FD-AD3E-B2A337B95298}" dt="2024-01-17T18:35:28.060" v="17833" actId="21"/>
+          <ac:spMkLst>
+            <pc:docMk/>
+            <pc:sldMk cId="1542201987" sldId="311"/>
+            <ac:spMk id="23" creationId="{D1CE7C05-1C4A-EDD1-869D-ED526B0F63BC}"/>
+          </ac:spMkLst>
+        </pc:spChg>
+        <pc:cxnChg chg="del mod">
+          <ac:chgData name="Toby Donaldson" userId="2e6e5431-bb17-4c41-9985-d39c50d83c73" providerId="ADAL" clId="{F56B8EF3-5C90-42FD-AD3E-B2A337B95298}" dt="2024-01-17T18:35:28.060" v="17833" actId="21"/>
+          <ac:cxnSpMkLst>
+            <pc:docMk/>
+            <pc:sldMk cId="1542201987" sldId="311"/>
+            <ac:cxnSpMk id="9" creationId="{A1ABB453-3DF3-7D6E-9938-BFE569C26BD5}"/>
+          </ac:cxnSpMkLst>
+        </pc:cxnChg>
+      </pc:sldChg>
+      <pc:sldChg chg="addSp modSp add mod">
+        <pc:chgData name="Toby Donaldson" userId="2e6e5431-bb17-4c41-9985-d39c50d83c73" providerId="ADAL" clId="{F56B8EF3-5C90-42FD-AD3E-B2A337B95298}" dt="2024-01-17T18:43:23.390" v="18197" actId="1076"/>
+        <pc:sldMkLst>
+          <pc:docMk/>
+          <pc:sldMk cId="2619607218" sldId="312"/>
+        </pc:sldMkLst>
+        <pc:spChg chg="add">
+          <ac:chgData name="Toby Donaldson" userId="2e6e5431-bb17-4c41-9985-d39c50d83c73" providerId="ADAL" clId="{F56B8EF3-5C90-42FD-AD3E-B2A337B95298}" dt="2024-01-17T18:42:35.062" v="18039" actId="11529"/>
+          <ac:spMkLst>
+            <pc:docMk/>
+            <pc:sldMk cId="2619607218" sldId="312"/>
+            <ac:spMk id="5" creationId="{1A7B4E40-E4E9-2261-67F8-F3318B921015}"/>
+          </ac:spMkLst>
+        </pc:spChg>
+        <pc:spChg chg="add mod">
+          <ac:chgData name="Toby Donaldson" userId="2e6e5431-bb17-4c41-9985-d39c50d83c73" providerId="ADAL" clId="{F56B8EF3-5C90-42FD-AD3E-B2A337B95298}" dt="2024-01-17T18:43:23.390" v="18197" actId="1076"/>
+          <ac:spMkLst>
+            <pc:docMk/>
+            <pc:sldMk cId="2619607218" sldId="312"/>
+            <ac:spMk id="6" creationId="{96BE26E9-4920-CC92-5136-9117267D6500}"/>
+          </ac:spMkLst>
+        </pc:spChg>
+        <pc:spChg chg="mod">
+          <ac:chgData name="Toby Donaldson" userId="2e6e5431-bb17-4c41-9985-d39c50d83c73" providerId="ADAL" clId="{F56B8EF3-5C90-42FD-AD3E-B2A337B95298}" dt="2024-01-17T18:41:42.550" v="17959" actId="1076"/>
+          <ac:spMkLst>
+            <pc:docMk/>
+            <pc:sldMk cId="2619607218" sldId="312"/>
+            <ac:spMk id="7" creationId="{0D7D57C9-27D7-E80A-DF43-97F70899C081}"/>
+          </ac:spMkLst>
+        </pc:spChg>
+        <pc:spChg chg="mod">
+          <ac:chgData name="Toby Donaldson" userId="2e6e5431-bb17-4c41-9985-d39c50d83c73" providerId="ADAL" clId="{F56B8EF3-5C90-42FD-AD3E-B2A337B95298}" dt="2024-01-17T18:42:15.934" v="18038" actId="1076"/>
+          <ac:spMkLst>
+            <pc:docMk/>
+            <pc:sldMk cId="2619607218" sldId="312"/>
+            <ac:spMk id="12" creationId="{48ABF86D-F49F-85E8-15A5-46E8D90368B9}"/>
+          </ac:spMkLst>
+        </pc:spChg>
+      </pc:sldChg>
+      <pc:sldChg chg="addSp delSp modSp add mod ord">
+        <pc:chgData name="Toby Donaldson" userId="2e6e5431-bb17-4c41-9985-d39c50d83c73" providerId="ADAL" clId="{F56B8EF3-5C90-42FD-AD3E-B2A337B95298}" dt="2024-01-17T18:49:17.966" v="18590" actId="5793"/>
+        <pc:sldMkLst>
+          <pc:docMk/>
+          <pc:sldMk cId="4115869788" sldId="313"/>
+        </pc:sldMkLst>
+        <pc:spChg chg="del">
+          <ac:chgData name="Toby Donaldson" userId="2e6e5431-bb17-4c41-9985-d39c50d83c73" providerId="ADAL" clId="{F56B8EF3-5C90-42FD-AD3E-B2A337B95298}" dt="2024-01-17T18:46:07.552" v="18358" actId="21"/>
+          <ac:spMkLst>
+            <pc:docMk/>
+            <pc:sldMk cId="4115869788" sldId="313"/>
+            <ac:spMk id="5" creationId="{1A7B4E40-E4E9-2261-67F8-F3318B921015}"/>
+          </ac:spMkLst>
+        </pc:spChg>
+        <pc:spChg chg="del">
+          <ac:chgData name="Toby Donaldson" userId="2e6e5431-bb17-4c41-9985-d39c50d83c73" providerId="ADAL" clId="{F56B8EF3-5C90-42FD-AD3E-B2A337B95298}" dt="2024-01-17T18:46:07.552" v="18358" actId="21"/>
+          <ac:spMkLst>
+            <pc:docMk/>
+            <pc:sldMk cId="4115869788" sldId="313"/>
+            <ac:spMk id="6" creationId="{96BE26E9-4920-CC92-5136-9117267D6500}"/>
+          </ac:spMkLst>
+        </pc:spChg>
+        <pc:spChg chg="mod">
+          <ac:chgData name="Toby Donaldson" userId="2e6e5431-bb17-4c41-9985-d39c50d83c73" providerId="ADAL" clId="{F56B8EF3-5C90-42FD-AD3E-B2A337B95298}" dt="2024-01-17T18:48:21.934" v="18495" actId="1076"/>
+          <ac:spMkLst>
+            <pc:docMk/>
+            <pc:sldMk cId="4115869788" sldId="313"/>
+            <ac:spMk id="7" creationId="{0D7D57C9-27D7-E80A-DF43-97F70899C081}"/>
+          </ac:spMkLst>
+        </pc:spChg>
+        <pc:spChg chg="add mod">
+          <ac:chgData name="Toby Donaldson" userId="2e6e5431-bb17-4c41-9985-d39c50d83c73" providerId="ADAL" clId="{F56B8EF3-5C90-42FD-AD3E-B2A337B95298}" dt="2024-01-17T18:49:17.966" v="18590" actId="5793"/>
+          <ac:spMkLst>
+            <pc:docMk/>
+            <pc:sldMk cId="4115869788" sldId="313"/>
+            <ac:spMk id="9" creationId="{80668905-60AD-C93B-9B3D-DB761D57A1D2}"/>
+          </ac:spMkLst>
+        </pc:spChg>
+        <pc:spChg chg="mod">
+          <ac:chgData name="Toby Donaldson" userId="2e6e5431-bb17-4c41-9985-d39c50d83c73" providerId="ADAL" clId="{F56B8EF3-5C90-42FD-AD3E-B2A337B95298}" dt="2024-01-17T18:46:03.041" v="18357" actId="5793"/>
+          <ac:spMkLst>
+            <pc:docMk/>
+            <pc:sldMk cId="4115869788" sldId="313"/>
+            <ac:spMk id="12" creationId="{48ABF86D-F49F-85E8-15A5-46E8D90368B9}"/>
+          </ac:spMkLst>
+        </pc:spChg>
+      </pc:sldChg>
+      <pc:sldChg chg="modSp add mod">
+        <pc:chgData name="Toby Donaldson" userId="2e6e5431-bb17-4c41-9985-d39c50d83c73" providerId="ADAL" clId="{F56B8EF3-5C90-42FD-AD3E-B2A337B95298}" dt="2024-01-17T18:47:11.400" v="18429" actId="20577"/>
+        <pc:sldMkLst>
+          <pc:docMk/>
+          <pc:sldMk cId="1241887878" sldId="314"/>
+        </pc:sldMkLst>
+        <pc:spChg chg="mod">
+          <ac:chgData name="Toby Donaldson" userId="2e6e5431-bb17-4c41-9985-d39c50d83c73" providerId="ADAL" clId="{F56B8EF3-5C90-42FD-AD3E-B2A337B95298}" dt="2024-01-17T18:47:11.400" v="18429" actId="20577"/>
+          <ac:spMkLst>
+            <pc:docMk/>
+            <pc:sldMk cId="1241887878" sldId="314"/>
+            <ac:spMk id="7" creationId="{0D7D57C9-27D7-E80A-DF43-97F70899C081}"/>
+          </ac:spMkLst>
+        </pc:spChg>
+      </pc:sldChg>
+      <pc:sldChg chg="addSp delSp modSp add mod">
+        <pc:chgData name="Toby Donaldson" userId="2e6e5431-bb17-4c41-9985-d39c50d83c73" providerId="ADAL" clId="{F56B8EF3-5C90-42FD-AD3E-B2A337B95298}" dt="2024-01-17T18:51:46.262" v="18792" actId="27309"/>
+        <pc:sldMkLst>
+          <pc:docMk/>
+          <pc:sldMk cId="3908220886" sldId="315"/>
+        </pc:sldMkLst>
+        <pc:spChg chg="mod">
+          <ac:chgData name="Toby Donaldson" userId="2e6e5431-bb17-4c41-9985-d39c50d83c73" providerId="ADAL" clId="{F56B8EF3-5C90-42FD-AD3E-B2A337B95298}" dt="2024-01-17T18:51:29.266" v="18790" actId="20577"/>
+          <ac:spMkLst>
+            <pc:docMk/>
+            <pc:sldMk cId="3908220886" sldId="315"/>
+            <ac:spMk id="9" creationId="{80668905-60AD-C93B-9B3D-DB761D57A1D2}"/>
+          </ac:spMkLst>
+        </pc:spChg>
+        <pc:graphicFrameChg chg="add del modGraphic">
+          <ac:chgData name="Toby Donaldson" userId="2e6e5431-bb17-4c41-9985-d39c50d83c73" providerId="ADAL" clId="{F56B8EF3-5C90-42FD-AD3E-B2A337B95298}" dt="2024-01-17T18:51:46.262" v="18792" actId="27309"/>
+          <ac:graphicFrameMkLst>
+            <pc:docMk/>
+            <pc:sldMk cId="3908220886" sldId="315"/>
+            <ac:graphicFrameMk id="6" creationId="{2D2098CF-E250-FAF0-8B23-340E458B0BCC}"/>
+          </ac:graphicFrameMkLst>
+        </pc:graphicFrameChg>
       </pc:sldChg>
     </pc:docChg>
   </pc:docChgLst>
@@ -7173,7 +7394,7 @@
           <a:p>
             <a:fld id="{C56B06BE-B613-402A-A392-73A2760B21F0}" type="datetimeFigureOut">
               <a:rPr lang="en-AU" smtClean="0"/>
-              <a:t>15/01/2024</a:t>
+              <a:t>17/01/2024</a:t>
             </a:fld>
             <a:endParaRPr lang="en-AU"/>
           </a:p>
@@ -7590,7 +7811,7 @@
           <a:p>
             <a:fld id="{0D6B5798-EEF3-47A3-B8AA-256C4C6EFD5A}" type="datetime1">
               <a:rPr lang="en-AU" smtClean="0"/>
-              <a:t>15/01/2024</a:t>
+              <a:t>17/01/2024</a:t>
             </a:fld>
             <a:endParaRPr lang="en-AU"/>
           </a:p>
@@ -7790,7 +8011,7 @@
           <a:p>
             <a:fld id="{3C467393-BCE0-422C-BA1B-A73D9EB22E6B}" type="datetime1">
               <a:rPr lang="en-AU" smtClean="0"/>
-              <a:t>15/01/2024</a:t>
+              <a:t>17/01/2024</a:t>
             </a:fld>
             <a:endParaRPr lang="en-AU"/>
           </a:p>
@@ -8000,7 +8221,7 @@
           <a:p>
             <a:fld id="{76DDCC4D-D08B-40F3-9BFB-AC61838CE563}" type="datetime1">
               <a:rPr lang="en-AU" smtClean="0"/>
-              <a:t>15/01/2024</a:t>
+              <a:t>17/01/2024</a:t>
             </a:fld>
             <a:endParaRPr lang="en-AU"/>
           </a:p>
@@ -8200,7 +8421,7 @@
           <a:p>
             <a:fld id="{C214874D-8F60-4CF2-A2CC-F249D0641CBE}" type="datetime1">
               <a:rPr lang="en-AU" smtClean="0"/>
-              <a:t>15/01/2024</a:t>
+              <a:t>17/01/2024</a:t>
             </a:fld>
             <a:endParaRPr lang="en-AU"/>
           </a:p>
@@ -8477,7 +8698,7 @@
           <a:p>
             <a:fld id="{37D569C6-B5B5-4513-BC5A-6FEF38F8A172}" type="datetime1">
               <a:rPr lang="en-AU" smtClean="0"/>
-              <a:t>15/01/2024</a:t>
+              <a:t>17/01/2024</a:t>
             </a:fld>
             <a:endParaRPr lang="en-AU"/>
           </a:p>
@@ -8745,7 +8966,7 @@
           <a:p>
             <a:fld id="{60B5A0A5-59C9-4B66-8A1B-AD6B20D8D0F9}" type="datetime1">
               <a:rPr lang="en-AU" smtClean="0"/>
-              <a:t>15/01/2024</a:t>
+              <a:t>17/01/2024</a:t>
             </a:fld>
             <a:endParaRPr lang="en-AU"/>
           </a:p>
@@ -9160,7 +9381,7 @@
           <a:p>
             <a:fld id="{407793A0-5CE6-4A20-B8C1-31AE5E432521}" type="datetime1">
               <a:rPr lang="en-AU" smtClean="0"/>
-              <a:t>15/01/2024</a:t>
+              <a:t>17/01/2024</a:t>
             </a:fld>
             <a:endParaRPr lang="en-AU"/>
           </a:p>
@@ -9302,7 +9523,7 @@
           <a:p>
             <a:fld id="{DE10BCEC-4D7A-48FF-8022-1AC70EA89FAC}" type="datetime1">
               <a:rPr lang="en-AU" smtClean="0"/>
-              <a:t>15/01/2024</a:t>
+              <a:t>17/01/2024</a:t>
             </a:fld>
             <a:endParaRPr lang="en-AU"/>
           </a:p>
@@ -9415,7 +9636,7 @@
           <a:p>
             <a:fld id="{7C46A8A6-9C6B-4516-B49B-E1617FDF5A31}" type="datetime1">
               <a:rPr lang="en-AU" smtClean="0"/>
-              <a:t>15/01/2024</a:t>
+              <a:t>17/01/2024</a:t>
             </a:fld>
             <a:endParaRPr lang="en-AU"/>
           </a:p>
@@ -9728,7 +9949,7 @@
           <a:p>
             <a:fld id="{872A5490-05EA-48B4-B9FD-0D901D2F9519}" type="datetime1">
               <a:rPr lang="en-AU" smtClean="0"/>
-              <a:t>15/01/2024</a:t>
+              <a:t>17/01/2024</a:t>
             </a:fld>
             <a:endParaRPr lang="en-AU"/>
           </a:p>
@@ -10017,7 +10238,7 @@
           <a:p>
             <a:fld id="{459B5CC0-EFEE-4A62-BE96-1986F08CB86D}" type="datetime1">
               <a:rPr lang="en-AU" smtClean="0"/>
-              <a:t>15/01/2024</a:t>
+              <a:t>17/01/2024</a:t>
             </a:fld>
             <a:endParaRPr lang="en-AU"/>
           </a:p>
@@ -10260,7 +10481,7 @@
           <a:p>
             <a:fld id="{B97E6E6E-3B4C-478A-AEA8-AE1656F48933}" type="datetime1">
               <a:rPr lang="en-AU" smtClean="0"/>
-              <a:t>15/01/2024</a:t>
+              <a:t>17/01/2024</a:t>
             </a:fld>
             <a:endParaRPr lang="en-AU"/>
           </a:p>
@@ -24767,7 +24988,7 @@
           <p:cNvPr id="2" name="Title 1">
             <a:extLst>
               <a:ext uri="{FF2B5EF4-FFF2-40B4-BE49-F238E27FC236}">
-                <a16:creationId xmlns:a16="http://schemas.microsoft.com/office/drawing/2014/main" id="{DF26FC86-5B91-1A10-5A0B-07FF5F81B3A9}"/>
+                <a16:creationId xmlns:a16="http://schemas.microsoft.com/office/drawing/2014/main" id="{0E49562F-963D-4D0B-C687-05307E2BAA38}"/>
               </a:ext>
             </a:extLst>
           </p:cNvPr>
@@ -24778,18 +24999,19 @@
             <p:ph type="title"/>
           </p:nvPr>
         </p:nvSpPr>
-        <p:spPr/>
+        <p:spPr>
+          <a:xfrm>
+            <a:off x="838200" y="365125"/>
+            <a:ext cx="4459274" cy="1325563"/>
+          </a:xfrm>
+        </p:spPr>
         <p:txBody>
           <a:bodyPr/>
           <a:lstStyle/>
           <a:p>
             <a:r>
-              <a:rPr lang="en-CA"/>
-              <a:t>Final Thoughts </a:t>
-            </a:r>
-            <a:r>
-              <a:rPr lang="en-CA" dirty="0"/>
-              <a:t>on Testing</a:t>
+              <a:rPr lang="en-CA" dirty="0"/>
+              <a:t>Testing Techniques</a:t>
             </a:r>
             <a:endParaRPr lang="en-AU" dirty="0"/>
           </a:p>
@@ -24800,7 +25022,7 @@
           <p:cNvPr id="3" name="Content Placeholder 2">
             <a:extLst>
               <a:ext uri="{FF2B5EF4-FFF2-40B4-BE49-F238E27FC236}">
-                <a16:creationId xmlns:a16="http://schemas.microsoft.com/office/drawing/2014/main" id="{27D76F0B-65AC-8BBA-FECE-91531C435243}"/>
+                <a16:creationId xmlns:a16="http://schemas.microsoft.com/office/drawing/2014/main" id="{F2FFFECB-C411-F159-0B3A-E94A7EBC1817}"/>
               </a:ext>
             </a:extLst>
           </p:cNvPr>
@@ -24811,105 +25033,79 @@
             <p:ph idx="1"/>
           </p:nvPr>
         </p:nvSpPr>
-        <p:spPr/>
-        <p:txBody>
-          <a:bodyPr>
-            <a:normAutofit lnSpcReduction="10000"/>
-          </a:bodyPr>
-          <a:lstStyle/>
-          <a:p>
-            <a:r>
-              <a:rPr lang="en-CA" dirty="0"/>
-              <a:t>You must do it! How else do you know your program works correctly?</a:t>
-            </a:r>
-          </a:p>
-          <a:p>
-            <a:r>
-              <a:rPr lang="en-CA" dirty="0"/>
-              <a:t>Always try to do it automatically </a:t>
-            </a:r>
-          </a:p>
-          <a:p>
-            <a:r>
-              <a:rPr lang="en-CA" dirty="0"/>
-              <a:t>Test as you go</a:t>
-            </a:r>
-          </a:p>
-          <a:p>
-            <a:r>
-              <a:rPr lang="en-CA" dirty="0"/>
-              <a:t>“Eat your own dog food”</a:t>
-            </a:r>
-          </a:p>
-          <a:p>
-            <a:pPr lvl="1"/>
-            <a:r>
-              <a:rPr lang="en-CA" dirty="0"/>
-              <a:t>Use the programs you write in your own work … shows you trust it</a:t>
-            </a:r>
-          </a:p>
-          <a:p>
-            <a:r>
-              <a:rPr lang="en-CA" dirty="0"/>
-              <a:t>Other kinds of testing</a:t>
-            </a:r>
-          </a:p>
-          <a:p>
-            <a:pPr lvl="1"/>
-            <a:r>
-              <a:rPr lang="en-CA" b="1" dirty="0"/>
-              <a:t>Usability</a:t>
-            </a:r>
-            <a:r>
-              <a:rPr lang="en-CA" dirty="0"/>
-              <a:t> testing, e.g. how easy is it to use your system?</a:t>
-            </a:r>
-          </a:p>
-          <a:p>
-            <a:pPr lvl="1"/>
-            <a:r>
-              <a:rPr lang="en-CA" b="1" dirty="0"/>
-              <a:t>Security</a:t>
-            </a:r>
-            <a:r>
-              <a:rPr lang="en-CA" dirty="0"/>
-              <a:t> testing, e.g. does your program protect private information?</a:t>
-            </a:r>
-          </a:p>
-          <a:p>
-            <a:pPr lvl="1"/>
-            <a:r>
-              <a:rPr lang="en-CA" b="1" dirty="0"/>
-              <a:t>Performance</a:t>
-            </a:r>
-            <a:r>
-              <a:rPr lang="en-CA" dirty="0"/>
-              <a:t> testing, e.g. is your program fast enough?</a:t>
-            </a:r>
-          </a:p>
-          <a:p>
-            <a:pPr lvl="1"/>
-            <a:r>
-              <a:rPr lang="en-CA" b="1" dirty="0"/>
-              <a:t>Stress</a:t>
-            </a:r>
-            <a:r>
-              <a:rPr lang="en-CA" dirty="0"/>
-              <a:t> testing, e.g. can your program handle lots of input?</a:t>
-            </a:r>
-          </a:p>
-          <a:p>
-            <a:pPr lvl="1"/>
+        <p:spPr>
+          <a:xfrm>
+            <a:off x="838200" y="1825625"/>
+            <a:ext cx="3393734" cy="2912630"/>
+          </a:xfrm>
+        </p:spPr>
+        <p:txBody>
+          <a:bodyPr/>
+          <a:lstStyle/>
+          <a:p>
+            <a:pPr marL="514350" indent="-514350">
+              <a:buFont typeface="+mj-lt"/>
+              <a:buAutoNum type="arabicPeriod"/>
+            </a:pPr>
+            <a:r>
+              <a:rPr lang="en-CA" dirty="0"/>
+              <a:t>If-style tests</a:t>
+            </a:r>
+          </a:p>
+          <a:p>
+            <a:pPr marL="514350" indent="-514350">
+              <a:buFont typeface="+mj-lt"/>
+              <a:buAutoNum type="arabicPeriod"/>
+            </a:pPr>
+            <a:r>
+              <a:rPr lang="en-CA" dirty="0"/>
+              <a:t>Assert-style tests</a:t>
+            </a:r>
+          </a:p>
+          <a:p>
+            <a:pPr marL="514350" indent="-514350">
+              <a:buFont typeface="+mj-lt"/>
+              <a:buAutoNum type="arabicPeriod"/>
+            </a:pPr>
+            <a:r>
+              <a:rPr lang="en-CA" dirty="0"/>
+              <a:t>Table-based tests</a:t>
+            </a:r>
+          </a:p>
+          <a:p>
+            <a:pPr marL="514350" indent="-514350">
+              <a:buFont typeface="+mj-lt"/>
+              <a:buAutoNum type="arabicPeriod"/>
+            </a:pPr>
+            <a:r>
+              <a:rPr lang="en-CA" dirty="0"/>
+              <a:t>Property testing</a:t>
+            </a:r>
+          </a:p>
+          <a:p>
+            <a:pPr marL="514350" indent="-514350">
+              <a:buFont typeface="+mj-lt"/>
+              <a:buAutoNum type="arabicPeriod"/>
+            </a:pPr>
+            <a:r>
+              <a:rPr lang="en-CA" dirty="0"/>
+              <a:t>Using ChatGPT to </a:t>
+            </a:r>
+            <a:br>
+              <a:rPr lang="en-CA" dirty="0"/>
+            </a:br>
+            <a:r>
+              <a:rPr lang="en-CA" dirty="0"/>
+              <a:t>help with testing</a:t>
+            </a:r>
+          </a:p>
+          <a:p>
+            <a:pPr marL="0" indent="0">
+              <a:buFont typeface="+mj-lt"/>
+              <a:buNone/>
+            </a:pPr>
             <a:endParaRPr lang="en-CA" dirty="0"/>
           </a:p>
-          <a:p>
-            <a:pPr lvl="1"/>
-            <a:endParaRPr lang="en-CA" dirty="0"/>
-          </a:p>
-          <a:p>
-            <a:pPr lvl="1"/>
-            <a:endParaRPr lang="en-AU" dirty="0"/>
-          </a:p>
         </p:txBody>
       </p:sp>
       <p:sp>
@@ -24917,7 +25113,7 @@
           <p:cNvPr id="4" name="Slide Number Placeholder 3">
             <a:extLst>
               <a:ext uri="{FF2B5EF4-FFF2-40B4-BE49-F238E27FC236}">
-                <a16:creationId xmlns:a16="http://schemas.microsoft.com/office/drawing/2014/main" id="{5E740AF1-89D9-0A5B-57DE-42A24FD62F89}"/>
+                <a16:creationId xmlns:a16="http://schemas.microsoft.com/office/drawing/2014/main" id="{5EB085EF-2895-8571-5B28-5AFA847524D5}"/>
               </a:ext>
             </a:extLst>
           </p:cNvPr>
@@ -24942,10 +25138,307 @@
           </a:p>
         </p:txBody>
       </p:sp>
+      <p:sp>
+        <p:nvSpPr>
+          <p:cNvPr id="8" name="Rectangle 7">
+            <a:extLst>
+              <a:ext uri="{FF2B5EF4-FFF2-40B4-BE49-F238E27FC236}">
+                <a16:creationId xmlns:a16="http://schemas.microsoft.com/office/drawing/2014/main" id="{3C9DC5BA-A083-A32D-DB15-55ED223B598C}"/>
+              </a:ext>
+            </a:extLst>
+          </p:cNvPr>
+          <p:cNvSpPr/>
+          <p:nvPr/>
+        </p:nvSpPr>
+        <p:spPr>
+          <a:xfrm>
+            <a:off x="838200" y="3937919"/>
+            <a:ext cx="3219922" cy="800336"/>
+          </a:xfrm>
+          <a:prstGeom prst="rect">
+            <a:avLst/>
+          </a:prstGeom>
+          <a:noFill/>
+          <a:ln>
+            <a:solidFill>
+              <a:srgbClr val="FF0000"/>
+            </a:solidFill>
+          </a:ln>
+        </p:spPr>
+        <p:style>
+          <a:lnRef idx="2">
+            <a:schemeClr val="accent1">
+              <a:shade val="15000"/>
+            </a:schemeClr>
+          </a:lnRef>
+          <a:fillRef idx="1">
+            <a:schemeClr val="accent1"/>
+          </a:fillRef>
+          <a:effectRef idx="0">
+            <a:schemeClr val="accent1"/>
+          </a:effectRef>
+          <a:fontRef idx="minor">
+            <a:schemeClr val="lt1"/>
+          </a:fontRef>
+        </p:style>
+        <p:txBody>
+          <a:bodyPr rtlCol="0" anchor="ctr"/>
+          <a:lstStyle/>
+          <a:p>
+            <a:pPr algn="ctr"/>
+            <a:endParaRPr lang="en-AU"/>
+          </a:p>
+        </p:txBody>
+      </p:sp>
+      <p:sp>
+        <p:nvSpPr>
+          <p:cNvPr id="7" name="TextBox 6">
+            <a:extLst>
+              <a:ext uri="{FF2B5EF4-FFF2-40B4-BE49-F238E27FC236}">
+                <a16:creationId xmlns:a16="http://schemas.microsoft.com/office/drawing/2014/main" id="{0D7D57C9-27D7-E80A-DF43-97F70899C081}"/>
+              </a:ext>
+            </a:extLst>
+          </p:cNvPr>
+          <p:cNvSpPr txBox="1"/>
+          <p:nvPr/>
+        </p:nvSpPr>
+        <p:spPr>
+          <a:xfrm>
+            <a:off x="5297474" y="1260263"/>
+            <a:ext cx="5756704" cy="5355312"/>
+          </a:xfrm>
+          <a:prstGeom prst="rect">
+            <a:avLst/>
+          </a:prstGeom>
+          <a:noFill/>
+          <a:ln>
+            <a:solidFill>
+              <a:srgbClr val="FF0000"/>
+            </a:solidFill>
+          </a:ln>
+        </p:spPr>
+        <p:txBody>
+          <a:bodyPr wrap="none" rtlCol="0">
+            <a:spAutoFit/>
+          </a:bodyPr>
+          <a:lstStyle/>
+          <a:p>
+            <a:r>
+              <a:rPr lang="en-US" dirty="0">
+                <a:latin typeface="Consolas" panose="020B0609020204030204" pitchFamily="49" charset="0"/>
+              </a:rPr>
+              <a:t>//</a:t>
+            </a:r>
+          </a:p>
+          <a:p>
+            <a:r>
+              <a:rPr lang="en-US" dirty="0">
+                <a:latin typeface="Consolas" panose="020B0609020204030204" pitchFamily="49" charset="0"/>
+              </a:rPr>
+              <a:t>// Returns a copy of s with all leading and </a:t>
+            </a:r>
+            <a:br>
+              <a:rPr lang="en-US" dirty="0">
+                <a:latin typeface="Consolas" panose="020B0609020204030204" pitchFamily="49" charset="0"/>
+              </a:rPr>
+            </a:br>
+            <a:r>
+              <a:rPr lang="en-US" dirty="0">
+                <a:latin typeface="Consolas" panose="020B0609020204030204" pitchFamily="49" charset="0"/>
+              </a:rPr>
+              <a:t>// trailing spaces removed.</a:t>
+            </a:r>
+          </a:p>
+          <a:p>
+            <a:r>
+              <a:rPr lang="en-US" dirty="0">
+                <a:latin typeface="Consolas" panose="020B0609020204030204" pitchFamily="49" charset="0"/>
+              </a:rPr>
+              <a:t>// E.g. strip(" apple  ") returns "apple".</a:t>
+            </a:r>
+          </a:p>
+          <a:p>
+            <a:r>
+              <a:rPr lang="en-US" dirty="0">
+                <a:latin typeface="Consolas" panose="020B0609020204030204" pitchFamily="49" charset="0"/>
+              </a:rPr>
+              <a:t>//</a:t>
+            </a:r>
+          </a:p>
+          <a:p>
+            <a:r>
+              <a:rPr lang="en-US" dirty="0">
+                <a:latin typeface="Consolas" panose="020B0609020204030204" pitchFamily="49" charset="0"/>
+              </a:rPr>
+              <a:t>string strip(const string&amp; s) </a:t>
+            </a:r>
+          </a:p>
+          <a:p>
+            <a:r>
+              <a:rPr lang="en-US" dirty="0">
+                <a:latin typeface="Consolas" panose="020B0609020204030204" pitchFamily="49" charset="0"/>
+              </a:rPr>
+              <a:t>{</a:t>
+            </a:r>
+          </a:p>
+          <a:p>
+            <a:r>
+              <a:rPr lang="en-US" dirty="0">
+                <a:latin typeface="Consolas" panose="020B0609020204030204" pitchFamily="49" charset="0"/>
+              </a:rPr>
+              <a:t>    int i = 0;</a:t>
+            </a:r>
+          </a:p>
+          <a:p>
+            <a:r>
+              <a:rPr lang="en-US" dirty="0">
+                <a:latin typeface="Consolas" panose="020B0609020204030204" pitchFamily="49" charset="0"/>
+              </a:rPr>
+              <a:t>    while (i &lt; s.size() &amp;&amp; s[i] == ' ') </a:t>
+            </a:r>
+          </a:p>
+          <a:p>
+            <a:r>
+              <a:rPr lang="en-US" dirty="0">
+                <a:latin typeface="Consolas" panose="020B0609020204030204" pitchFamily="49" charset="0"/>
+              </a:rPr>
+              <a:t>    {</a:t>
+            </a:r>
+          </a:p>
+          <a:p>
+            <a:r>
+              <a:rPr lang="en-US" dirty="0">
+                <a:latin typeface="Consolas" panose="020B0609020204030204" pitchFamily="49" charset="0"/>
+              </a:rPr>
+              <a:t>        i++;</a:t>
+            </a:r>
+          </a:p>
+          <a:p>
+            <a:r>
+              <a:rPr lang="en-US" dirty="0">
+                <a:latin typeface="Consolas" panose="020B0609020204030204" pitchFamily="49" charset="0"/>
+              </a:rPr>
+              <a:t>    }</a:t>
+            </a:r>
+          </a:p>
+          <a:p>
+            <a:r>
+              <a:rPr lang="en-US" dirty="0">
+                <a:latin typeface="Consolas" panose="020B0609020204030204" pitchFamily="49" charset="0"/>
+              </a:rPr>
+              <a:t>    int j = s.size() - 1;</a:t>
+            </a:r>
+          </a:p>
+          <a:p>
+            <a:r>
+              <a:rPr lang="en-US" dirty="0">
+                <a:latin typeface="Consolas" panose="020B0609020204030204" pitchFamily="49" charset="0"/>
+              </a:rPr>
+              <a:t>    while (j &gt;= 0 &amp;&amp; s[j] == ' ') </a:t>
+            </a:r>
+          </a:p>
+          <a:p>
+            <a:r>
+              <a:rPr lang="en-US" dirty="0">
+                <a:latin typeface="Consolas" panose="020B0609020204030204" pitchFamily="49" charset="0"/>
+              </a:rPr>
+              <a:t>    {</a:t>
+            </a:r>
+          </a:p>
+          <a:p>
+            <a:r>
+              <a:rPr lang="en-US" dirty="0">
+                <a:latin typeface="Consolas" panose="020B0609020204030204" pitchFamily="49" charset="0"/>
+              </a:rPr>
+              <a:t>        j--;</a:t>
+            </a:r>
+          </a:p>
+          <a:p>
+            <a:r>
+              <a:rPr lang="en-US" dirty="0">
+                <a:latin typeface="Consolas" panose="020B0609020204030204" pitchFamily="49" charset="0"/>
+              </a:rPr>
+              <a:t>    }</a:t>
+            </a:r>
+          </a:p>
+          <a:p>
+            <a:r>
+              <a:rPr lang="en-US" dirty="0">
+                <a:latin typeface="Consolas" panose="020B0609020204030204" pitchFamily="49" charset="0"/>
+              </a:rPr>
+              <a:t>    return </a:t>
+            </a:r>
+            <a:r>
+              <a:rPr lang="en-US" dirty="0" err="1">
+                <a:latin typeface="Consolas" panose="020B0609020204030204" pitchFamily="49" charset="0"/>
+              </a:rPr>
+              <a:t>s.substr</a:t>
+            </a:r>
+            <a:r>
+              <a:rPr lang="en-US" dirty="0">
+                <a:latin typeface="Consolas" panose="020B0609020204030204" pitchFamily="49" charset="0"/>
+              </a:rPr>
+              <a:t>(i, j - i + 1);</a:t>
+            </a:r>
+          </a:p>
+          <a:p>
+            <a:r>
+              <a:rPr lang="en-US" dirty="0">
+                <a:latin typeface="Consolas" panose="020B0609020204030204" pitchFamily="49" charset="0"/>
+              </a:rPr>
+              <a:t>}</a:t>
+            </a:r>
+            <a:endParaRPr lang="en-AU" dirty="0">
+              <a:latin typeface="Consolas" panose="020B0609020204030204" pitchFamily="49" charset="0"/>
+            </a:endParaRPr>
+          </a:p>
+        </p:txBody>
+      </p:sp>
+      <p:sp>
+        <p:nvSpPr>
+          <p:cNvPr id="12" name="TextBox 11">
+            <a:extLst>
+              <a:ext uri="{FF2B5EF4-FFF2-40B4-BE49-F238E27FC236}">
+                <a16:creationId xmlns:a16="http://schemas.microsoft.com/office/drawing/2014/main" id="{48ABF86D-F49F-85E8-15A5-46E8D90368B9}"/>
+              </a:ext>
+            </a:extLst>
+          </p:cNvPr>
+          <p:cNvSpPr txBox="1"/>
+          <p:nvPr/>
+        </p:nvSpPr>
+        <p:spPr>
+          <a:xfrm>
+            <a:off x="6732364" y="185667"/>
+            <a:ext cx="2735958" cy="923330"/>
+          </a:xfrm>
+          <a:prstGeom prst="rect">
+            <a:avLst/>
+          </a:prstGeom>
+          <a:solidFill>
+            <a:schemeClr val="accent4">
+              <a:lumMod val="40000"/>
+              <a:lumOff val="60000"/>
+            </a:schemeClr>
+          </a:solidFill>
+        </p:spPr>
+        <p:txBody>
+          <a:bodyPr wrap="square" rtlCol="0">
+            <a:spAutoFit/>
+          </a:bodyPr>
+          <a:lstStyle/>
+          <a:p>
+            <a:pPr algn="ctr"/>
+            <a:r>
+              <a:rPr lang="en-CA" dirty="0"/>
+              <a:t>Tools like ChatGPT/CoPilot can help generate test cases and test code …</a:t>
+            </a:r>
+          </a:p>
+        </p:txBody>
+      </p:sp>
     </p:spTree>
     <p:extLst>
       <p:ext uri="{BB962C8B-B14F-4D97-AF65-F5344CB8AC3E}">
-        <p14:creationId xmlns:p14="http://schemas.microsoft.com/office/powerpoint/2010/main" val="3036112539"/>
+        <p14:creationId xmlns:p14="http://schemas.microsoft.com/office/powerpoint/2010/main" val="1542201987"/>
       </p:ext>
     </p:extLst>
   </p:cSld>
@@ -24977,7 +25470,7 @@
           <p:cNvPr id="2" name="Title 1">
             <a:extLst>
               <a:ext uri="{FF2B5EF4-FFF2-40B4-BE49-F238E27FC236}">
-                <a16:creationId xmlns:a16="http://schemas.microsoft.com/office/drawing/2014/main" id="{54AB4E2D-5CD6-1176-E31E-32E24930D22D}"/>
+                <a16:creationId xmlns:a16="http://schemas.microsoft.com/office/drawing/2014/main" id="{0E49562F-963D-4D0B-C687-05307E2BAA38}"/>
               </a:ext>
             </a:extLst>
           </p:cNvPr>
@@ -24988,14 +25481,19 @@
             <p:ph type="title"/>
           </p:nvPr>
         </p:nvSpPr>
-        <p:spPr/>
+        <p:spPr>
+          <a:xfrm>
+            <a:off x="838200" y="365125"/>
+            <a:ext cx="4459274" cy="1325563"/>
+          </a:xfrm>
+        </p:spPr>
         <p:txBody>
           <a:bodyPr/>
           <a:lstStyle/>
           <a:p>
             <a:r>
               <a:rPr lang="en-CA" dirty="0"/>
-              <a:t>Pointers and Memory Management</a:t>
+              <a:t>Testing Techniques</a:t>
             </a:r>
             <a:endParaRPr lang="en-AU" dirty="0"/>
           </a:p>
@@ -25006,7 +25504,7 @@
           <p:cNvPr id="3" name="Content Placeholder 2">
             <a:extLst>
               <a:ext uri="{FF2B5EF4-FFF2-40B4-BE49-F238E27FC236}">
-                <a16:creationId xmlns:a16="http://schemas.microsoft.com/office/drawing/2014/main" id="{40B721B6-8B02-0123-2B53-573B1CA3B184}"/>
+                <a16:creationId xmlns:a16="http://schemas.microsoft.com/office/drawing/2014/main" id="{F2FFFECB-C411-F159-0B3A-E94A7EBC1817}"/>
               </a:ext>
             </a:extLst>
           </p:cNvPr>
@@ -25017,73 +25515,78 @@
             <p:ph idx="1"/>
           </p:nvPr>
         </p:nvSpPr>
-        <p:spPr/>
+        <p:spPr>
+          <a:xfrm>
+            <a:off x="838200" y="1825625"/>
+            <a:ext cx="3393734" cy="2912630"/>
+          </a:xfrm>
+        </p:spPr>
         <p:txBody>
           <a:bodyPr/>
           <a:lstStyle/>
           <a:p>
-            <a:r>
-              <a:rPr lang="en-CA" dirty="0"/>
-              <a:t>Managing memory is a major topic in C++</a:t>
-            </a:r>
-          </a:p>
-          <a:p>
-            <a:r>
-              <a:rPr lang="en-CA" dirty="0"/>
-              <a:t>While </a:t>
-            </a:r>
-            <a:r>
-              <a:rPr lang="en-CA" b="1" dirty="0"/>
-              <a:t>call-stack memory </a:t>
-            </a:r>
-            <a:r>
-              <a:rPr lang="en-CA" dirty="0"/>
-              <a:t>is automatically managed, </a:t>
-            </a:r>
-            <a:r>
-              <a:rPr lang="en-CA" b="1" dirty="0"/>
-              <a:t>free store memory</a:t>
-            </a:r>
-            <a:r>
-              <a:rPr lang="en-CA" dirty="0"/>
-              <a:t> is manually managed by the programmer</a:t>
-            </a:r>
-          </a:p>
-          <a:p>
-            <a:pPr lvl="1"/>
-            <a:r>
-              <a:rPr lang="en-CA" dirty="0"/>
-              <a:t>In contrast, most other programming languages automatically manage memory using a special program called a </a:t>
-            </a:r>
-            <a:r>
-              <a:rPr lang="en-CA" b="1" dirty="0"/>
-              <a:t>garbage collector </a:t>
-            </a:r>
-            <a:r>
-              <a:rPr lang="en-CA" dirty="0"/>
-              <a:t>that runs while your program runs</a:t>
-            </a:r>
-          </a:p>
-          <a:p>
-            <a:pPr lvl="1"/>
-            <a:r>
-              <a:rPr lang="en-CA" dirty="0"/>
-              <a:t>The garbage collector automatically de-allocates any unused memory</a:t>
-            </a:r>
-          </a:p>
-          <a:p>
-            <a:pPr lvl="1"/>
-            <a:r>
-              <a:rPr lang="en-CA" dirty="0"/>
-              <a:t>Garbage collectors can result in slightly slower programs, or programs with short pauses, which might not be acceptable in real-time applications</a:t>
-            </a:r>
-          </a:p>
-          <a:p>
-            <a:r>
-              <a:rPr lang="en-CA" dirty="0"/>
-              <a:t>In C++, to use free store memory you must use pointers …</a:t>
-            </a:r>
-            <a:endParaRPr lang="en-AU" dirty="0"/>
+            <a:pPr marL="514350" indent="-514350">
+              <a:buFont typeface="+mj-lt"/>
+              <a:buAutoNum type="arabicPeriod"/>
+            </a:pPr>
+            <a:r>
+              <a:rPr lang="en-CA" dirty="0"/>
+              <a:t>If-style tests</a:t>
+            </a:r>
+          </a:p>
+          <a:p>
+            <a:pPr marL="514350" indent="-514350">
+              <a:buFont typeface="+mj-lt"/>
+              <a:buAutoNum type="arabicPeriod"/>
+            </a:pPr>
+            <a:r>
+              <a:rPr lang="en-CA" dirty="0"/>
+              <a:t>Assert-style tests</a:t>
+            </a:r>
+          </a:p>
+          <a:p>
+            <a:pPr marL="514350" indent="-514350">
+              <a:buFont typeface="+mj-lt"/>
+              <a:buAutoNum type="arabicPeriod"/>
+            </a:pPr>
+            <a:r>
+              <a:rPr lang="en-CA" dirty="0"/>
+              <a:t>Table-based tests</a:t>
+            </a:r>
+          </a:p>
+          <a:p>
+            <a:pPr marL="514350" indent="-514350">
+              <a:buFont typeface="+mj-lt"/>
+              <a:buAutoNum type="arabicPeriod"/>
+            </a:pPr>
+            <a:r>
+              <a:rPr lang="en-CA" dirty="0"/>
+              <a:t>Property testing</a:t>
+            </a:r>
+          </a:p>
+          <a:p>
+            <a:pPr marL="514350" indent="-514350">
+              <a:buFont typeface="+mj-lt"/>
+              <a:buAutoNum type="arabicPeriod"/>
+            </a:pPr>
+            <a:r>
+              <a:rPr lang="en-CA" dirty="0"/>
+              <a:t>Using ChatGPT to </a:t>
+            </a:r>
+            <a:br>
+              <a:rPr lang="en-CA" dirty="0"/>
+            </a:br>
+            <a:r>
+              <a:rPr lang="en-CA" dirty="0"/>
+              <a:t>help with testing</a:t>
+            </a:r>
+          </a:p>
+          <a:p>
+            <a:pPr marL="0" indent="0">
+              <a:buFont typeface="+mj-lt"/>
+              <a:buNone/>
+            </a:pPr>
+            <a:endParaRPr lang="en-CA" dirty="0"/>
           </a:p>
         </p:txBody>
       </p:sp>
@@ -25092,7 +25595,7 @@
           <p:cNvPr id="4" name="Slide Number Placeholder 3">
             <a:extLst>
               <a:ext uri="{FF2B5EF4-FFF2-40B4-BE49-F238E27FC236}">
-                <a16:creationId xmlns:a16="http://schemas.microsoft.com/office/drawing/2014/main" id="{130E6670-A4DB-F733-7470-2FED74276CB8}"/>
+                <a16:creationId xmlns:a16="http://schemas.microsoft.com/office/drawing/2014/main" id="{5EB085EF-2895-8571-5B28-5AFA847524D5}"/>
               </a:ext>
             </a:extLst>
           </p:cNvPr>
@@ -25117,10 +25620,458 @@
           </a:p>
         </p:txBody>
       </p:sp>
+      <p:sp>
+        <p:nvSpPr>
+          <p:cNvPr id="8" name="Rectangle 7">
+            <a:extLst>
+              <a:ext uri="{FF2B5EF4-FFF2-40B4-BE49-F238E27FC236}">
+                <a16:creationId xmlns:a16="http://schemas.microsoft.com/office/drawing/2014/main" id="{3C9DC5BA-A083-A32D-DB15-55ED223B598C}"/>
+              </a:ext>
+            </a:extLst>
+          </p:cNvPr>
+          <p:cNvSpPr/>
+          <p:nvPr/>
+        </p:nvSpPr>
+        <p:spPr>
+          <a:xfrm>
+            <a:off x="838200" y="3937919"/>
+            <a:ext cx="3219922" cy="800336"/>
+          </a:xfrm>
+          <a:prstGeom prst="rect">
+            <a:avLst/>
+          </a:prstGeom>
+          <a:noFill/>
+          <a:ln>
+            <a:solidFill>
+              <a:srgbClr val="FF0000"/>
+            </a:solidFill>
+          </a:ln>
+        </p:spPr>
+        <p:style>
+          <a:lnRef idx="2">
+            <a:schemeClr val="accent1">
+              <a:shade val="15000"/>
+            </a:schemeClr>
+          </a:lnRef>
+          <a:fillRef idx="1">
+            <a:schemeClr val="accent1"/>
+          </a:fillRef>
+          <a:effectRef idx="0">
+            <a:schemeClr val="accent1"/>
+          </a:effectRef>
+          <a:fontRef idx="minor">
+            <a:schemeClr val="lt1"/>
+          </a:fontRef>
+        </p:style>
+        <p:txBody>
+          <a:bodyPr rtlCol="0" anchor="ctr"/>
+          <a:lstStyle/>
+          <a:p>
+            <a:pPr algn="ctr"/>
+            <a:endParaRPr lang="en-AU"/>
+          </a:p>
+        </p:txBody>
+      </p:sp>
+      <p:sp>
+        <p:nvSpPr>
+          <p:cNvPr id="7" name="TextBox 6">
+            <a:extLst>
+              <a:ext uri="{FF2B5EF4-FFF2-40B4-BE49-F238E27FC236}">
+                <a16:creationId xmlns:a16="http://schemas.microsoft.com/office/drawing/2014/main" id="{0D7D57C9-27D7-E80A-DF43-97F70899C081}"/>
+              </a:ext>
+            </a:extLst>
+          </p:cNvPr>
+          <p:cNvSpPr txBox="1"/>
+          <p:nvPr/>
+        </p:nvSpPr>
+        <p:spPr>
+          <a:xfrm>
+            <a:off x="5115766" y="1229896"/>
+            <a:ext cx="6896440" cy="5262979"/>
+          </a:xfrm>
+          <a:prstGeom prst="rect">
+            <a:avLst/>
+          </a:prstGeom>
+          <a:noFill/>
+          <a:ln>
+            <a:solidFill>
+              <a:srgbClr val="FF0000"/>
+            </a:solidFill>
+          </a:ln>
+        </p:spPr>
+        <p:txBody>
+          <a:bodyPr wrap="none" rtlCol="0">
+            <a:spAutoFit/>
+          </a:bodyPr>
+          <a:lstStyle/>
+          <a:p>
+            <a:r>
+              <a:rPr lang="en-US" sz="1200" dirty="0">
+                <a:latin typeface="Consolas" panose="020B0609020204030204" pitchFamily="49" charset="0"/>
+              </a:rPr>
+              <a:t>Write test code for this C++ function:</a:t>
+            </a:r>
+          </a:p>
+          <a:p>
+            <a:endParaRPr lang="en-US" sz="1200" dirty="0">
+              <a:latin typeface="Consolas" panose="020B0609020204030204" pitchFamily="49" charset="0"/>
+            </a:endParaRPr>
+          </a:p>
+          <a:p>
+            <a:r>
+              <a:rPr lang="en-US" sz="1200" dirty="0">
+                <a:latin typeface="Consolas" panose="020B0609020204030204" pitchFamily="49" charset="0"/>
+              </a:rPr>
+              <a:t>//</a:t>
+            </a:r>
+          </a:p>
+          <a:p>
+            <a:r>
+              <a:rPr lang="en-US" sz="1200" dirty="0">
+                <a:latin typeface="Consolas" panose="020B0609020204030204" pitchFamily="49" charset="0"/>
+              </a:rPr>
+              <a:t>// Returns a copy of s with all leading and trailing spaces removed.</a:t>
+            </a:r>
+          </a:p>
+          <a:p>
+            <a:r>
+              <a:rPr lang="en-US" sz="1200" dirty="0">
+                <a:latin typeface="Consolas" panose="020B0609020204030204" pitchFamily="49" charset="0"/>
+              </a:rPr>
+              <a:t>// E.g. strip(" apple  ") returns "apple".</a:t>
+            </a:r>
+          </a:p>
+          <a:p>
+            <a:r>
+              <a:rPr lang="en-US" sz="1200" dirty="0">
+                <a:latin typeface="Consolas" panose="020B0609020204030204" pitchFamily="49" charset="0"/>
+              </a:rPr>
+              <a:t>//</a:t>
+            </a:r>
+          </a:p>
+          <a:p>
+            <a:r>
+              <a:rPr lang="en-US" sz="1200" dirty="0">
+                <a:latin typeface="Consolas" panose="020B0609020204030204" pitchFamily="49" charset="0"/>
+              </a:rPr>
+              <a:t>string strip(const string&amp; s) </a:t>
+            </a:r>
+          </a:p>
+          <a:p>
+            <a:r>
+              <a:rPr lang="en-US" sz="1200" dirty="0">
+                <a:latin typeface="Consolas" panose="020B0609020204030204" pitchFamily="49" charset="0"/>
+              </a:rPr>
+              <a:t>{</a:t>
+            </a:r>
+          </a:p>
+          <a:p>
+            <a:r>
+              <a:rPr lang="en-US" sz="1200" dirty="0">
+                <a:latin typeface="Consolas" panose="020B0609020204030204" pitchFamily="49" charset="0"/>
+              </a:rPr>
+              <a:t>    int i = 0;</a:t>
+            </a:r>
+          </a:p>
+          <a:p>
+            <a:r>
+              <a:rPr lang="en-US" sz="1200" dirty="0">
+                <a:latin typeface="Consolas" panose="020B0609020204030204" pitchFamily="49" charset="0"/>
+              </a:rPr>
+              <a:t>    while (i &lt; s.size() &amp;&amp; s[i] == ' ') </a:t>
+            </a:r>
+          </a:p>
+          <a:p>
+            <a:r>
+              <a:rPr lang="en-US" sz="1200" dirty="0">
+                <a:latin typeface="Consolas" panose="020B0609020204030204" pitchFamily="49" charset="0"/>
+              </a:rPr>
+              <a:t>    {</a:t>
+            </a:r>
+          </a:p>
+          <a:p>
+            <a:r>
+              <a:rPr lang="en-US" sz="1200" dirty="0">
+                <a:latin typeface="Consolas" panose="020B0609020204030204" pitchFamily="49" charset="0"/>
+              </a:rPr>
+              <a:t>        i++;</a:t>
+            </a:r>
+          </a:p>
+          <a:p>
+            <a:r>
+              <a:rPr lang="en-US" sz="1200" dirty="0">
+                <a:latin typeface="Consolas" panose="020B0609020204030204" pitchFamily="49" charset="0"/>
+              </a:rPr>
+              <a:t>    }</a:t>
+            </a:r>
+          </a:p>
+          <a:p>
+            <a:r>
+              <a:rPr lang="en-US" sz="1200" dirty="0">
+                <a:latin typeface="Consolas" panose="020B0609020204030204" pitchFamily="49" charset="0"/>
+              </a:rPr>
+              <a:t>    int j = s.size() - 1;</a:t>
+            </a:r>
+          </a:p>
+          <a:p>
+            <a:r>
+              <a:rPr lang="en-US" sz="1200" dirty="0">
+                <a:latin typeface="Consolas" panose="020B0609020204030204" pitchFamily="49" charset="0"/>
+              </a:rPr>
+              <a:t>    while (j &gt;= 0 &amp;&amp; s[j] == ' ') </a:t>
+            </a:r>
+          </a:p>
+          <a:p>
+            <a:r>
+              <a:rPr lang="en-US" sz="1200" dirty="0">
+                <a:latin typeface="Consolas" panose="020B0609020204030204" pitchFamily="49" charset="0"/>
+              </a:rPr>
+              <a:t>    {</a:t>
+            </a:r>
+          </a:p>
+          <a:p>
+            <a:r>
+              <a:rPr lang="en-US" sz="1200" dirty="0">
+                <a:latin typeface="Consolas" panose="020B0609020204030204" pitchFamily="49" charset="0"/>
+              </a:rPr>
+              <a:t>        j--;</a:t>
+            </a:r>
+          </a:p>
+          <a:p>
+            <a:r>
+              <a:rPr lang="en-US" sz="1200" dirty="0">
+                <a:latin typeface="Consolas" panose="020B0609020204030204" pitchFamily="49" charset="0"/>
+              </a:rPr>
+              <a:t>    }</a:t>
+            </a:r>
+          </a:p>
+          <a:p>
+            <a:r>
+              <a:rPr lang="en-US" sz="1200" dirty="0">
+                <a:latin typeface="Consolas" panose="020B0609020204030204" pitchFamily="49" charset="0"/>
+              </a:rPr>
+              <a:t>    return </a:t>
+            </a:r>
+            <a:r>
+              <a:rPr lang="en-US" sz="1200" dirty="0" err="1">
+                <a:latin typeface="Consolas" panose="020B0609020204030204" pitchFamily="49" charset="0"/>
+              </a:rPr>
+              <a:t>s.substr</a:t>
+            </a:r>
+            <a:r>
+              <a:rPr lang="en-US" sz="1200" dirty="0">
+                <a:latin typeface="Consolas" panose="020B0609020204030204" pitchFamily="49" charset="0"/>
+              </a:rPr>
+              <a:t>(i, j - i + 1);</a:t>
+            </a:r>
+          </a:p>
+          <a:p>
+            <a:r>
+              <a:rPr lang="en-US" sz="1200" dirty="0">
+                <a:latin typeface="Consolas" panose="020B0609020204030204" pitchFamily="49" charset="0"/>
+              </a:rPr>
+              <a:t>}</a:t>
+            </a:r>
+          </a:p>
+          <a:p>
+            <a:r>
+              <a:rPr lang="en-US" sz="1200" dirty="0">
+                <a:latin typeface="Consolas" panose="020B0609020204030204" pitchFamily="49" charset="0"/>
+              </a:rPr>
+              <a:t>  </a:t>
+            </a:r>
+          </a:p>
+          <a:p>
+            <a:r>
+              <a:rPr lang="en-US" sz="1200" dirty="0">
+                <a:latin typeface="Consolas" panose="020B0609020204030204" pitchFamily="49" charset="0"/>
+              </a:rPr>
+              <a:t>Use table-style testing where each test starts with a string description</a:t>
+            </a:r>
+          </a:p>
+          <a:p>
+            <a:r>
+              <a:rPr lang="en-US" sz="1200" dirty="0">
+                <a:latin typeface="Consolas" panose="020B0609020204030204" pitchFamily="49" charset="0"/>
+              </a:rPr>
+              <a:t>followed by an input and an expected output. Include a variety of test cases:</a:t>
+            </a:r>
+          </a:p>
+          <a:p>
+            <a:r>
+              <a:rPr lang="en-US" sz="1200" dirty="0">
+                <a:latin typeface="Consolas" panose="020B0609020204030204" pitchFamily="49" charset="0"/>
+              </a:rPr>
+              <a:t>small inputs, big input, extreme inputs, random inputs, etc. Use code to check</a:t>
+            </a:r>
+          </a:p>
+          <a:p>
+            <a:r>
+              <a:rPr lang="en-US" sz="1200" dirty="0">
+                <a:latin typeface="Consolas" panose="020B0609020204030204" pitchFamily="49" charset="0"/>
+              </a:rPr>
+              <a:t>that all the inputs are correct. If a test fails, print a neatly indented error</a:t>
+            </a:r>
+          </a:p>
+          <a:p>
+            <a:r>
+              <a:rPr lang="en-US" sz="1200" dirty="0">
+                <a:latin typeface="Consolas" panose="020B0609020204030204" pitchFamily="49" charset="0"/>
+              </a:rPr>
+              <a:t>message showing the expected and actual results in a way that's easy for the</a:t>
+            </a:r>
+          </a:p>
+          <a:p>
+            <a:r>
+              <a:rPr lang="en-US" sz="1200" dirty="0">
+                <a:latin typeface="Consolas" panose="020B0609020204030204" pitchFamily="49" charset="0"/>
+              </a:rPr>
+              <a:t>programmer to understand. Also number the test cases, and at the end print a</a:t>
+            </a:r>
+          </a:p>
+          <a:p>
+            <a:r>
+              <a:rPr lang="en-US" sz="1200" dirty="0">
+                <a:latin typeface="Consolas" panose="020B0609020204030204" pitchFamily="49" charset="0"/>
+              </a:rPr>
+              <a:t>summary of how many tests passed and how many failed.</a:t>
+            </a:r>
+            <a:endParaRPr lang="en-AU" sz="1200" dirty="0">
+              <a:latin typeface="Consolas" panose="020B0609020204030204" pitchFamily="49" charset="0"/>
+            </a:endParaRPr>
+          </a:p>
+        </p:txBody>
+      </p:sp>
+      <p:sp>
+        <p:nvSpPr>
+          <p:cNvPr id="12" name="TextBox 11">
+            <a:extLst>
+              <a:ext uri="{FF2B5EF4-FFF2-40B4-BE49-F238E27FC236}">
+                <a16:creationId xmlns:a16="http://schemas.microsoft.com/office/drawing/2014/main" id="{48ABF86D-F49F-85E8-15A5-46E8D90368B9}"/>
+              </a:ext>
+            </a:extLst>
+          </p:cNvPr>
+          <p:cNvSpPr txBox="1"/>
+          <p:nvPr/>
+        </p:nvSpPr>
+        <p:spPr>
+          <a:xfrm>
+            <a:off x="7196007" y="381575"/>
+            <a:ext cx="2735958" cy="646331"/>
+          </a:xfrm>
+          <a:prstGeom prst="rect">
+            <a:avLst/>
+          </a:prstGeom>
+          <a:solidFill>
+            <a:schemeClr val="accent4">
+              <a:lumMod val="40000"/>
+              <a:lumOff val="60000"/>
+            </a:schemeClr>
+          </a:solidFill>
+        </p:spPr>
+        <p:txBody>
+          <a:bodyPr wrap="square" rtlCol="0">
+            <a:spAutoFit/>
+          </a:bodyPr>
+          <a:lstStyle/>
+          <a:p>
+            <a:pPr algn="ctr"/>
+            <a:r>
+              <a:rPr lang="en-CA" dirty="0"/>
+              <a:t>I gave this entire “prompt” into ChatGPT …</a:t>
+            </a:r>
+          </a:p>
+        </p:txBody>
+      </p:sp>
+      <p:sp>
+        <p:nvSpPr>
+          <p:cNvPr id="5" name="Left Brace 4">
+            <a:extLst>
+              <a:ext uri="{FF2B5EF4-FFF2-40B4-BE49-F238E27FC236}">
+                <a16:creationId xmlns:a16="http://schemas.microsoft.com/office/drawing/2014/main" id="{1A7B4E40-E4E9-2261-67F8-F3318B921015}"/>
+              </a:ext>
+            </a:extLst>
+          </p:cNvPr>
+          <p:cNvSpPr/>
+          <p:nvPr/>
+        </p:nvSpPr>
+        <p:spPr>
+          <a:xfrm>
+            <a:off x="4976446" y="5122985"/>
+            <a:ext cx="139320" cy="1277815"/>
+          </a:xfrm>
+          <a:prstGeom prst="leftBrace">
+            <a:avLst/>
+          </a:prstGeom>
+        </p:spPr>
+        <p:style>
+          <a:lnRef idx="1">
+            <a:schemeClr val="accent1"/>
+          </a:lnRef>
+          <a:fillRef idx="0">
+            <a:schemeClr val="accent1"/>
+          </a:fillRef>
+          <a:effectRef idx="0">
+            <a:schemeClr val="accent1"/>
+          </a:effectRef>
+          <a:fontRef idx="minor">
+            <a:schemeClr val="tx1"/>
+          </a:fontRef>
+        </p:style>
+        <p:txBody>
+          <a:bodyPr rtlCol="0" anchor="ctr"/>
+          <a:lstStyle/>
+          <a:p>
+            <a:pPr algn="ctr"/>
+            <a:endParaRPr lang="en-AU"/>
+          </a:p>
+        </p:txBody>
+      </p:sp>
+      <p:sp>
+        <p:nvSpPr>
+          <p:cNvPr id="6" name="TextBox 5">
+            <a:extLst>
+              <a:ext uri="{FF2B5EF4-FFF2-40B4-BE49-F238E27FC236}">
+                <a16:creationId xmlns:a16="http://schemas.microsoft.com/office/drawing/2014/main" id="{96BE26E9-4920-CC92-5136-9117267D6500}"/>
+              </a:ext>
+            </a:extLst>
+          </p:cNvPr>
+          <p:cNvSpPr txBox="1"/>
+          <p:nvPr/>
+        </p:nvSpPr>
+        <p:spPr>
+          <a:xfrm>
+            <a:off x="1513052" y="5200471"/>
+            <a:ext cx="3393734" cy="1200329"/>
+          </a:xfrm>
+          <a:prstGeom prst="rect">
+            <a:avLst/>
+          </a:prstGeom>
+          <a:solidFill>
+            <a:schemeClr val="accent4">
+              <a:lumMod val="40000"/>
+              <a:lumOff val="60000"/>
+            </a:schemeClr>
+          </a:solidFill>
+        </p:spPr>
+        <p:txBody>
+          <a:bodyPr wrap="square" rtlCol="0">
+            <a:spAutoFit/>
+          </a:bodyPr>
+          <a:lstStyle/>
+          <a:p>
+            <a:pPr algn="ctr"/>
+            <a:r>
+              <a:rPr lang="en-CA" dirty="0"/>
+              <a:t>This test is “boilerplate” that could be saved and re-used for any testing you want to do. Tweak it to get the results you want.</a:t>
+            </a:r>
+          </a:p>
+        </p:txBody>
+      </p:sp>
     </p:spTree>
     <p:extLst>
       <p:ext uri="{BB962C8B-B14F-4D97-AF65-F5344CB8AC3E}">
-        <p14:creationId xmlns:p14="http://schemas.microsoft.com/office/powerpoint/2010/main" val="1840618605"/>
+        <p14:creationId xmlns:p14="http://schemas.microsoft.com/office/powerpoint/2010/main" val="2619607218"/>
       </p:ext>
     </p:extLst>
   </p:cSld>
@@ -25152,7 +26103,7 @@
           <p:cNvPr id="2" name="Title 1">
             <a:extLst>
               <a:ext uri="{FF2B5EF4-FFF2-40B4-BE49-F238E27FC236}">
-                <a16:creationId xmlns:a16="http://schemas.microsoft.com/office/drawing/2014/main" id="{6E27C467-0D4B-5398-59B5-024CE8B55934}"/>
+                <a16:creationId xmlns:a16="http://schemas.microsoft.com/office/drawing/2014/main" id="{0E49562F-963D-4D0B-C687-05307E2BAA38}"/>
               </a:ext>
             </a:extLst>
           </p:cNvPr>
@@ -25163,14 +26114,19 @@
             <p:ph type="title"/>
           </p:nvPr>
         </p:nvSpPr>
-        <p:spPr/>
+        <p:spPr>
+          <a:xfrm>
+            <a:off x="838200" y="365125"/>
+            <a:ext cx="4459274" cy="1325563"/>
+          </a:xfrm>
+        </p:spPr>
         <p:txBody>
           <a:bodyPr/>
           <a:lstStyle/>
           <a:p>
             <a:r>
               <a:rPr lang="en-CA" dirty="0"/>
-              <a:t>Memory of a running C++ program</a:t>
+              <a:t>Testing Techniques</a:t>
             </a:r>
             <a:endParaRPr lang="en-AU" dirty="0"/>
           </a:p>
@@ -25178,10 +26134,101 @@
       </p:sp>
       <p:sp>
         <p:nvSpPr>
+          <p:cNvPr id="3" name="Content Placeholder 2">
+            <a:extLst>
+              <a:ext uri="{FF2B5EF4-FFF2-40B4-BE49-F238E27FC236}">
+                <a16:creationId xmlns:a16="http://schemas.microsoft.com/office/drawing/2014/main" id="{F2FFFECB-C411-F159-0B3A-E94A7EBC1817}"/>
+              </a:ext>
+            </a:extLst>
+          </p:cNvPr>
+          <p:cNvSpPr>
+            <a:spLocks noGrp="1"/>
+          </p:cNvSpPr>
+          <p:nvPr>
+            <p:ph idx="1"/>
+          </p:nvPr>
+        </p:nvSpPr>
+        <p:spPr>
+          <a:xfrm>
+            <a:off x="838200" y="1825625"/>
+            <a:ext cx="3393734" cy="2912630"/>
+          </a:xfrm>
+        </p:spPr>
+        <p:txBody>
+          <a:bodyPr/>
+          <a:lstStyle/>
+          <a:p>
+            <a:pPr marL="514350" indent="-514350">
+              <a:buFont typeface="+mj-lt"/>
+              <a:buAutoNum type="arabicPeriod"/>
+            </a:pPr>
+            <a:r>
+              <a:rPr lang="en-CA" dirty="0"/>
+              <a:t>If-style tests</a:t>
+            </a:r>
+          </a:p>
+          <a:p>
+            <a:pPr marL="514350" indent="-514350">
+              <a:buFont typeface="+mj-lt"/>
+              <a:buAutoNum type="arabicPeriod"/>
+            </a:pPr>
+            <a:r>
+              <a:rPr lang="en-CA" dirty="0"/>
+              <a:t>Assert-style tests</a:t>
+            </a:r>
+          </a:p>
+          <a:p>
+            <a:pPr marL="514350" indent="-514350">
+              <a:buFont typeface="+mj-lt"/>
+              <a:buAutoNum type="arabicPeriod"/>
+            </a:pPr>
+            <a:r>
+              <a:rPr lang="en-CA" dirty="0"/>
+              <a:t>Table-based tests</a:t>
+            </a:r>
+          </a:p>
+          <a:p>
+            <a:pPr marL="514350" indent="-514350">
+              <a:buFont typeface="+mj-lt"/>
+              <a:buAutoNum type="arabicPeriod"/>
+            </a:pPr>
+            <a:r>
+              <a:rPr lang="en-CA" dirty="0"/>
+              <a:t>Property testing</a:t>
+            </a:r>
+          </a:p>
+          <a:p>
+            <a:pPr marL="514350" indent="-514350">
+              <a:buFont typeface="+mj-lt"/>
+              <a:buAutoNum type="arabicPeriod"/>
+            </a:pPr>
+            <a:r>
+              <a:rPr lang="en-CA" dirty="0"/>
+              <a:t>Using ChatGPT to </a:t>
+            </a:r>
+            <a:br>
+              <a:rPr lang="en-CA" dirty="0"/>
+            </a:br>
+            <a:r>
+              <a:rPr lang="en-CA" dirty="0"/>
+              <a:t>help with testing</a:t>
+            </a:r>
+          </a:p>
+          <a:p>
+            <a:pPr marL="0" indent="0">
+              <a:buFont typeface="+mj-lt"/>
+              <a:buNone/>
+            </a:pPr>
+            <a:endParaRPr lang="en-CA" dirty="0"/>
+          </a:p>
+        </p:txBody>
+      </p:sp>
+      <p:sp>
+        <p:nvSpPr>
           <p:cNvPr id="4" name="Slide Number Placeholder 3">
             <a:extLst>
               <a:ext uri="{FF2B5EF4-FFF2-40B4-BE49-F238E27FC236}">
-                <a16:creationId xmlns:a16="http://schemas.microsoft.com/office/drawing/2014/main" id="{600631E4-52B7-B7DB-E129-DC961E8DDD93}"/>
+                <a16:creationId xmlns:a16="http://schemas.microsoft.com/office/drawing/2014/main" id="{5EB085EF-2895-8571-5B28-5AFA847524D5}"/>
               </a:ext>
             </a:extLst>
           </p:cNvPr>
@@ -25201,6 +26248,2786 @@
               <a:rPr lang="en-AU" smtClean="0"/>
               <a:pPr/>
               <a:t>37</a:t>
+            </a:fld>
+            <a:endParaRPr lang="en-AU" dirty="0"/>
+          </a:p>
+        </p:txBody>
+      </p:sp>
+      <p:sp>
+        <p:nvSpPr>
+          <p:cNvPr id="8" name="Rectangle 7">
+            <a:extLst>
+              <a:ext uri="{FF2B5EF4-FFF2-40B4-BE49-F238E27FC236}">
+                <a16:creationId xmlns:a16="http://schemas.microsoft.com/office/drawing/2014/main" id="{3C9DC5BA-A083-A32D-DB15-55ED223B598C}"/>
+              </a:ext>
+            </a:extLst>
+          </p:cNvPr>
+          <p:cNvSpPr/>
+          <p:nvPr/>
+        </p:nvSpPr>
+        <p:spPr>
+          <a:xfrm>
+            <a:off x="838200" y="3937919"/>
+            <a:ext cx="3219922" cy="800336"/>
+          </a:xfrm>
+          <a:prstGeom prst="rect">
+            <a:avLst/>
+          </a:prstGeom>
+          <a:noFill/>
+          <a:ln>
+            <a:solidFill>
+              <a:srgbClr val="FF0000"/>
+            </a:solidFill>
+          </a:ln>
+        </p:spPr>
+        <p:style>
+          <a:lnRef idx="2">
+            <a:schemeClr val="accent1">
+              <a:shade val="15000"/>
+            </a:schemeClr>
+          </a:lnRef>
+          <a:fillRef idx="1">
+            <a:schemeClr val="accent1"/>
+          </a:fillRef>
+          <a:effectRef idx="0">
+            <a:schemeClr val="accent1"/>
+          </a:effectRef>
+          <a:fontRef idx="minor">
+            <a:schemeClr val="lt1"/>
+          </a:fontRef>
+        </p:style>
+        <p:txBody>
+          <a:bodyPr rtlCol="0" anchor="ctr"/>
+          <a:lstStyle/>
+          <a:p>
+            <a:pPr algn="ctr"/>
+            <a:endParaRPr lang="en-AU"/>
+          </a:p>
+        </p:txBody>
+      </p:sp>
+      <p:sp>
+        <p:nvSpPr>
+          <p:cNvPr id="7" name="TextBox 6">
+            <a:extLst>
+              <a:ext uri="{FF2B5EF4-FFF2-40B4-BE49-F238E27FC236}">
+                <a16:creationId xmlns:a16="http://schemas.microsoft.com/office/drawing/2014/main" id="{0D7D57C9-27D7-E80A-DF43-97F70899C081}"/>
+              </a:ext>
+            </a:extLst>
+          </p:cNvPr>
+          <p:cNvSpPr txBox="1"/>
+          <p:nvPr/>
+        </p:nvSpPr>
+        <p:spPr>
+          <a:xfrm>
+            <a:off x="5203689" y="1093371"/>
+            <a:ext cx="6471643" cy="5447645"/>
+          </a:xfrm>
+          <a:prstGeom prst="rect">
+            <a:avLst/>
+          </a:prstGeom>
+          <a:noFill/>
+          <a:ln>
+            <a:solidFill>
+              <a:srgbClr val="FF0000"/>
+            </a:solidFill>
+          </a:ln>
+        </p:spPr>
+        <p:txBody>
+          <a:bodyPr wrap="none" rtlCol="0">
+            <a:spAutoFit/>
+          </a:bodyPr>
+          <a:lstStyle/>
+          <a:p>
+            <a:r>
+              <a:rPr lang="en-US" sz="1200" dirty="0">
+                <a:latin typeface="Consolas" panose="020B0609020204030204" pitchFamily="49" charset="0"/>
+              </a:rPr>
+              <a:t>// ... some code removed ...</a:t>
+            </a:r>
+          </a:p>
+          <a:p>
+            <a:endParaRPr lang="en-US" sz="1200" dirty="0">
+              <a:latin typeface="Consolas" panose="020B0609020204030204" pitchFamily="49" charset="0"/>
+            </a:endParaRPr>
+          </a:p>
+          <a:p>
+            <a:r>
+              <a:rPr lang="en-US" sz="1200" dirty="0">
+                <a:latin typeface="Consolas" panose="020B0609020204030204" pitchFamily="49" charset="0"/>
+              </a:rPr>
+              <a:t>// Struct to hold test cases</a:t>
+            </a:r>
+          </a:p>
+          <a:p>
+            <a:r>
+              <a:rPr lang="en-US" sz="1200" dirty="0">
+                <a:latin typeface="Consolas" panose="020B0609020204030204" pitchFamily="49" charset="0"/>
+              </a:rPr>
+              <a:t>struct </a:t>
+            </a:r>
+            <a:r>
+              <a:rPr lang="en-US" sz="1200" dirty="0" err="1">
+                <a:latin typeface="Consolas" panose="020B0609020204030204" pitchFamily="49" charset="0"/>
+              </a:rPr>
+              <a:t>TestCase</a:t>
+            </a:r>
+            <a:r>
+              <a:rPr lang="en-US" sz="1200" dirty="0">
+                <a:latin typeface="Consolas" panose="020B0609020204030204" pitchFamily="49" charset="0"/>
+              </a:rPr>
+              <a:t> {</a:t>
+            </a:r>
+          </a:p>
+          <a:p>
+            <a:r>
+              <a:rPr lang="en-US" sz="1200" dirty="0">
+                <a:latin typeface="Consolas" panose="020B0609020204030204" pitchFamily="49" charset="0"/>
+              </a:rPr>
+              <a:t>    string description;</a:t>
+            </a:r>
+          </a:p>
+          <a:p>
+            <a:r>
+              <a:rPr lang="en-US" sz="1200" dirty="0">
+                <a:latin typeface="Consolas" panose="020B0609020204030204" pitchFamily="49" charset="0"/>
+              </a:rPr>
+              <a:t>    string input;</a:t>
+            </a:r>
+          </a:p>
+          <a:p>
+            <a:r>
+              <a:rPr lang="en-US" sz="1200" dirty="0">
+                <a:latin typeface="Consolas" panose="020B0609020204030204" pitchFamily="49" charset="0"/>
+              </a:rPr>
+              <a:t>    string </a:t>
+            </a:r>
+            <a:r>
+              <a:rPr lang="en-US" sz="1200" dirty="0" err="1">
+                <a:latin typeface="Consolas" panose="020B0609020204030204" pitchFamily="49" charset="0"/>
+              </a:rPr>
+              <a:t>expectedOutput</a:t>
+            </a:r>
+            <a:r>
+              <a:rPr lang="en-US" sz="1200" dirty="0">
+                <a:latin typeface="Consolas" panose="020B0609020204030204" pitchFamily="49" charset="0"/>
+              </a:rPr>
+              <a:t>;</a:t>
+            </a:r>
+          </a:p>
+          <a:p>
+            <a:r>
+              <a:rPr lang="en-US" sz="1200" dirty="0">
+                <a:latin typeface="Consolas" panose="020B0609020204030204" pitchFamily="49" charset="0"/>
+              </a:rPr>
+              <a:t>};</a:t>
+            </a:r>
+          </a:p>
+          <a:p>
+            <a:endParaRPr lang="en-US" sz="1200" dirty="0">
+              <a:latin typeface="Consolas" panose="020B0609020204030204" pitchFamily="49" charset="0"/>
+            </a:endParaRPr>
+          </a:p>
+          <a:p>
+            <a:r>
+              <a:rPr lang="en-US" sz="1200" dirty="0">
+                <a:latin typeface="Consolas" panose="020B0609020204030204" pitchFamily="49" charset="0"/>
+              </a:rPr>
+              <a:t>// Test function</a:t>
+            </a:r>
+          </a:p>
+          <a:p>
+            <a:r>
+              <a:rPr lang="en-US" sz="1200" dirty="0">
+                <a:latin typeface="Consolas" panose="020B0609020204030204" pitchFamily="49" charset="0"/>
+              </a:rPr>
+              <a:t>void </a:t>
+            </a:r>
+            <a:r>
+              <a:rPr lang="en-US" sz="1200" dirty="0" err="1">
+                <a:latin typeface="Consolas" panose="020B0609020204030204" pitchFamily="49" charset="0"/>
+              </a:rPr>
+              <a:t>testStripFunction</a:t>
+            </a:r>
+            <a:r>
+              <a:rPr lang="en-US" sz="1200" dirty="0">
+                <a:latin typeface="Consolas" panose="020B0609020204030204" pitchFamily="49" charset="0"/>
+              </a:rPr>
+              <a:t>()</a:t>
+            </a:r>
+          </a:p>
+          <a:p>
+            <a:r>
+              <a:rPr lang="en-US" sz="1200" dirty="0">
+                <a:latin typeface="Consolas" panose="020B0609020204030204" pitchFamily="49" charset="0"/>
+              </a:rPr>
+              <a:t>{</a:t>
+            </a:r>
+          </a:p>
+          <a:p>
+            <a:r>
+              <a:rPr lang="en-US" sz="1200" dirty="0">
+                <a:latin typeface="Consolas" panose="020B0609020204030204" pitchFamily="49" charset="0"/>
+              </a:rPr>
+              <a:t>    // Table of test cases</a:t>
+            </a:r>
+          </a:p>
+          <a:p>
+            <a:r>
+              <a:rPr lang="en-US" sz="1200" dirty="0">
+                <a:latin typeface="Consolas" panose="020B0609020204030204" pitchFamily="49" charset="0"/>
+              </a:rPr>
+              <a:t>    vector&lt;</a:t>
+            </a:r>
+            <a:r>
+              <a:rPr lang="en-US" sz="1200" dirty="0" err="1">
+                <a:latin typeface="Consolas" panose="020B0609020204030204" pitchFamily="49" charset="0"/>
+              </a:rPr>
+              <a:t>TestCase</a:t>
+            </a:r>
+            <a:r>
+              <a:rPr lang="en-US" sz="1200" dirty="0">
+                <a:latin typeface="Consolas" panose="020B0609020204030204" pitchFamily="49" charset="0"/>
+              </a:rPr>
+              <a:t>&gt; </a:t>
+            </a:r>
+            <a:r>
+              <a:rPr lang="en-US" sz="1200" dirty="0" err="1">
+                <a:latin typeface="Consolas" panose="020B0609020204030204" pitchFamily="49" charset="0"/>
+              </a:rPr>
+              <a:t>testCases</a:t>
+            </a:r>
+            <a:r>
+              <a:rPr lang="en-US" sz="1200" dirty="0">
+                <a:latin typeface="Consolas" panose="020B0609020204030204" pitchFamily="49" charset="0"/>
+              </a:rPr>
+              <a:t> = {</a:t>
+            </a:r>
+          </a:p>
+          <a:p>
+            <a:r>
+              <a:rPr lang="en-US" sz="1200" dirty="0">
+                <a:latin typeface="Consolas" panose="020B0609020204030204" pitchFamily="49" charset="0"/>
+              </a:rPr>
+              <a:t>        {"Leading spaces", "   Hello", "Hello"},</a:t>
+            </a:r>
+          </a:p>
+          <a:p>
+            <a:r>
+              <a:rPr lang="en-US" sz="1200" dirty="0">
+                <a:latin typeface="Consolas" panose="020B0609020204030204" pitchFamily="49" charset="0"/>
+              </a:rPr>
+              <a:t>        {"Trailing spaces", "Hello   ", "Hello"},</a:t>
+            </a:r>
+          </a:p>
+          <a:p>
+            <a:r>
+              <a:rPr lang="en-US" sz="1200" dirty="0">
+                <a:latin typeface="Consolas" panose="020B0609020204030204" pitchFamily="49" charset="0"/>
+              </a:rPr>
+              <a:t>        {"Leading and trailing spaces", "   Hello   ", "Hello"},</a:t>
+            </a:r>
+          </a:p>
+          <a:p>
+            <a:r>
+              <a:rPr lang="en-US" sz="1200" dirty="0">
+                <a:latin typeface="Consolas" panose="020B0609020204030204" pitchFamily="49" charset="0"/>
+              </a:rPr>
+              <a:t>        {"No spaces", "Hello", "Hello"},</a:t>
+            </a:r>
+          </a:p>
+          <a:p>
+            <a:r>
+              <a:rPr lang="en-US" sz="1200" dirty="0">
+                <a:latin typeface="Consolas" panose="020B0609020204030204" pitchFamily="49" charset="0"/>
+              </a:rPr>
+              <a:t>        {"Only spaces", "     ", ""},</a:t>
+            </a:r>
+          </a:p>
+          <a:p>
+            <a:r>
+              <a:rPr lang="en-US" sz="1200" dirty="0">
+                <a:latin typeface="Consolas" panose="020B0609020204030204" pitchFamily="49" charset="0"/>
+              </a:rPr>
+              <a:t>        {"Empty string", "", ""},</a:t>
+            </a:r>
+          </a:p>
+          <a:p>
+            <a:r>
+              <a:rPr lang="en-US" sz="1200" dirty="0">
+                <a:latin typeface="Consolas" panose="020B0609020204030204" pitchFamily="49" charset="0"/>
+              </a:rPr>
+              <a:t>        {"Mixed spaces", "  Hello World  ", "Hello World"},</a:t>
+            </a:r>
+          </a:p>
+          <a:p>
+            <a:r>
+              <a:rPr lang="en-US" sz="1200" dirty="0">
+                <a:latin typeface="Consolas" panose="020B0609020204030204" pitchFamily="49" charset="0"/>
+              </a:rPr>
+              <a:t>        {"Long string with spaces", </a:t>
+            </a:r>
+          </a:p>
+          <a:p>
+            <a:r>
+              <a:rPr lang="en-US" sz="1200" dirty="0">
+                <a:latin typeface="Consolas" panose="020B0609020204030204" pitchFamily="49" charset="0"/>
+              </a:rPr>
+              <a:t>         "  This is a test string with spaces at both ends  ", </a:t>
+            </a:r>
+          </a:p>
+          <a:p>
+            <a:r>
+              <a:rPr lang="en-US" sz="1200" dirty="0">
+                <a:latin typeface="Consolas" panose="020B0609020204030204" pitchFamily="49" charset="0"/>
+              </a:rPr>
+              <a:t>         "This is a test string with spaces at both ends"},</a:t>
+            </a:r>
+          </a:p>
+          <a:p>
+            <a:r>
+              <a:rPr lang="en-US" sz="1200" dirty="0">
+                <a:latin typeface="Consolas" panose="020B0609020204030204" pitchFamily="49" charset="0"/>
+              </a:rPr>
+              <a:t>        {"String with no leading or trailing spaces", </a:t>
+            </a:r>
+          </a:p>
+          <a:p>
+            <a:r>
+              <a:rPr lang="en-US" sz="1200" dirty="0">
+                <a:latin typeface="Consolas" panose="020B0609020204030204" pitchFamily="49" charset="0"/>
+              </a:rPr>
+              <a:t>         "No extra spaces", "No extra spaces"},</a:t>
+            </a:r>
+          </a:p>
+          <a:p>
+            <a:r>
+              <a:rPr lang="en-US" sz="1200" dirty="0">
+                <a:latin typeface="Consolas" panose="020B0609020204030204" pitchFamily="49" charset="0"/>
+              </a:rPr>
+              <a:t>        {"String with tabs and spaces", "\t   Hello\t ", "\t   Hello\t"}};</a:t>
+            </a:r>
+            <a:br>
+              <a:rPr lang="en-US" sz="1200" dirty="0">
+                <a:latin typeface="Consolas" panose="020B0609020204030204" pitchFamily="49" charset="0"/>
+              </a:rPr>
+            </a:br>
+            <a:endParaRPr lang="en-US" sz="1200" dirty="0">
+              <a:latin typeface="Consolas" panose="020B0609020204030204" pitchFamily="49" charset="0"/>
+            </a:endParaRPr>
+          </a:p>
+          <a:p>
+            <a:r>
+              <a:rPr lang="en-US" sz="1200" b="1" dirty="0">
+                <a:solidFill>
+                  <a:srgbClr val="FF0000"/>
+                </a:solidFill>
+                <a:latin typeface="Consolas" panose="020B0609020204030204" pitchFamily="49" charset="0"/>
+              </a:rPr>
+              <a:t>// ... continued on next slide ...</a:t>
+            </a:r>
+          </a:p>
+        </p:txBody>
+      </p:sp>
+      <p:sp>
+        <p:nvSpPr>
+          <p:cNvPr id="12" name="TextBox 11">
+            <a:extLst>
+              <a:ext uri="{FF2B5EF4-FFF2-40B4-BE49-F238E27FC236}">
+                <a16:creationId xmlns:a16="http://schemas.microsoft.com/office/drawing/2014/main" id="{48ABF86D-F49F-85E8-15A5-46E8D90368B9}"/>
+              </a:ext>
+            </a:extLst>
+          </p:cNvPr>
+          <p:cNvSpPr txBox="1"/>
+          <p:nvPr/>
+        </p:nvSpPr>
+        <p:spPr>
+          <a:xfrm>
+            <a:off x="7196007" y="381575"/>
+            <a:ext cx="2735958" cy="646331"/>
+          </a:xfrm>
+          <a:prstGeom prst="rect">
+            <a:avLst/>
+          </a:prstGeom>
+          <a:solidFill>
+            <a:schemeClr val="accent4">
+              <a:lumMod val="40000"/>
+              <a:lumOff val="60000"/>
+            </a:schemeClr>
+          </a:solidFill>
+        </p:spPr>
+        <p:txBody>
+          <a:bodyPr wrap="square" rtlCol="0">
+            <a:spAutoFit/>
+          </a:bodyPr>
+          <a:lstStyle/>
+          <a:p>
+            <a:pPr algn="ctr"/>
+            <a:r>
+              <a:rPr lang="en-CA" dirty="0"/>
+              <a:t>It output this entire program …</a:t>
+            </a:r>
+          </a:p>
+        </p:txBody>
+      </p:sp>
+    </p:spTree>
+    <p:extLst>
+      <p:ext uri="{BB962C8B-B14F-4D97-AF65-F5344CB8AC3E}">
+        <p14:creationId xmlns:p14="http://schemas.microsoft.com/office/powerpoint/2010/main" val="1241887878"/>
+      </p:ext>
+    </p:extLst>
+  </p:cSld>
+  <p:clrMapOvr>
+    <a:masterClrMapping/>
+  </p:clrMapOvr>
+</p:sld>
+</file>
+
+<file path=ppt/slides/slide38.xml><?xml version="1.0" encoding="utf-8"?>
+<p:sld xmlns:a="http://schemas.openxmlformats.org/drawingml/2006/main" xmlns:r="http://schemas.openxmlformats.org/officeDocument/2006/relationships" xmlns:p="http://schemas.openxmlformats.org/presentationml/2006/main">
+  <p:cSld>
+    <p:spTree>
+      <p:nvGrpSpPr>
+        <p:cNvPr id="1" name=""/>
+        <p:cNvGrpSpPr/>
+        <p:nvPr/>
+      </p:nvGrpSpPr>
+      <p:grpSpPr>
+        <a:xfrm>
+          <a:off x="0" y="0"/>
+          <a:ext cx="0" cy="0"/>
+          <a:chOff x="0" y="0"/>
+          <a:chExt cx="0" cy="0"/>
+        </a:xfrm>
+      </p:grpSpPr>
+      <p:sp>
+        <p:nvSpPr>
+          <p:cNvPr id="2" name="Title 1">
+            <a:extLst>
+              <a:ext uri="{FF2B5EF4-FFF2-40B4-BE49-F238E27FC236}">
+                <a16:creationId xmlns:a16="http://schemas.microsoft.com/office/drawing/2014/main" id="{0E49562F-963D-4D0B-C687-05307E2BAA38}"/>
+              </a:ext>
+            </a:extLst>
+          </p:cNvPr>
+          <p:cNvSpPr>
+            <a:spLocks noGrp="1"/>
+          </p:cNvSpPr>
+          <p:nvPr>
+            <p:ph type="title"/>
+          </p:nvPr>
+        </p:nvSpPr>
+        <p:spPr>
+          <a:xfrm>
+            <a:off x="838200" y="365125"/>
+            <a:ext cx="4459274" cy="1325563"/>
+          </a:xfrm>
+        </p:spPr>
+        <p:txBody>
+          <a:bodyPr/>
+          <a:lstStyle/>
+          <a:p>
+            <a:r>
+              <a:rPr lang="en-CA" dirty="0"/>
+              <a:t>Testing Techniques</a:t>
+            </a:r>
+            <a:endParaRPr lang="en-AU" dirty="0"/>
+          </a:p>
+        </p:txBody>
+      </p:sp>
+      <p:sp>
+        <p:nvSpPr>
+          <p:cNvPr id="3" name="Content Placeholder 2">
+            <a:extLst>
+              <a:ext uri="{FF2B5EF4-FFF2-40B4-BE49-F238E27FC236}">
+                <a16:creationId xmlns:a16="http://schemas.microsoft.com/office/drawing/2014/main" id="{F2FFFECB-C411-F159-0B3A-E94A7EBC1817}"/>
+              </a:ext>
+            </a:extLst>
+          </p:cNvPr>
+          <p:cNvSpPr>
+            <a:spLocks noGrp="1"/>
+          </p:cNvSpPr>
+          <p:nvPr>
+            <p:ph idx="1"/>
+          </p:nvPr>
+        </p:nvSpPr>
+        <p:spPr>
+          <a:xfrm>
+            <a:off x="838200" y="1825625"/>
+            <a:ext cx="3393734" cy="2912630"/>
+          </a:xfrm>
+        </p:spPr>
+        <p:txBody>
+          <a:bodyPr/>
+          <a:lstStyle/>
+          <a:p>
+            <a:pPr marL="514350" indent="-514350">
+              <a:buFont typeface="+mj-lt"/>
+              <a:buAutoNum type="arabicPeriod"/>
+            </a:pPr>
+            <a:r>
+              <a:rPr lang="en-CA" dirty="0"/>
+              <a:t>If-style tests</a:t>
+            </a:r>
+          </a:p>
+          <a:p>
+            <a:pPr marL="514350" indent="-514350">
+              <a:buFont typeface="+mj-lt"/>
+              <a:buAutoNum type="arabicPeriod"/>
+            </a:pPr>
+            <a:r>
+              <a:rPr lang="en-CA" dirty="0"/>
+              <a:t>Assert-style tests</a:t>
+            </a:r>
+          </a:p>
+          <a:p>
+            <a:pPr marL="514350" indent="-514350">
+              <a:buFont typeface="+mj-lt"/>
+              <a:buAutoNum type="arabicPeriod"/>
+            </a:pPr>
+            <a:r>
+              <a:rPr lang="en-CA" dirty="0"/>
+              <a:t>Table-based tests</a:t>
+            </a:r>
+          </a:p>
+          <a:p>
+            <a:pPr marL="514350" indent="-514350">
+              <a:buFont typeface="+mj-lt"/>
+              <a:buAutoNum type="arabicPeriod"/>
+            </a:pPr>
+            <a:r>
+              <a:rPr lang="en-CA" dirty="0"/>
+              <a:t>Property testing</a:t>
+            </a:r>
+          </a:p>
+          <a:p>
+            <a:pPr marL="514350" indent="-514350">
+              <a:buFont typeface="+mj-lt"/>
+              <a:buAutoNum type="arabicPeriod"/>
+            </a:pPr>
+            <a:r>
+              <a:rPr lang="en-CA" dirty="0"/>
+              <a:t>Using ChatGPT to </a:t>
+            </a:r>
+            <a:br>
+              <a:rPr lang="en-CA" dirty="0"/>
+            </a:br>
+            <a:r>
+              <a:rPr lang="en-CA" dirty="0"/>
+              <a:t>help with testing</a:t>
+            </a:r>
+          </a:p>
+          <a:p>
+            <a:pPr marL="0" indent="0">
+              <a:buFont typeface="+mj-lt"/>
+              <a:buNone/>
+            </a:pPr>
+            <a:endParaRPr lang="en-CA" dirty="0"/>
+          </a:p>
+        </p:txBody>
+      </p:sp>
+      <p:sp>
+        <p:nvSpPr>
+          <p:cNvPr id="4" name="Slide Number Placeholder 3">
+            <a:extLst>
+              <a:ext uri="{FF2B5EF4-FFF2-40B4-BE49-F238E27FC236}">
+                <a16:creationId xmlns:a16="http://schemas.microsoft.com/office/drawing/2014/main" id="{5EB085EF-2895-8571-5B28-5AFA847524D5}"/>
+              </a:ext>
+            </a:extLst>
+          </p:cNvPr>
+          <p:cNvSpPr>
+            <a:spLocks noGrp="1"/>
+          </p:cNvSpPr>
+          <p:nvPr>
+            <p:ph type="sldNum" sz="quarter" idx="12"/>
+          </p:nvPr>
+        </p:nvSpPr>
+        <p:spPr/>
+        <p:txBody>
+          <a:bodyPr/>
+          <a:lstStyle/>
+          <a:p>
+            <a:fld id="{E5BA05A5-0517-4A37-865C-5DD63AFCA22E}" type="slidenum">
+              <a:rPr lang="en-AU" smtClean="0"/>
+              <a:pPr/>
+              <a:t>38</a:t>
+            </a:fld>
+            <a:endParaRPr lang="en-AU" dirty="0"/>
+          </a:p>
+        </p:txBody>
+      </p:sp>
+      <p:sp>
+        <p:nvSpPr>
+          <p:cNvPr id="8" name="Rectangle 7">
+            <a:extLst>
+              <a:ext uri="{FF2B5EF4-FFF2-40B4-BE49-F238E27FC236}">
+                <a16:creationId xmlns:a16="http://schemas.microsoft.com/office/drawing/2014/main" id="{3C9DC5BA-A083-A32D-DB15-55ED223B598C}"/>
+              </a:ext>
+            </a:extLst>
+          </p:cNvPr>
+          <p:cNvSpPr/>
+          <p:nvPr/>
+        </p:nvSpPr>
+        <p:spPr>
+          <a:xfrm>
+            <a:off x="838200" y="3937919"/>
+            <a:ext cx="3219922" cy="800336"/>
+          </a:xfrm>
+          <a:prstGeom prst="rect">
+            <a:avLst/>
+          </a:prstGeom>
+          <a:noFill/>
+          <a:ln>
+            <a:solidFill>
+              <a:srgbClr val="FF0000"/>
+            </a:solidFill>
+          </a:ln>
+        </p:spPr>
+        <p:style>
+          <a:lnRef idx="2">
+            <a:schemeClr val="accent1">
+              <a:shade val="15000"/>
+            </a:schemeClr>
+          </a:lnRef>
+          <a:fillRef idx="1">
+            <a:schemeClr val="accent1"/>
+          </a:fillRef>
+          <a:effectRef idx="0">
+            <a:schemeClr val="accent1"/>
+          </a:effectRef>
+          <a:fontRef idx="minor">
+            <a:schemeClr val="lt1"/>
+          </a:fontRef>
+        </p:style>
+        <p:txBody>
+          <a:bodyPr rtlCol="0" anchor="ctr"/>
+          <a:lstStyle/>
+          <a:p>
+            <a:pPr algn="ctr"/>
+            <a:endParaRPr lang="en-AU"/>
+          </a:p>
+        </p:txBody>
+      </p:sp>
+      <p:sp>
+        <p:nvSpPr>
+          <p:cNvPr id="7" name="TextBox 6">
+            <a:extLst>
+              <a:ext uri="{FF2B5EF4-FFF2-40B4-BE49-F238E27FC236}">
+                <a16:creationId xmlns:a16="http://schemas.microsoft.com/office/drawing/2014/main" id="{0D7D57C9-27D7-E80A-DF43-97F70899C081}"/>
+              </a:ext>
+            </a:extLst>
+          </p:cNvPr>
+          <p:cNvSpPr txBox="1"/>
+          <p:nvPr/>
+        </p:nvSpPr>
+        <p:spPr>
+          <a:xfrm>
+            <a:off x="5297474" y="1121763"/>
+            <a:ext cx="5791970" cy="5632311"/>
+          </a:xfrm>
+          <a:prstGeom prst="rect">
+            <a:avLst/>
+          </a:prstGeom>
+          <a:noFill/>
+          <a:ln>
+            <a:solidFill>
+              <a:srgbClr val="FF0000"/>
+            </a:solidFill>
+          </a:ln>
+        </p:spPr>
+        <p:txBody>
+          <a:bodyPr wrap="none" rtlCol="0">
+            <a:spAutoFit/>
+          </a:bodyPr>
+          <a:lstStyle/>
+          <a:p>
+            <a:r>
+              <a:rPr lang="en-US" sz="1200" b="1" dirty="0">
+                <a:solidFill>
+                  <a:srgbClr val="FF0000"/>
+                </a:solidFill>
+                <a:latin typeface="Consolas" panose="020B0609020204030204" pitchFamily="49" charset="0"/>
+              </a:rPr>
+              <a:t>// ... Continued from previous slide ...</a:t>
+            </a:r>
+          </a:p>
+          <a:p>
+            <a:r>
+              <a:rPr lang="en-US" sz="1200" dirty="0">
+                <a:latin typeface="Consolas" panose="020B0609020204030204" pitchFamily="49" charset="0"/>
+              </a:rPr>
+              <a:t>    int </a:t>
+            </a:r>
+            <a:r>
+              <a:rPr lang="en-US" sz="1200" dirty="0" err="1">
+                <a:latin typeface="Consolas" panose="020B0609020204030204" pitchFamily="49" charset="0"/>
+              </a:rPr>
+              <a:t>passedTests</a:t>
+            </a:r>
+            <a:r>
+              <a:rPr lang="en-US" sz="1200" dirty="0">
+                <a:latin typeface="Consolas" panose="020B0609020204030204" pitchFamily="49" charset="0"/>
+              </a:rPr>
+              <a:t> = 0, </a:t>
+            </a:r>
+            <a:r>
+              <a:rPr lang="en-US" sz="1200" dirty="0" err="1">
+                <a:latin typeface="Consolas" panose="020B0609020204030204" pitchFamily="49" charset="0"/>
+              </a:rPr>
+              <a:t>failedTests</a:t>
+            </a:r>
+            <a:r>
+              <a:rPr lang="en-US" sz="1200" dirty="0">
+                <a:latin typeface="Consolas" panose="020B0609020204030204" pitchFamily="49" charset="0"/>
+              </a:rPr>
+              <a:t> = 0;</a:t>
+            </a:r>
+          </a:p>
+          <a:p>
+            <a:r>
+              <a:rPr lang="en-US" sz="1200" dirty="0">
+                <a:latin typeface="Consolas" panose="020B0609020204030204" pitchFamily="49" charset="0"/>
+              </a:rPr>
+              <a:t>    for (</a:t>
+            </a:r>
+            <a:r>
+              <a:rPr lang="en-US" sz="1200" dirty="0" err="1">
+                <a:latin typeface="Consolas" panose="020B0609020204030204" pitchFamily="49" charset="0"/>
+              </a:rPr>
+              <a:t>size_t</a:t>
+            </a:r>
+            <a:r>
+              <a:rPr lang="en-US" sz="1200" dirty="0">
+                <a:latin typeface="Consolas" panose="020B0609020204030204" pitchFamily="49" charset="0"/>
+              </a:rPr>
+              <a:t> i = 0; i &lt; </a:t>
+            </a:r>
+            <a:r>
+              <a:rPr lang="en-US" sz="1200" dirty="0" err="1">
+                <a:latin typeface="Consolas" panose="020B0609020204030204" pitchFamily="49" charset="0"/>
+              </a:rPr>
+              <a:t>testCases.size</a:t>
+            </a:r>
+            <a:r>
+              <a:rPr lang="en-US" sz="1200" dirty="0">
+                <a:latin typeface="Consolas" panose="020B0609020204030204" pitchFamily="49" charset="0"/>
+              </a:rPr>
+              <a:t>(); ++i)</a:t>
+            </a:r>
+          </a:p>
+          <a:p>
+            <a:r>
+              <a:rPr lang="en-US" sz="1200" dirty="0">
+                <a:latin typeface="Consolas" panose="020B0609020204030204" pitchFamily="49" charset="0"/>
+              </a:rPr>
+              <a:t>    {</a:t>
+            </a:r>
+          </a:p>
+          <a:p>
+            <a:r>
+              <a:rPr lang="en-US" sz="1200" dirty="0">
+                <a:latin typeface="Consolas" panose="020B0609020204030204" pitchFamily="49" charset="0"/>
+              </a:rPr>
+              <a:t>        const auto &amp;</a:t>
+            </a:r>
+            <a:r>
+              <a:rPr lang="en-US" sz="1200" dirty="0" err="1">
+                <a:latin typeface="Consolas" panose="020B0609020204030204" pitchFamily="49" charset="0"/>
+              </a:rPr>
+              <a:t>testCase</a:t>
+            </a:r>
+            <a:r>
+              <a:rPr lang="en-US" sz="1200" dirty="0">
+                <a:latin typeface="Consolas" panose="020B0609020204030204" pitchFamily="49" charset="0"/>
+              </a:rPr>
+              <a:t> = </a:t>
+            </a:r>
+            <a:r>
+              <a:rPr lang="en-US" sz="1200" dirty="0" err="1">
+                <a:latin typeface="Consolas" panose="020B0609020204030204" pitchFamily="49" charset="0"/>
+              </a:rPr>
+              <a:t>testCases</a:t>
+            </a:r>
+            <a:r>
+              <a:rPr lang="en-US" sz="1200" dirty="0">
+                <a:latin typeface="Consolas" panose="020B0609020204030204" pitchFamily="49" charset="0"/>
+              </a:rPr>
+              <a:t>[i];</a:t>
+            </a:r>
+          </a:p>
+          <a:p>
+            <a:r>
+              <a:rPr lang="en-US" sz="1200" dirty="0">
+                <a:latin typeface="Consolas" panose="020B0609020204030204" pitchFamily="49" charset="0"/>
+              </a:rPr>
+              <a:t>        string result = strip(</a:t>
+            </a:r>
+            <a:r>
+              <a:rPr lang="en-US" sz="1200" dirty="0" err="1">
+                <a:latin typeface="Consolas" panose="020B0609020204030204" pitchFamily="49" charset="0"/>
+              </a:rPr>
+              <a:t>testCase.input</a:t>
+            </a:r>
+            <a:r>
+              <a:rPr lang="en-US" sz="1200" dirty="0">
+                <a:latin typeface="Consolas" panose="020B0609020204030204" pitchFamily="49" charset="0"/>
+              </a:rPr>
+              <a:t>);</a:t>
+            </a:r>
+          </a:p>
+          <a:p>
+            <a:r>
+              <a:rPr lang="en-US" sz="1200" dirty="0">
+                <a:latin typeface="Consolas" panose="020B0609020204030204" pitchFamily="49" charset="0"/>
+              </a:rPr>
+              <a:t>        if (result != </a:t>
+            </a:r>
+            <a:r>
+              <a:rPr lang="en-US" sz="1200" dirty="0" err="1">
+                <a:latin typeface="Consolas" panose="020B0609020204030204" pitchFamily="49" charset="0"/>
+              </a:rPr>
+              <a:t>testCase.expectedOutput</a:t>
+            </a:r>
+            <a:r>
+              <a:rPr lang="en-US" sz="1200" dirty="0">
+                <a:latin typeface="Consolas" panose="020B0609020204030204" pitchFamily="49" charset="0"/>
+              </a:rPr>
+              <a:t>) {</a:t>
+            </a:r>
+          </a:p>
+          <a:p>
+            <a:r>
+              <a:rPr lang="en-US" sz="1200" dirty="0">
+                <a:latin typeface="Consolas" panose="020B0609020204030204" pitchFamily="49" charset="0"/>
+              </a:rPr>
+              <a:t>            cout &lt;&lt; "\</a:t>
+            </a:r>
+            <a:r>
+              <a:rPr lang="en-US" sz="1200" dirty="0" err="1">
+                <a:latin typeface="Consolas" panose="020B0609020204030204" pitchFamily="49" charset="0"/>
+              </a:rPr>
+              <a:t>nTest</a:t>
+            </a:r>
+            <a:r>
+              <a:rPr lang="en-US" sz="1200" dirty="0">
+                <a:latin typeface="Consolas" panose="020B0609020204030204" pitchFamily="49" charset="0"/>
+              </a:rPr>
+              <a:t> " &lt;&lt; i + 1 &lt;&lt; " failed: " </a:t>
+            </a:r>
+          </a:p>
+          <a:p>
+            <a:r>
+              <a:rPr lang="en-US" sz="1200" dirty="0">
+                <a:latin typeface="Consolas" panose="020B0609020204030204" pitchFamily="49" charset="0"/>
+              </a:rPr>
+              <a:t>                 &lt;&lt; </a:t>
+            </a:r>
+            <a:r>
+              <a:rPr lang="en-US" sz="1200" dirty="0" err="1">
+                <a:latin typeface="Consolas" panose="020B0609020204030204" pitchFamily="49" charset="0"/>
+              </a:rPr>
+              <a:t>testCase.description</a:t>
+            </a:r>
+            <a:r>
+              <a:rPr lang="en-US" sz="1200" dirty="0">
+                <a:latin typeface="Consolas" panose="020B0609020204030204" pitchFamily="49" charset="0"/>
+              </a:rPr>
+              <a:t> &lt;&lt; "\n";</a:t>
+            </a:r>
+          </a:p>
+          <a:p>
+            <a:r>
+              <a:rPr lang="en-US" sz="1200" dirty="0">
+                <a:latin typeface="Consolas" panose="020B0609020204030204" pitchFamily="49" charset="0"/>
+              </a:rPr>
+              <a:t>            cout &lt;&lt; "    Expected: \"" &lt;&lt; </a:t>
+            </a:r>
+            <a:r>
+              <a:rPr lang="en-US" sz="1200" dirty="0" err="1">
+                <a:latin typeface="Consolas" panose="020B0609020204030204" pitchFamily="49" charset="0"/>
+              </a:rPr>
+              <a:t>testCase.expectedOutput</a:t>
+            </a:r>
+            <a:r>
+              <a:rPr lang="en-US" sz="1200" dirty="0">
+                <a:latin typeface="Consolas" panose="020B0609020204030204" pitchFamily="49" charset="0"/>
+              </a:rPr>
+              <a:t> </a:t>
+            </a:r>
+          </a:p>
+          <a:p>
+            <a:r>
+              <a:rPr lang="en-US" sz="1200" dirty="0">
+                <a:latin typeface="Consolas" panose="020B0609020204030204" pitchFamily="49" charset="0"/>
+              </a:rPr>
+              <a:t>                 &lt;&lt; "\"\n";</a:t>
+            </a:r>
+          </a:p>
+          <a:p>
+            <a:r>
+              <a:rPr lang="en-US" sz="1200" dirty="0">
+                <a:latin typeface="Consolas" panose="020B0609020204030204" pitchFamily="49" charset="0"/>
+              </a:rPr>
+              <a:t>            cout &lt;&lt; "    Actual:   \"" &lt;&lt; result &lt;&lt; "\"\n";</a:t>
+            </a:r>
+          </a:p>
+          <a:p>
+            <a:r>
+              <a:rPr lang="en-US" sz="1200" dirty="0">
+                <a:latin typeface="Consolas" panose="020B0609020204030204" pitchFamily="49" charset="0"/>
+              </a:rPr>
+              <a:t>            </a:t>
+            </a:r>
+            <a:r>
+              <a:rPr lang="en-US" sz="1200" dirty="0" err="1">
+                <a:latin typeface="Consolas" panose="020B0609020204030204" pitchFamily="49" charset="0"/>
+              </a:rPr>
+              <a:t>failedTests</a:t>
+            </a:r>
+            <a:r>
+              <a:rPr lang="en-US" sz="1200" dirty="0">
+                <a:latin typeface="Consolas" panose="020B0609020204030204" pitchFamily="49" charset="0"/>
+              </a:rPr>
+              <a:t>++;</a:t>
+            </a:r>
+          </a:p>
+          <a:p>
+            <a:r>
+              <a:rPr lang="en-US" sz="1200" dirty="0">
+                <a:latin typeface="Consolas" panose="020B0609020204030204" pitchFamily="49" charset="0"/>
+              </a:rPr>
+              <a:t>        }</a:t>
+            </a:r>
+          </a:p>
+          <a:p>
+            <a:r>
+              <a:rPr lang="en-US" sz="1200" dirty="0">
+                <a:latin typeface="Consolas" panose="020B0609020204030204" pitchFamily="49" charset="0"/>
+              </a:rPr>
+              <a:t>        else {</a:t>
+            </a:r>
+          </a:p>
+          <a:p>
+            <a:r>
+              <a:rPr lang="en-US" sz="1200" dirty="0">
+                <a:latin typeface="Consolas" panose="020B0609020204030204" pitchFamily="49" charset="0"/>
+              </a:rPr>
+              <a:t>            cout &lt;&lt; "Test " &lt;&lt; i + 1 &lt;&lt; " passed: " </a:t>
+            </a:r>
+          </a:p>
+          <a:p>
+            <a:r>
+              <a:rPr lang="en-US" sz="1200" dirty="0">
+                <a:latin typeface="Consolas" panose="020B0609020204030204" pitchFamily="49" charset="0"/>
+              </a:rPr>
+              <a:t>                 &lt;&lt; </a:t>
+            </a:r>
+            <a:r>
+              <a:rPr lang="en-US" sz="1200" dirty="0" err="1">
+                <a:latin typeface="Consolas" panose="020B0609020204030204" pitchFamily="49" charset="0"/>
+              </a:rPr>
+              <a:t>testCase.description</a:t>
+            </a:r>
+            <a:r>
+              <a:rPr lang="en-US" sz="1200" dirty="0">
+                <a:latin typeface="Consolas" panose="020B0609020204030204" pitchFamily="49" charset="0"/>
+              </a:rPr>
+              <a:t> &lt;&lt; </a:t>
+            </a:r>
+            <a:r>
+              <a:rPr lang="en-US" sz="1200" dirty="0" err="1">
+                <a:latin typeface="Consolas" panose="020B0609020204030204" pitchFamily="49" charset="0"/>
+              </a:rPr>
+              <a:t>endl</a:t>
+            </a:r>
+            <a:r>
+              <a:rPr lang="en-US" sz="1200" dirty="0">
+                <a:latin typeface="Consolas" panose="020B0609020204030204" pitchFamily="49" charset="0"/>
+              </a:rPr>
+              <a:t>;</a:t>
+            </a:r>
+          </a:p>
+          <a:p>
+            <a:r>
+              <a:rPr lang="en-US" sz="1200" dirty="0">
+                <a:latin typeface="Consolas" panose="020B0609020204030204" pitchFamily="49" charset="0"/>
+              </a:rPr>
+              <a:t>            </a:t>
+            </a:r>
+            <a:r>
+              <a:rPr lang="en-US" sz="1200" dirty="0" err="1">
+                <a:latin typeface="Consolas" panose="020B0609020204030204" pitchFamily="49" charset="0"/>
+              </a:rPr>
+              <a:t>passedTests</a:t>
+            </a:r>
+            <a:r>
+              <a:rPr lang="en-US" sz="1200" dirty="0">
+                <a:latin typeface="Consolas" panose="020B0609020204030204" pitchFamily="49" charset="0"/>
+              </a:rPr>
+              <a:t>++;</a:t>
+            </a:r>
+          </a:p>
+          <a:p>
+            <a:r>
+              <a:rPr lang="en-US" sz="1200" dirty="0">
+                <a:latin typeface="Consolas" panose="020B0609020204030204" pitchFamily="49" charset="0"/>
+              </a:rPr>
+              <a:t>        }</a:t>
+            </a:r>
+          </a:p>
+          <a:p>
+            <a:r>
+              <a:rPr lang="en-US" sz="1200" dirty="0">
+                <a:latin typeface="Consolas" panose="020B0609020204030204" pitchFamily="49" charset="0"/>
+              </a:rPr>
+              <a:t>    }</a:t>
+            </a:r>
+          </a:p>
+          <a:p>
+            <a:endParaRPr lang="en-US" sz="1200" dirty="0">
+              <a:latin typeface="Consolas" panose="020B0609020204030204" pitchFamily="49" charset="0"/>
+            </a:endParaRPr>
+          </a:p>
+          <a:p>
+            <a:r>
+              <a:rPr lang="en-US" sz="1200" dirty="0">
+                <a:latin typeface="Consolas" panose="020B0609020204030204" pitchFamily="49" charset="0"/>
+              </a:rPr>
+              <a:t>    cout &lt;&lt; "\</a:t>
+            </a:r>
+            <a:r>
+              <a:rPr lang="en-US" sz="1200" dirty="0" err="1">
+                <a:latin typeface="Consolas" panose="020B0609020204030204" pitchFamily="49" charset="0"/>
+              </a:rPr>
+              <a:t>nTest</a:t>
+            </a:r>
+            <a:r>
+              <a:rPr lang="en-US" sz="1200" dirty="0">
+                <a:latin typeface="Consolas" panose="020B0609020204030204" pitchFamily="49" charset="0"/>
+              </a:rPr>
+              <a:t> Summary: " &lt;&lt; </a:t>
+            </a:r>
+            <a:r>
+              <a:rPr lang="en-US" sz="1200" dirty="0" err="1">
+                <a:latin typeface="Consolas" panose="020B0609020204030204" pitchFamily="49" charset="0"/>
+              </a:rPr>
+              <a:t>passedTests</a:t>
+            </a:r>
+            <a:r>
+              <a:rPr lang="en-US" sz="1200" dirty="0">
+                <a:latin typeface="Consolas" panose="020B0609020204030204" pitchFamily="49" charset="0"/>
+              </a:rPr>
+              <a:t> &lt;&lt; " passed, " </a:t>
+            </a:r>
+          </a:p>
+          <a:p>
+            <a:r>
+              <a:rPr lang="en-US" sz="1200" dirty="0">
+                <a:latin typeface="Consolas" panose="020B0609020204030204" pitchFamily="49" charset="0"/>
+              </a:rPr>
+              <a:t>         &lt;&lt; </a:t>
+            </a:r>
+            <a:r>
+              <a:rPr lang="en-US" sz="1200" dirty="0" err="1">
+                <a:latin typeface="Consolas" panose="020B0609020204030204" pitchFamily="49" charset="0"/>
+              </a:rPr>
+              <a:t>failedTests</a:t>
+            </a:r>
+            <a:r>
+              <a:rPr lang="en-US" sz="1200" dirty="0">
+                <a:latin typeface="Consolas" panose="020B0609020204030204" pitchFamily="49" charset="0"/>
+              </a:rPr>
+              <a:t> &lt;&lt; " failed.\n";</a:t>
+            </a:r>
+          </a:p>
+          <a:p>
+            <a:r>
+              <a:rPr lang="en-US" sz="1200" dirty="0">
+                <a:latin typeface="Consolas" panose="020B0609020204030204" pitchFamily="49" charset="0"/>
+              </a:rPr>
+              <a:t>}</a:t>
+            </a:r>
+          </a:p>
+          <a:p>
+            <a:endParaRPr lang="en-US" sz="1200" dirty="0">
+              <a:latin typeface="Consolas" panose="020B0609020204030204" pitchFamily="49" charset="0"/>
+            </a:endParaRPr>
+          </a:p>
+          <a:p>
+            <a:r>
+              <a:rPr lang="en-US" sz="1200" dirty="0">
+                <a:latin typeface="Consolas" panose="020B0609020204030204" pitchFamily="49" charset="0"/>
+              </a:rPr>
+              <a:t>int main() {</a:t>
+            </a:r>
+          </a:p>
+          <a:p>
+            <a:r>
+              <a:rPr lang="en-US" sz="1200" dirty="0">
+                <a:latin typeface="Consolas" panose="020B0609020204030204" pitchFamily="49" charset="0"/>
+              </a:rPr>
+              <a:t>    </a:t>
+            </a:r>
+            <a:r>
+              <a:rPr lang="en-US" sz="1200" dirty="0" err="1">
+                <a:latin typeface="Consolas" panose="020B0609020204030204" pitchFamily="49" charset="0"/>
+              </a:rPr>
+              <a:t>testStripFunction</a:t>
+            </a:r>
+            <a:r>
+              <a:rPr lang="en-US" sz="1200" dirty="0">
+                <a:latin typeface="Consolas" panose="020B0609020204030204" pitchFamily="49" charset="0"/>
+              </a:rPr>
+              <a:t>();</a:t>
+            </a:r>
+          </a:p>
+          <a:p>
+            <a:r>
+              <a:rPr lang="en-US" sz="1200" dirty="0">
+                <a:latin typeface="Consolas" panose="020B0609020204030204" pitchFamily="49" charset="0"/>
+              </a:rPr>
+              <a:t>    return 0;</a:t>
+            </a:r>
+          </a:p>
+          <a:p>
+            <a:r>
+              <a:rPr lang="en-US" sz="1200" dirty="0">
+                <a:latin typeface="Consolas" panose="020B0609020204030204" pitchFamily="49" charset="0"/>
+              </a:rPr>
+              <a:t>}</a:t>
+            </a:r>
+            <a:endParaRPr lang="en-AU" sz="1200" dirty="0">
+              <a:latin typeface="Consolas" panose="020B0609020204030204" pitchFamily="49" charset="0"/>
+            </a:endParaRPr>
+          </a:p>
+        </p:txBody>
+      </p:sp>
+      <p:sp>
+        <p:nvSpPr>
+          <p:cNvPr id="12" name="TextBox 11">
+            <a:extLst>
+              <a:ext uri="{FF2B5EF4-FFF2-40B4-BE49-F238E27FC236}">
+                <a16:creationId xmlns:a16="http://schemas.microsoft.com/office/drawing/2014/main" id="{48ABF86D-F49F-85E8-15A5-46E8D90368B9}"/>
+              </a:ext>
+            </a:extLst>
+          </p:cNvPr>
+          <p:cNvSpPr txBox="1"/>
+          <p:nvPr/>
+        </p:nvSpPr>
+        <p:spPr>
+          <a:xfrm>
+            <a:off x="7196007" y="381575"/>
+            <a:ext cx="2735958" cy="646331"/>
+          </a:xfrm>
+          <a:prstGeom prst="rect">
+            <a:avLst/>
+          </a:prstGeom>
+          <a:solidFill>
+            <a:schemeClr val="accent4">
+              <a:lumMod val="40000"/>
+              <a:lumOff val="60000"/>
+            </a:schemeClr>
+          </a:solidFill>
+        </p:spPr>
+        <p:txBody>
+          <a:bodyPr wrap="square" rtlCol="0">
+            <a:spAutoFit/>
+          </a:bodyPr>
+          <a:lstStyle/>
+          <a:p>
+            <a:pPr algn="ctr"/>
+            <a:r>
+              <a:rPr lang="en-CA" dirty="0"/>
+              <a:t>It output this entire program …</a:t>
+            </a:r>
+          </a:p>
+        </p:txBody>
+      </p:sp>
+      <p:sp>
+        <p:nvSpPr>
+          <p:cNvPr id="9" name="TextBox 8">
+            <a:extLst>
+              <a:ext uri="{FF2B5EF4-FFF2-40B4-BE49-F238E27FC236}">
+                <a16:creationId xmlns:a16="http://schemas.microsoft.com/office/drawing/2014/main" id="{80668905-60AD-C93B-9B3D-DB761D57A1D2}"/>
+              </a:ext>
+            </a:extLst>
+          </p:cNvPr>
+          <p:cNvSpPr txBox="1"/>
+          <p:nvPr/>
+        </p:nvSpPr>
+        <p:spPr>
+          <a:xfrm>
+            <a:off x="1699858" y="5252514"/>
+            <a:ext cx="2735958" cy="923330"/>
+          </a:xfrm>
+          <a:prstGeom prst="rect">
+            <a:avLst/>
+          </a:prstGeom>
+          <a:solidFill>
+            <a:schemeClr val="accent4">
+              <a:lumMod val="40000"/>
+              <a:lumOff val="60000"/>
+            </a:schemeClr>
+          </a:solidFill>
+        </p:spPr>
+        <p:txBody>
+          <a:bodyPr wrap="square" rtlCol="0">
+            <a:spAutoFit/>
+          </a:bodyPr>
+          <a:lstStyle/>
+          <a:p>
+            <a:pPr algn="ctr"/>
+            <a:r>
+              <a:rPr lang="en-CA" dirty="0"/>
+              <a:t>You could “chat” with it to change the code to be the way you wanted.</a:t>
+            </a:r>
+          </a:p>
+        </p:txBody>
+      </p:sp>
+    </p:spTree>
+    <p:extLst>
+      <p:ext uri="{BB962C8B-B14F-4D97-AF65-F5344CB8AC3E}">
+        <p14:creationId xmlns:p14="http://schemas.microsoft.com/office/powerpoint/2010/main" val="4115869788"/>
+      </p:ext>
+    </p:extLst>
+  </p:cSld>
+  <p:clrMapOvr>
+    <a:masterClrMapping/>
+  </p:clrMapOvr>
+</p:sld>
+</file>
+
+<file path=ppt/slides/slide39.xml><?xml version="1.0" encoding="utf-8"?>
+<p:sld xmlns:a="http://schemas.openxmlformats.org/drawingml/2006/main" xmlns:r="http://schemas.openxmlformats.org/officeDocument/2006/relationships" xmlns:p="http://schemas.openxmlformats.org/presentationml/2006/main">
+  <p:cSld>
+    <p:spTree>
+      <p:nvGrpSpPr>
+        <p:cNvPr id="1" name=""/>
+        <p:cNvGrpSpPr/>
+        <p:nvPr/>
+      </p:nvGrpSpPr>
+      <p:grpSpPr>
+        <a:xfrm>
+          <a:off x="0" y="0"/>
+          <a:ext cx="0" cy="0"/>
+          <a:chOff x="0" y="0"/>
+          <a:chExt cx="0" cy="0"/>
+        </a:xfrm>
+      </p:grpSpPr>
+      <p:sp>
+        <p:nvSpPr>
+          <p:cNvPr id="2" name="Title 1">
+            <a:extLst>
+              <a:ext uri="{FF2B5EF4-FFF2-40B4-BE49-F238E27FC236}">
+                <a16:creationId xmlns:a16="http://schemas.microsoft.com/office/drawing/2014/main" id="{0E49562F-963D-4D0B-C687-05307E2BAA38}"/>
+              </a:ext>
+            </a:extLst>
+          </p:cNvPr>
+          <p:cNvSpPr>
+            <a:spLocks noGrp="1"/>
+          </p:cNvSpPr>
+          <p:nvPr>
+            <p:ph type="title"/>
+          </p:nvPr>
+        </p:nvSpPr>
+        <p:spPr>
+          <a:xfrm>
+            <a:off x="838200" y="365125"/>
+            <a:ext cx="4459274" cy="1325563"/>
+          </a:xfrm>
+        </p:spPr>
+        <p:txBody>
+          <a:bodyPr/>
+          <a:lstStyle/>
+          <a:p>
+            <a:r>
+              <a:rPr lang="en-CA" dirty="0"/>
+              <a:t>Testing Techniques</a:t>
+            </a:r>
+            <a:endParaRPr lang="en-AU" dirty="0"/>
+          </a:p>
+        </p:txBody>
+      </p:sp>
+      <p:sp>
+        <p:nvSpPr>
+          <p:cNvPr id="3" name="Content Placeholder 2">
+            <a:extLst>
+              <a:ext uri="{FF2B5EF4-FFF2-40B4-BE49-F238E27FC236}">
+                <a16:creationId xmlns:a16="http://schemas.microsoft.com/office/drawing/2014/main" id="{F2FFFECB-C411-F159-0B3A-E94A7EBC1817}"/>
+              </a:ext>
+            </a:extLst>
+          </p:cNvPr>
+          <p:cNvSpPr>
+            <a:spLocks noGrp="1"/>
+          </p:cNvSpPr>
+          <p:nvPr>
+            <p:ph idx="1"/>
+          </p:nvPr>
+        </p:nvSpPr>
+        <p:spPr>
+          <a:xfrm>
+            <a:off x="838200" y="1825625"/>
+            <a:ext cx="3393734" cy="2912630"/>
+          </a:xfrm>
+        </p:spPr>
+        <p:txBody>
+          <a:bodyPr/>
+          <a:lstStyle/>
+          <a:p>
+            <a:pPr marL="514350" indent="-514350">
+              <a:buFont typeface="+mj-lt"/>
+              <a:buAutoNum type="arabicPeriod"/>
+            </a:pPr>
+            <a:r>
+              <a:rPr lang="en-CA" dirty="0"/>
+              <a:t>If-style tests</a:t>
+            </a:r>
+          </a:p>
+          <a:p>
+            <a:pPr marL="514350" indent="-514350">
+              <a:buFont typeface="+mj-lt"/>
+              <a:buAutoNum type="arabicPeriod"/>
+            </a:pPr>
+            <a:r>
+              <a:rPr lang="en-CA" dirty="0"/>
+              <a:t>Assert-style tests</a:t>
+            </a:r>
+          </a:p>
+          <a:p>
+            <a:pPr marL="514350" indent="-514350">
+              <a:buFont typeface="+mj-lt"/>
+              <a:buAutoNum type="arabicPeriod"/>
+            </a:pPr>
+            <a:r>
+              <a:rPr lang="en-CA" dirty="0"/>
+              <a:t>Table-based tests</a:t>
+            </a:r>
+          </a:p>
+          <a:p>
+            <a:pPr marL="514350" indent="-514350">
+              <a:buFont typeface="+mj-lt"/>
+              <a:buAutoNum type="arabicPeriod"/>
+            </a:pPr>
+            <a:r>
+              <a:rPr lang="en-CA" dirty="0"/>
+              <a:t>Property testing</a:t>
+            </a:r>
+          </a:p>
+          <a:p>
+            <a:pPr marL="514350" indent="-514350">
+              <a:buFont typeface="+mj-lt"/>
+              <a:buAutoNum type="arabicPeriod"/>
+            </a:pPr>
+            <a:r>
+              <a:rPr lang="en-CA" dirty="0"/>
+              <a:t>Using ChatGPT to </a:t>
+            </a:r>
+            <a:br>
+              <a:rPr lang="en-CA" dirty="0"/>
+            </a:br>
+            <a:r>
+              <a:rPr lang="en-CA" dirty="0"/>
+              <a:t>help with testing</a:t>
+            </a:r>
+          </a:p>
+          <a:p>
+            <a:pPr marL="0" indent="0">
+              <a:buFont typeface="+mj-lt"/>
+              <a:buNone/>
+            </a:pPr>
+            <a:endParaRPr lang="en-CA" dirty="0"/>
+          </a:p>
+        </p:txBody>
+      </p:sp>
+      <p:sp>
+        <p:nvSpPr>
+          <p:cNvPr id="4" name="Slide Number Placeholder 3">
+            <a:extLst>
+              <a:ext uri="{FF2B5EF4-FFF2-40B4-BE49-F238E27FC236}">
+                <a16:creationId xmlns:a16="http://schemas.microsoft.com/office/drawing/2014/main" id="{5EB085EF-2895-8571-5B28-5AFA847524D5}"/>
+              </a:ext>
+            </a:extLst>
+          </p:cNvPr>
+          <p:cNvSpPr>
+            <a:spLocks noGrp="1"/>
+          </p:cNvSpPr>
+          <p:nvPr>
+            <p:ph type="sldNum" sz="quarter" idx="12"/>
+          </p:nvPr>
+        </p:nvSpPr>
+        <p:spPr/>
+        <p:txBody>
+          <a:bodyPr/>
+          <a:lstStyle/>
+          <a:p>
+            <a:fld id="{E5BA05A5-0517-4A37-865C-5DD63AFCA22E}" type="slidenum">
+              <a:rPr lang="en-AU" smtClean="0"/>
+              <a:pPr/>
+              <a:t>39</a:t>
+            </a:fld>
+            <a:endParaRPr lang="en-AU" dirty="0"/>
+          </a:p>
+        </p:txBody>
+      </p:sp>
+      <p:sp>
+        <p:nvSpPr>
+          <p:cNvPr id="8" name="Rectangle 7">
+            <a:extLst>
+              <a:ext uri="{FF2B5EF4-FFF2-40B4-BE49-F238E27FC236}">
+                <a16:creationId xmlns:a16="http://schemas.microsoft.com/office/drawing/2014/main" id="{3C9DC5BA-A083-A32D-DB15-55ED223B598C}"/>
+              </a:ext>
+            </a:extLst>
+          </p:cNvPr>
+          <p:cNvSpPr/>
+          <p:nvPr/>
+        </p:nvSpPr>
+        <p:spPr>
+          <a:xfrm>
+            <a:off x="838200" y="3937919"/>
+            <a:ext cx="3219922" cy="800336"/>
+          </a:xfrm>
+          <a:prstGeom prst="rect">
+            <a:avLst/>
+          </a:prstGeom>
+          <a:noFill/>
+          <a:ln>
+            <a:solidFill>
+              <a:srgbClr val="FF0000"/>
+            </a:solidFill>
+          </a:ln>
+        </p:spPr>
+        <p:style>
+          <a:lnRef idx="2">
+            <a:schemeClr val="accent1">
+              <a:shade val="15000"/>
+            </a:schemeClr>
+          </a:lnRef>
+          <a:fillRef idx="1">
+            <a:schemeClr val="accent1"/>
+          </a:fillRef>
+          <a:effectRef idx="0">
+            <a:schemeClr val="accent1"/>
+          </a:effectRef>
+          <a:fontRef idx="minor">
+            <a:schemeClr val="lt1"/>
+          </a:fontRef>
+        </p:style>
+        <p:txBody>
+          <a:bodyPr rtlCol="0" anchor="ctr"/>
+          <a:lstStyle/>
+          <a:p>
+            <a:pPr algn="ctr"/>
+            <a:endParaRPr lang="en-AU"/>
+          </a:p>
+        </p:txBody>
+      </p:sp>
+      <p:sp>
+        <p:nvSpPr>
+          <p:cNvPr id="7" name="TextBox 6">
+            <a:extLst>
+              <a:ext uri="{FF2B5EF4-FFF2-40B4-BE49-F238E27FC236}">
+                <a16:creationId xmlns:a16="http://schemas.microsoft.com/office/drawing/2014/main" id="{0D7D57C9-27D7-E80A-DF43-97F70899C081}"/>
+              </a:ext>
+            </a:extLst>
+          </p:cNvPr>
+          <p:cNvSpPr txBox="1"/>
+          <p:nvPr/>
+        </p:nvSpPr>
+        <p:spPr>
+          <a:xfrm>
+            <a:off x="5297474" y="1121763"/>
+            <a:ext cx="5791970" cy="5632311"/>
+          </a:xfrm>
+          <a:prstGeom prst="rect">
+            <a:avLst/>
+          </a:prstGeom>
+          <a:noFill/>
+          <a:ln>
+            <a:solidFill>
+              <a:srgbClr val="FF0000"/>
+            </a:solidFill>
+          </a:ln>
+        </p:spPr>
+        <p:txBody>
+          <a:bodyPr wrap="none" rtlCol="0">
+            <a:spAutoFit/>
+          </a:bodyPr>
+          <a:lstStyle/>
+          <a:p>
+            <a:r>
+              <a:rPr lang="en-US" sz="1200" b="1" dirty="0">
+                <a:solidFill>
+                  <a:srgbClr val="FF0000"/>
+                </a:solidFill>
+                <a:latin typeface="Consolas" panose="020B0609020204030204" pitchFamily="49" charset="0"/>
+              </a:rPr>
+              <a:t>// ... Continued from previous slide ...</a:t>
+            </a:r>
+          </a:p>
+          <a:p>
+            <a:r>
+              <a:rPr lang="en-US" sz="1200" dirty="0">
+                <a:latin typeface="Consolas" panose="020B0609020204030204" pitchFamily="49" charset="0"/>
+              </a:rPr>
+              <a:t>    int </a:t>
+            </a:r>
+            <a:r>
+              <a:rPr lang="en-US" sz="1200" dirty="0" err="1">
+                <a:latin typeface="Consolas" panose="020B0609020204030204" pitchFamily="49" charset="0"/>
+              </a:rPr>
+              <a:t>passedTests</a:t>
+            </a:r>
+            <a:r>
+              <a:rPr lang="en-US" sz="1200" dirty="0">
+                <a:latin typeface="Consolas" panose="020B0609020204030204" pitchFamily="49" charset="0"/>
+              </a:rPr>
+              <a:t> = 0, </a:t>
+            </a:r>
+            <a:r>
+              <a:rPr lang="en-US" sz="1200" dirty="0" err="1">
+                <a:latin typeface="Consolas" panose="020B0609020204030204" pitchFamily="49" charset="0"/>
+              </a:rPr>
+              <a:t>failedTests</a:t>
+            </a:r>
+            <a:r>
+              <a:rPr lang="en-US" sz="1200" dirty="0">
+                <a:latin typeface="Consolas" panose="020B0609020204030204" pitchFamily="49" charset="0"/>
+              </a:rPr>
+              <a:t> = 0;</a:t>
+            </a:r>
+          </a:p>
+          <a:p>
+            <a:r>
+              <a:rPr lang="en-US" sz="1200" dirty="0">
+                <a:latin typeface="Consolas" panose="020B0609020204030204" pitchFamily="49" charset="0"/>
+              </a:rPr>
+              <a:t>    for (</a:t>
+            </a:r>
+            <a:r>
+              <a:rPr lang="en-US" sz="1200" dirty="0" err="1">
+                <a:latin typeface="Consolas" panose="020B0609020204030204" pitchFamily="49" charset="0"/>
+              </a:rPr>
+              <a:t>size_t</a:t>
+            </a:r>
+            <a:r>
+              <a:rPr lang="en-US" sz="1200" dirty="0">
+                <a:latin typeface="Consolas" panose="020B0609020204030204" pitchFamily="49" charset="0"/>
+              </a:rPr>
+              <a:t> i = 0; i &lt; </a:t>
+            </a:r>
+            <a:r>
+              <a:rPr lang="en-US" sz="1200" dirty="0" err="1">
+                <a:latin typeface="Consolas" panose="020B0609020204030204" pitchFamily="49" charset="0"/>
+              </a:rPr>
+              <a:t>testCases.size</a:t>
+            </a:r>
+            <a:r>
+              <a:rPr lang="en-US" sz="1200" dirty="0">
+                <a:latin typeface="Consolas" panose="020B0609020204030204" pitchFamily="49" charset="0"/>
+              </a:rPr>
+              <a:t>(); ++i)</a:t>
+            </a:r>
+          </a:p>
+          <a:p>
+            <a:r>
+              <a:rPr lang="en-US" sz="1200" dirty="0">
+                <a:latin typeface="Consolas" panose="020B0609020204030204" pitchFamily="49" charset="0"/>
+              </a:rPr>
+              <a:t>    {</a:t>
+            </a:r>
+          </a:p>
+          <a:p>
+            <a:r>
+              <a:rPr lang="en-US" sz="1200" dirty="0">
+                <a:latin typeface="Consolas" panose="020B0609020204030204" pitchFamily="49" charset="0"/>
+              </a:rPr>
+              <a:t>        const auto &amp;</a:t>
+            </a:r>
+            <a:r>
+              <a:rPr lang="en-US" sz="1200" dirty="0" err="1">
+                <a:latin typeface="Consolas" panose="020B0609020204030204" pitchFamily="49" charset="0"/>
+              </a:rPr>
+              <a:t>testCase</a:t>
+            </a:r>
+            <a:r>
+              <a:rPr lang="en-US" sz="1200" dirty="0">
+                <a:latin typeface="Consolas" panose="020B0609020204030204" pitchFamily="49" charset="0"/>
+              </a:rPr>
+              <a:t> = </a:t>
+            </a:r>
+            <a:r>
+              <a:rPr lang="en-US" sz="1200" dirty="0" err="1">
+                <a:latin typeface="Consolas" panose="020B0609020204030204" pitchFamily="49" charset="0"/>
+              </a:rPr>
+              <a:t>testCases</a:t>
+            </a:r>
+            <a:r>
+              <a:rPr lang="en-US" sz="1200" dirty="0">
+                <a:latin typeface="Consolas" panose="020B0609020204030204" pitchFamily="49" charset="0"/>
+              </a:rPr>
+              <a:t>[i];</a:t>
+            </a:r>
+          </a:p>
+          <a:p>
+            <a:r>
+              <a:rPr lang="en-US" sz="1200" dirty="0">
+                <a:latin typeface="Consolas" panose="020B0609020204030204" pitchFamily="49" charset="0"/>
+              </a:rPr>
+              <a:t>        string result = strip(</a:t>
+            </a:r>
+            <a:r>
+              <a:rPr lang="en-US" sz="1200" dirty="0" err="1">
+                <a:latin typeface="Consolas" panose="020B0609020204030204" pitchFamily="49" charset="0"/>
+              </a:rPr>
+              <a:t>testCase.input</a:t>
+            </a:r>
+            <a:r>
+              <a:rPr lang="en-US" sz="1200" dirty="0">
+                <a:latin typeface="Consolas" panose="020B0609020204030204" pitchFamily="49" charset="0"/>
+              </a:rPr>
+              <a:t>);</a:t>
+            </a:r>
+          </a:p>
+          <a:p>
+            <a:r>
+              <a:rPr lang="en-US" sz="1200" dirty="0">
+                <a:latin typeface="Consolas" panose="020B0609020204030204" pitchFamily="49" charset="0"/>
+              </a:rPr>
+              <a:t>        if (result != </a:t>
+            </a:r>
+            <a:r>
+              <a:rPr lang="en-US" sz="1200" dirty="0" err="1">
+                <a:latin typeface="Consolas" panose="020B0609020204030204" pitchFamily="49" charset="0"/>
+              </a:rPr>
+              <a:t>testCase.expectedOutput</a:t>
+            </a:r>
+            <a:r>
+              <a:rPr lang="en-US" sz="1200" dirty="0">
+                <a:latin typeface="Consolas" panose="020B0609020204030204" pitchFamily="49" charset="0"/>
+              </a:rPr>
+              <a:t>) {</a:t>
+            </a:r>
+          </a:p>
+          <a:p>
+            <a:r>
+              <a:rPr lang="en-US" sz="1200" dirty="0">
+                <a:latin typeface="Consolas" panose="020B0609020204030204" pitchFamily="49" charset="0"/>
+              </a:rPr>
+              <a:t>            cout &lt;&lt; "\</a:t>
+            </a:r>
+            <a:r>
+              <a:rPr lang="en-US" sz="1200" dirty="0" err="1">
+                <a:latin typeface="Consolas" panose="020B0609020204030204" pitchFamily="49" charset="0"/>
+              </a:rPr>
+              <a:t>nTest</a:t>
+            </a:r>
+            <a:r>
+              <a:rPr lang="en-US" sz="1200" dirty="0">
+                <a:latin typeface="Consolas" panose="020B0609020204030204" pitchFamily="49" charset="0"/>
+              </a:rPr>
+              <a:t> " &lt;&lt; i + 1 &lt;&lt; " failed: " </a:t>
+            </a:r>
+          </a:p>
+          <a:p>
+            <a:r>
+              <a:rPr lang="en-US" sz="1200" dirty="0">
+                <a:latin typeface="Consolas" panose="020B0609020204030204" pitchFamily="49" charset="0"/>
+              </a:rPr>
+              <a:t>                 &lt;&lt; </a:t>
+            </a:r>
+            <a:r>
+              <a:rPr lang="en-US" sz="1200" dirty="0" err="1">
+                <a:latin typeface="Consolas" panose="020B0609020204030204" pitchFamily="49" charset="0"/>
+              </a:rPr>
+              <a:t>testCase.description</a:t>
+            </a:r>
+            <a:r>
+              <a:rPr lang="en-US" sz="1200" dirty="0">
+                <a:latin typeface="Consolas" panose="020B0609020204030204" pitchFamily="49" charset="0"/>
+              </a:rPr>
+              <a:t> &lt;&lt; "\n";</a:t>
+            </a:r>
+          </a:p>
+          <a:p>
+            <a:r>
+              <a:rPr lang="en-US" sz="1200" dirty="0">
+                <a:latin typeface="Consolas" panose="020B0609020204030204" pitchFamily="49" charset="0"/>
+              </a:rPr>
+              <a:t>            cout &lt;&lt; "    Expected: \"" &lt;&lt; </a:t>
+            </a:r>
+            <a:r>
+              <a:rPr lang="en-US" sz="1200" dirty="0" err="1">
+                <a:latin typeface="Consolas" panose="020B0609020204030204" pitchFamily="49" charset="0"/>
+              </a:rPr>
+              <a:t>testCase.expectedOutput</a:t>
+            </a:r>
+            <a:r>
+              <a:rPr lang="en-US" sz="1200" dirty="0">
+                <a:latin typeface="Consolas" panose="020B0609020204030204" pitchFamily="49" charset="0"/>
+              </a:rPr>
+              <a:t> </a:t>
+            </a:r>
+          </a:p>
+          <a:p>
+            <a:r>
+              <a:rPr lang="en-US" sz="1200" dirty="0">
+                <a:latin typeface="Consolas" panose="020B0609020204030204" pitchFamily="49" charset="0"/>
+              </a:rPr>
+              <a:t>                 &lt;&lt; "\"\n";</a:t>
+            </a:r>
+          </a:p>
+          <a:p>
+            <a:r>
+              <a:rPr lang="en-US" sz="1200" dirty="0">
+                <a:latin typeface="Consolas" panose="020B0609020204030204" pitchFamily="49" charset="0"/>
+              </a:rPr>
+              <a:t>            cout &lt;&lt; "    Actual:   \"" &lt;&lt; result &lt;&lt; "\"\n";</a:t>
+            </a:r>
+          </a:p>
+          <a:p>
+            <a:r>
+              <a:rPr lang="en-US" sz="1200" dirty="0">
+                <a:latin typeface="Consolas" panose="020B0609020204030204" pitchFamily="49" charset="0"/>
+              </a:rPr>
+              <a:t>            </a:t>
+            </a:r>
+            <a:r>
+              <a:rPr lang="en-US" sz="1200" dirty="0" err="1">
+                <a:latin typeface="Consolas" panose="020B0609020204030204" pitchFamily="49" charset="0"/>
+              </a:rPr>
+              <a:t>failedTests</a:t>
+            </a:r>
+            <a:r>
+              <a:rPr lang="en-US" sz="1200" dirty="0">
+                <a:latin typeface="Consolas" panose="020B0609020204030204" pitchFamily="49" charset="0"/>
+              </a:rPr>
+              <a:t>++;</a:t>
+            </a:r>
+          </a:p>
+          <a:p>
+            <a:r>
+              <a:rPr lang="en-US" sz="1200" dirty="0">
+                <a:latin typeface="Consolas" panose="020B0609020204030204" pitchFamily="49" charset="0"/>
+              </a:rPr>
+              <a:t>        }</a:t>
+            </a:r>
+          </a:p>
+          <a:p>
+            <a:r>
+              <a:rPr lang="en-US" sz="1200" dirty="0">
+                <a:latin typeface="Consolas" panose="020B0609020204030204" pitchFamily="49" charset="0"/>
+              </a:rPr>
+              <a:t>        else {</a:t>
+            </a:r>
+          </a:p>
+          <a:p>
+            <a:r>
+              <a:rPr lang="en-US" sz="1200" dirty="0">
+                <a:latin typeface="Consolas" panose="020B0609020204030204" pitchFamily="49" charset="0"/>
+              </a:rPr>
+              <a:t>            cout &lt;&lt; "Test " &lt;&lt; i + 1 &lt;&lt; " passed: " </a:t>
+            </a:r>
+          </a:p>
+          <a:p>
+            <a:r>
+              <a:rPr lang="en-US" sz="1200" dirty="0">
+                <a:latin typeface="Consolas" panose="020B0609020204030204" pitchFamily="49" charset="0"/>
+              </a:rPr>
+              <a:t>                 &lt;&lt; </a:t>
+            </a:r>
+            <a:r>
+              <a:rPr lang="en-US" sz="1200" dirty="0" err="1">
+                <a:latin typeface="Consolas" panose="020B0609020204030204" pitchFamily="49" charset="0"/>
+              </a:rPr>
+              <a:t>testCase.description</a:t>
+            </a:r>
+            <a:r>
+              <a:rPr lang="en-US" sz="1200" dirty="0">
+                <a:latin typeface="Consolas" panose="020B0609020204030204" pitchFamily="49" charset="0"/>
+              </a:rPr>
+              <a:t> &lt;&lt; </a:t>
+            </a:r>
+            <a:r>
+              <a:rPr lang="en-US" sz="1200" dirty="0" err="1">
+                <a:latin typeface="Consolas" panose="020B0609020204030204" pitchFamily="49" charset="0"/>
+              </a:rPr>
+              <a:t>endl</a:t>
+            </a:r>
+            <a:r>
+              <a:rPr lang="en-US" sz="1200" dirty="0">
+                <a:latin typeface="Consolas" panose="020B0609020204030204" pitchFamily="49" charset="0"/>
+              </a:rPr>
+              <a:t>;</a:t>
+            </a:r>
+          </a:p>
+          <a:p>
+            <a:r>
+              <a:rPr lang="en-US" sz="1200" dirty="0">
+                <a:latin typeface="Consolas" panose="020B0609020204030204" pitchFamily="49" charset="0"/>
+              </a:rPr>
+              <a:t>            </a:t>
+            </a:r>
+            <a:r>
+              <a:rPr lang="en-US" sz="1200" dirty="0" err="1">
+                <a:latin typeface="Consolas" panose="020B0609020204030204" pitchFamily="49" charset="0"/>
+              </a:rPr>
+              <a:t>passedTests</a:t>
+            </a:r>
+            <a:r>
+              <a:rPr lang="en-US" sz="1200" dirty="0">
+                <a:latin typeface="Consolas" panose="020B0609020204030204" pitchFamily="49" charset="0"/>
+              </a:rPr>
+              <a:t>++;</a:t>
+            </a:r>
+          </a:p>
+          <a:p>
+            <a:r>
+              <a:rPr lang="en-US" sz="1200" dirty="0">
+                <a:latin typeface="Consolas" panose="020B0609020204030204" pitchFamily="49" charset="0"/>
+              </a:rPr>
+              <a:t>        }</a:t>
+            </a:r>
+          </a:p>
+          <a:p>
+            <a:r>
+              <a:rPr lang="en-US" sz="1200" dirty="0">
+                <a:latin typeface="Consolas" panose="020B0609020204030204" pitchFamily="49" charset="0"/>
+              </a:rPr>
+              <a:t>    }</a:t>
+            </a:r>
+          </a:p>
+          <a:p>
+            <a:endParaRPr lang="en-US" sz="1200" dirty="0">
+              <a:latin typeface="Consolas" panose="020B0609020204030204" pitchFamily="49" charset="0"/>
+            </a:endParaRPr>
+          </a:p>
+          <a:p>
+            <a:r>
+              <a:rPr lang="en-US" sz="1200" dirty="0">
+                <a:latin typeface="Consolas" panose="020B0609020204030204" pitchFamily="49" charset="0"/>
+              </a:rPr>
+              <a:t>    cout &lt;&lt; "\</a:t>
+            </a:r>
+            <a:r>
+              <a:rPr lang="en-US" sz="1200" dirty="0" err="1">
+                <a:latin typeface="Consolas" panose="020B0609020204030204" pitchFamily="49" charset="0"/>
+              </a:rPr>
+              <a:t>nTest</a:t>
+            </a:r>
+            <a:r>
+              <a:rPr lang="en-US" sz="1200" dirty="0">
+                <a:latin typeface="Consolas" panose="020B0609020204030204" pitchFamily="49" charset="0"/>
+              </a:rPr>
+              <a:t> Summary: " &lt;&lt; </a:t>
+            </a:r>
+            <a:r>
+              <a:rPr lang="en-US" sz="1200" dirty="0" err="1">
+                <a:latin typeface="Consolas" panose="020B0609020204030204" pitchFamily="49" charset="0"/>
+              </a:rPr>
+              <a:t>passedTests</a:t>
+            </a:r>
+            <a:r>
+              <a:rPr lang="en-US" sz="1200" dirty="0">
+                <a:latin typeface="Consolas" panose="020B0609020204030204" pitchFamily="49" charset="0"/>
+              </a:rPr>
+              <a:t> &lt;&lt; " passed, " </a:t>
+            </a:r>
+          </a:p>
+          <a:p>
+            <a:r>
+              <a:rPr lang="en-US" sz="1200" dirty="0">
+                <a:latin typeface="Consolas" panose="020B0609020204030204" pitchFamily="49" charset="0"/>
+              </a:rPr>
+              <a:t>         &lt;&lt; </a:t>
+            </a:r>
+            <a:r>
+              <a:rPr lang="en-US" sz="1200" dirty="0" err="1">
+                <a:latin typeface="Consolas" panose="020B0609020204030204" pitchFamily="49" charset="0"/>
+              </a:rPr>
+              <a:t>failedTests</a:t>
+            </a:r>
+            <a:r>
+              <a:rPr lang="en-US" sz="1200" dirty="0">
+                <a:latin typeface="Consolas" panose="020B0609020204030204" pitchFamily="49" charset="0"/>
+              </a:rPr>
+              <a:t> &lt;&lt; " failed.\n";</a:t>
+            </a:r>
+          </a:p>
+          <a:p>
+            <a:r>
+              <a:rPr lang="en-US" sz="1200" dirty="0">
+                <a:latin typeface="Consolas" panose="020B0609020204030204" pitchFamily="49" charset="0"/>
+              </a:rPr>
+              <a:t>}</a:t>
+            </a:r>
+          </a:p>
+          <a:p>
+            <a:endParaRPr lang="en-US" sz="1200" dirty="0">
+              <a:latin typeface="Consolas" panose="020B0609020204030204" pitchFamily="49" charset="0"/>
+            </a:endParaRPr>
+          </a:p>
+          <a:p>
+            <a:r>
+              <a:rPr lang="en-US" sz="1200" dirty="0">
+                <a:latin typeface="Consolas" panose="020B0609020204030204" pitchFamily="49" charset="0"/>
+              </a:rPr>
+              <a:t>int main() {</a:t>
+            </a:r>
+          </a:p>
+          <a:p>
+            <a:r>
+              <a:rPr lang="en-US" sz="1200" dirty="0">
+                <a:latin typeface="Consolas" panose="020B0609020204030204" pitchFamily="49" charset="0"/>
+              </a:rPr>
+              <a:t>    </a:t>
+            </a:r>
+            <a:r>
+              <a:rPr lang="en-US" sz="1200" dirty="0" err="1">
+                <a:latin typeface="Consolas" panose="020B0609020204030204" pitchFamily="49" charset="0"/>
+              </a:rPr>
+              <a:t>testStripFunction</a:t>
+            </a:r>
+            <a:r>
+              <a:rPr lang="en-US" sz="1200" dirty="0">
+                <a:latin typeface="Consolas" panose="020B0609020204030204" pitchFamily="49" charset="0"/>
+              </a:rPr>
+              <a:t>();</a:t>
+            </a:r>
+          </a:p>
+          <a:p>
+            <a:r>
+              <a:rPr lang="en-US" sz="1200" dirty="0">
+                <a:latin typeface="Consolas" panose="020B0609020204030204" pitchFamily="49" charset="0"/>
+              </a:rPr>
+              <a:t>    return 0;</a:t>
+            </a:r>
+          </a:p>
+          <a:p>
+            <a:r>
+              <a:rPr lang="en-US" sz="1200" dirty="0">
+                <a:latin typeface="Consolas" panose="020B0609020204030204" pitchFamily="49" charset="0"/>
+              </a:rPr>
+              <a:t>}</a:t>
+            </a:r>
+            <a:endParaRPr lang="en-AU" sz="1200" dirty="0">
+              <a:latin typeface="Consolas" panose="020B0609020204030204" pitchFamily="49" charset="0"/>
+            </a:endParaRPr>
+          </a:p>
+        </p:txBody>
+      </p:sp>
+      <p:sp>
+        <p:nvSpPr>
+          <p:cNvPr id="12" name="TextBox 11">
+            <a:extLst>
+              <a:ext uri="{FF2B5EF4-FFF2-40B4-BE49-F238E27FC236}">
+                <a16:creationId xmlns:a16="http://schemas.microsoft.com/office/drawing/2014/main" id="{48ABF86D-F49F-85E8-15A5-46E8D90368B9}"/>
+              </a:ext>
+            </a:extLst>
+          </p:cNvPr>
+          <p:cNvSpPr txBox="1"/>
+          <p:nvPr/>
+        </p:nvSpPr>
+        <p:spPr>
+          <a:xfrm>
+            <a:off x="7196007" y="381575"/>
+            <a:ext cx="2735958" cy="646331"/>
+          </a:xfrm>
+          <a:prstGeom prst="rect">
+            <a:avLst/>
+          </a:prstGeom>
+          <a:solidFill>
+            <a:schemeClr val="accent4">
+              <a:lumMod val="40000"/>
+              <a:lumOff val="60000"/>
+            </a:schemeClr>
+          </a:solidFill>
+        </p:spPr>
+        <p:txBody>
+          <a:bodyPr wrap="square" rtlCol="0">
+            <a:spAutoFit/>
+          </a:bodyPr>
+          <a:lstStyle/>
+          <a:p>
+            <a:pPr algn="ctr"/>
+            <a:r>
+              <a:rPr lang="en-CA" dirty="0"/>
+              <a:t>It output this entire program …</a:t>
+            </a:r>
+          </a:p>
+        </p:txBody>
+      </p:sp>
+      <p:sp>
+        <p:nvSpPr>
+          <p:cNvPr id="9" name="TextBox 8">
+            <a:extLst>
+              <a:ext uri="{FF2B5EF4-FFF2-40B4-BE49-F238E27FC236}">
+                <a16:creationId xmlns:a16="http://schemas.microsoft.com/office/drawing/2014/main" id="{80668905-60AD-C93B-9B3D-DB761D57A1D2}"/>
+              </a:ext>
+            </a:extLst>
+          </p:cNvPr>
+          <p:cNvSpPr txBox="1"/>
+          <p:nvPr/>
+        </p:nvSpPr>
+        <p:spPr>
+          <a:xfrm>
+            <a:off x="1518138" y="4873192"/>
+            <a:ext cx="3456365" cy="1754326"/>
+          </a:xfrm>
+          <a:prstGeom prst="rect">
+            <a:avLst/>
+          </a:prstGeom>
+          <a:solidFill>
+            <a:schemeClr val="accent4">
+              <a:lumMod val="40000"/>
+              <a:lumOff val="60000"/>
+            </a:schemeClr>
+          </a:solidFill>
+        </p:spPr>
+        <p:txBody>
+          <a:bodyPr wrap="square" rtlCol="0">
+            <a:spAutoFit/>
+          </a:bodyPr>
+          <a:lstStyle/>
+          <a:p>
+            <a:pPr algn="ctr"/>
+            <a:r>
+              <a:rPr lang="en-CA" b="1" dirty="0"/>
+              <a:t>Careful!</a:t>
+            </a:r>
+          </a:p>
+          <a:p>
+            <a:pPr algn="ctr"/>
+            <a:r>
+              <a:rPr lang="en-CA" dirty="0"/>
+              <a:t>ChatGPT and other large language models </a:t>
+            </a:r>
+            <a:r>
+              <a:rPr lang="en-CA" b="1" dirty="0"/>
+              <a:t>sometimes make mistakes</a:t>
+            </a:r>
+            <a:r>
+              <a:rPr lang="en-CA" dirty="0"/>
+              <a:t> (like people!) and don’t always give the same results for the same input (like people!)</a:t>
+            </a:r>
+          </a:p>
+        </p:txBody>
+      </p:sp>
+    </p:spTree>
+    <p:extLst>
+      <p:ext uri="{BB962C8B-B14F-4D97-AF65-F5344CB8AC3E}">
+        <p14:creationId xmlns:p14="http://schemas.microsoft.com/office/powerpoint/2010/main" val="3908220886"/>
+      </p:ext>
+    </p:extLst>
+  </p:cSld>
+  <p:clrMapOvr>
+    <a:masterClrMapping/>
+  </p:clrMapOvr>
+</p:sld>
+</file>
+
+<file path=ppt/slides/slide4.xml><?xml version="1.0" encoding="utf-8"?>
+<p:sld xmlns:a="http://schemas.openxmlformats.org/drawingml/2006/main" xmlns:r="http://schemas.openxmlformats.org/officeDocument/2006/relationships" xmlns:p="http://schemas.openxmlformats.org/presentationml/2006/main">
+  <p:cSld>
+    <p:spTree>
+      <p:nvGrpSpPr>
+        <p:cNvPr id="1" name=""/>
+        <p:cNvGrpSpPr/>
+        <p:nvPr/>
+      </p:nvGrpSpPr>
+      <p:grpSpPr>
+        <a:xfrm>
+          <a:off x="0" y="0"/>
+          <a:ext cx="0" cy="0"/>
+          <a:chOff x="0" y="0"/>
+          <a:chExt cx="0" cy="0"/>
+        </a:xfrm>
+      </p:grpSpPr>
+      <p:sp>
+        <p:nvSpPr>
+          <p:cNvPr id="2" name="Title 1">
+            <a:extLst>
+              <a:ext uri="{FF2B5EF4-FFF2-40B4-BE49-F238E27FC236}">
+                <a16:creationId xmlns:a16="http://schemas.microsoft.com/office/drawing/2014/main" id="{44530B2A-3809-F837-03E9-07D5E1B8F199}"/>
+              </a:ext>
+            </a:extLst>
+          </p:cNvPr>
+          <p:cNvSpPr>
+            <a:spLocks noGrp="1"/>
+          </p:cNvSpPr>
+          <p:nvPr>
+            <p:ph type="title"/>
+          </p:nvPr>
+        </p:nvSpPr>
+        <p:spPr/>
+        <p:txBody>
+          <a:bodyPr/>
+          <a:lstStyle/>
+          <a:p>
+            <a:r>
+              <a:rPr lang="en-CA" dirty="0"/>
+              <a:t>How do you know if a program is correct?</a:t>
+            </a:r>
+            <a:endParaRPr lang="en-AU" dirty="0"/>
+          </a:p>
+        </p:txBody>
+      </p:sp>
+      <p:sp>
+        <p:nvSpPr>
+          <p:cNvPr id="3" name="Content Placeholder 2">
+            <a:extLst>
+              <a:ext uri="{FF2B5EF4-FFF2-40B4-BE49-F238E27FC236}">
+                <a16:creationId xmlns:a16="http://schemas.microsoft.com/office/drawing/2014/main" id="{1FECA53D-FC0F-2C1A-B9F0-8F6C988044AA}"/>
+              </a:ext>
+            </a:extLst>
+          </p:cNvPr>
+          <p:cNvSpPr>
+            <a:spLocks noGrp="1"/>
+          </p:cNvSpPr>
+          <p:nvPr>
+            <p:ph idx="1"/>
+          </p:nvPr>
+        </p:nvSpPr>
+        <p:spPr>
+          <a:xfrm>
+            <a:off x="838200" y="1825625"/>
+            <a:ext cx="7859936" cy="4351338"/>
+          </a:xfrm>
+        </p:spPr>
+        <p:txBody>
+          <a:bodyPr>
+            <a:normAutofit fontScale="92500"/>
+          </a:bodyPr>
+          <a:lstStyle/>
+          <a:p>
+            <a:pPr marL="0" indent="0">
+              <a:buNone/>
+            </a:pPr>
+            <a:r>
+              <a:rPr lang="en-CA" dirty="0"/>
+              <a:t>Two basic techniques:</a:t>
+            </a:r>
+          </a:p>
+          <a:p>
+            <a:pPr marL="514350" indent="-514350">
+              <a:buFont typeface="+mj-lt"/>
+              <a:buAutoNum type="arabicPeriod"/>
+            </a:pPr>
+            <a:r>
+              <a:rPr lang="en-AU" b="1" dirty="0"/>
+              <a:t>Inspection</a:t>
+            </a:r>
+            <a:br>
+              <a:rPr lang="en-AU" dirty="0"/>
+            </a:br>
+            <a:r>
+              <a:rPr lang="en-AU" dirty="0"/>
+              <a:t>e.g. read the source code to make sure there are no errors, and that all cases are handled</a:t>
+            </a:r>
+          </a:p>
+          <a:p>
+            <a:pPr lvl="1"/>
+            <a:r>
+              <a:rPr lang="en-AU" dirty="0"/>
+              <a:t>many software companies (e.g. Google, Microsoft) require at least one other person to read any code you submit</a:t>
+            </a:r>
+          </a:p>
+          <a:p>
+            <a:pPr marL="514350" indent="-514350">
+              <a:buFont typeface="+mj-lt"/>
+              <a:buAutoNum type="arabicPeriod"/>
+            </a:pPr>
+            <a:r>
+              <a:rPr lang="en-AU" b="1" dirty="0"/>
+              <a:t>Testing</a:t>
+            </a:r>
+            <a:br>
+              <a:rPr lang="en-AU" dirty="0"/>
+            </a:br>
+            <a:r>
+              <a:rPr lang="en-AU" dirty="0"/>
+              <a:t>e.g. run the program on some sample inputs and make sure it does the right thing</a:t>
+            </a:r>
+          </a:p>
+          <a:p>
+            <a:pPr lvl="1"/>
+            <a:r>
+              <a:rPr lang="en-AU" b="1" dirty="0"/>
+              <a:t>continuous</a:t>
+            </a:r>
+            <a:r>
+              <a:rPr lang="en-AU" dirty="0"/>
+              <a:t> and </a:t>
+            </a:r>
+            <a:r>
+              <a:rPr lang="en-AU" b="1" dirty="0"/>
+              <a:t>automated</a:t>
+            </a:r>
+            <a:r>
+              <a:rPr lang="en-AU" dirty="0"/>
+              <a:t> testing is the general standard that most good software companies follow, or at least aim for</a:t>
+            </a:r>
+          </a:p>
+          <a:p>
+            <a:pPr lvl="1"/>
+            <a:endParaRPr lang="en-AU" dirty="0"/>
+          </a:p>
+          <a:p>
+            <a:endParaRPr lang="en-CA" dirty="0"/>
+          </a:p>
+        </p:txBody>
+      </p:sp>
+      <p:sp>
+        <p:nvSpPr>
+          <p:cNvPr id="5" name="Slide Number Placeholder 4">
+            <a:extLst>
+              <a:ext uri="{FF2B5EF4-FFF2-40B4-BE49-F238E27FC236}">
+                <a16:creationId xmlns:a16="http://schemas.microsoft.com/office/drawing/2014/main" id="{DC5B06CA-90AE-EF0C-532F-2878F1280333}"/>
+              </a:ext>
+            </a:extLst>
+          </p:cNvPr>
+          <p:cNvSpPr>
+            <a:spLocks noGrp="1"/>
+          </p:cNvSpPr>
+          <p:nvPr>
+            <p:ph type="sldNum" sz="quarter" idx="12"/>
+          </p:nvPr>
+        </p:nvSpPr>
+        <p:spPr/>
+        <p:txBody>
+          <a:bodyPr/>
+          <a:lstStyle/>
+          <a:p>
+            <a:fld id="{E5BA05A5-0517-4A37-865C-5DD63AFCA22E}" type="slidenum">
+              <a:rPr lang="en-AU" smtClean="0"/>
+              <a:t>4</a:t>
+            </a:fld>
+            <a:endParaRPr lang="en-AU"/>
+          </a:p>
+        </p:txBody>
+      </p:sp>
+      <p:sp>
+        <p:nvSpPr>
+          <p:cNvPr id="4" name="TextBox 3">
+            <a:extLst>
+              <a:ext uri="{FF2B5EF4-FFF2-40B4-BE49-F238E27FC236}">
+                <a16:creationId xmlns:a16="http://schemas.microsoft.com/office/drawing/2014/main" id="{376D9ECB-F48A-16E5-568E-17CD3C6C5346}"/>
+              </a:ext>
+            </a:extLst>
+          </p:cNvPr>
+          <p:cNvSpPr txBox="1"/>
+          <p:nvPr/>
+        </p:nvSpPr>
+        <p:spPr>
+          <a:xfrm>
+            <a:off x="9027749" y="1463506"/>
+            <a:ext cx="2912349" cy="1600438"/>
+          </a:xfrm>
+          <a:prstGeom prst="rect">
+            <a:avLst/>
+          </a:prstGeom>
+          <a:solidFill>
+            <a:schemeClr val="accent4">
+              <a:lumMod val="40000"/>
+              <a:lumOff val="60000"/>
+            </a:schemeClr>
+          </a:solidFill>
+        </p:spPr>
+        <p:txBody>
+          <a:bodyPr wrap="square" rtlCol="0">
+            <a:spAutoFit/>
+          </a:bodyPr>
+          <a:lstStyle/>
+          <a:p>
+            <a:pPr algn="ctr"/>
+            <a:r>
+              <a:rPr lang="en-CA" sz="1400" dirty="0"/>
+              <a:t>Occasionally, it may be possible to mathematically </a:t>
+            </a:r>
+            <a:r>
+              <a:rPr lang="en-CA" sz="1400" b="1" dirty="0"/>
+              <a:t>prove</a:t>
+            </a:r>
+            <a:r>
+              <a:rPr lang="en-CA" sz="1400" dirty="0"/>
+              <a:t> a program is correct. A mathematical proof can be thought of as a detailed and systematic inspection. In practice, it is rarely used since the proofs are usually more complex than the code.</a:t>
+            </a:r>
+            <a:endParaRPr lang="en-AU" sz="1400" dirty="0"/>
+          </a:p>
+        </p:txBody>
+      </p:sp>
+    </p:spTree>
+    <p:extLst>
+      <p:ext uri="{BB962C8B-B14F-4D97-AF65-F5344CB8AC3E}">
+        <p14:creationId xmlns:p14="http://schemas.microsoft.com/office/powerpoint/2010/main" val="926493247"/>
+      </p:ext>
+    </p:extLst>
+  </p:cSld>
+  <p:clrMapOvr>
+    <a:masterClrMapping/>
+  </p:clrMapOvr>
+</p:sld>
+</file>
+
+<file path=ppt/slides/slide40.xml><?xml version="1.0" encoding="utf-8"?>
+<p:sld xmlns:a="http://schemas.openxmlformats.org/drawingml/2006/main" xmlns:r="http://schemas.openxmlformats.org/officeDocument/2006/relationships" xmlns:p="http://schemas.openxmlformats.org/presentationml/2006/main">
+  <p:cSld>
+    <p:spTree>
+      <p:nvGrpSpPr>
+        <p:cNvPr id="1" name=""/>
+        <p:cNvGrpSpPr/>
+        <p:nvPr/>
+      </p:nvGrpSpPr>
+      <p:grpSpPr>
+        <a:xfrm>
+          <a:off x="0" y="0"/>
+          <a:ext cx="0" cy="0"/>
+          <a:chOff x="0" y="0"/>
+          <a:chExt cx="0" cy="0"/>
+        </a:xfrm>
+      </p:grpSpPr>
+      <p:sp>
+        <p:nvSpPr>
+          <p:cNvPr id="2" name="Title 1">
+            <a:extLst>
+              <a:ext uri="{FF2B5EF4-FFF2-40B4-BE49-F238E27FC236}">
+                <a16:creationId xmlns:a16="http://schemas.microsoft.com/office/drawing/2014/main" id="{DF26FC86-5B91-1A10-5A0B-07FF5F81B3A9}"/>
+              </a:ext>
+            </a:extLst>
+          </p:cNvPr>
+          <p:cNvSpPr>
+            <a:spLocks noGrp="1"/>
+          </p:cNvSpPr>
+          <p:nvPr>
+            <p:ph type="title"/>
+          </p:nvPr>
+        </p:nvSpPr>
+        <p:spPr/>
+        <p:txBody>
+          <a:bodyPr/>
+          <a:lstStyle/>
+          <a:p>
+            <a:r>
+              <a:rPr lang="en-CA"/>
+              <a:t>Final Thoughts </a:t>
+            </a:r>
+            <a:r>
+              <a:rPr lang="en-CA" dirty="0"/>
+              <a:t>on Testing</a:t>
+            </a:r>
+            <a:endParaRPr lang="en-AU" dirty="0"/>
+          </a:p>
+        </p:txBody>
+      </p:sp>
+      <p:sp>
+        <p:nvSpPr>
+          <p:cNvPr id="3" name="Content Placeholder 2">
+            <a:extLst>
+              <a:ext uri="{FF2B5EF4-FFF2-40B4-BE49-F238E27FC236}">
+                <a16:creationId xmlns:a16="http://schemas.microsoft.com/office/drawing/2014/main" id="{27D76F0B-65AC-8BBA-FECE-91531C435243}"/>
+              </a:ext>
+            </a:extLst>
+          </p:cNvPr>
+          <p:cNvSpPr>
+            <a:spLocks noGrp="1"/>
+          </p:cNvSpPr>
+          <p:nvPr>
+            <p:ph idx="1"/>
+          </p:nvPr>
+        </p:nvSpPr>
+        <p:spPr/>
+        <p:txBody>
+          <a:bodyPr>
+            <a:normAutofit fontScale="92500" lnSpcReduction="10000"/>
+          </a:bodyPr>
+          <a:lstStyle/>
+          <a:p>
+            <a:r>
+              <a:rPr lang="en-CA" dirty="0"/>
+              <a:t>You must do it! How else do you know your program works correctly?</a:t>
+            </a:r>
+          </a:p>
+          <a:p>
+            <a:r>
+              <a:rPr lang="en-CA" dirty="0"/>
+              <a:t>Always try to do it automatically </a:t>
+            </a:r>
+          </a:p>
+          <a:p>
+            <a:r>
+              <a:rPr lang="en-CA" dirty="0"/>
+              <a:t>Test as you go</a:t>
+            </a:r>
+          </a:p>
+          <a:p>
+            <a:r>
+              <a:rPr lang="en-CA" dirty="0"/>
+              <a:t>“Eat your own dog food”</a:t>
+            </a:r>
+          </a:p>
+          <a:p>
+            <a:pPr lvl="1"/>
+            <a:r>
+              <a:rPr lang="en-CA" dirty="0"/>
+              <a:t>Use the programs you write in your own work … shows you trust it</a:t>
+            </a:r>
+          </a:p>
+          <a:p>
+            <a:r>
+              <a:rPr lang="en-CA" dirty="0"/>
+              <a:t>Tools like ChatGPT seem promising, make it less work to do testing</a:t>
+            </a:r>
+          </a:p>
+          <a:p>
+            <a:r>
+              <a:rPr lang="en-CA" dirty="0"/>
+              <a:t>Other kinds of testing</a:t>
+            </a:r>
+          </a:p>
+          <a:p>
+            <a:pPr lvl="1"/>
+            <a:r>
+              <a:rPr lang="en-CA" b="1" dirty="0"/>
+              <a:t>Usability</a:t>
+            </a:r>
+            <a:r>
+              <a:rPr lang="en-CA" dirty="0"/>
+              <a:t> testing, e.g. how easy is it to use your system?</a:t>
+            </a:r>
+          </a:p>
+          <a:p>
+            <a:pPr lvl="1"/>
+            <a:r>
+              <a:rPr lang="en-CA" b="1" dirty="0"/>
+              <a:t>Security</a:t>
+            </a:r>
+            <a:r>
+              <a:rPr lang="en-CA" dirty="0"/>
+              <a:t> testing, e.g. does your program protect private information?</a:t>
+            </a:r>
+          </a:p>
+          <a:p>
+            <a:pPr lvl="1"/>
+            <a:r>
+              <a:rPr lang="en-CA" b="1" dirty="0"/>
+              <a:t>Performance</a:t>
+            </a:r>
+            <a:r>
+              <a:rPr lang="en-CA" dirty="0"/>
+              <a:t> testing, e.g. is your program fast enough?</a:t>
+            </a:r>
+          </a:p>
+          <a:p>
+            <a:pPr lvl="1"/>
+            <a:r>
+              <a:rPr lang="en-CA" b="1" dirty="0"/>
+              <a:t>Stress</a:t>
+            </a:r>
+            <a:r>
+              <a:rPr lang="en-CA" dirty="0"/>
+              <a:t> testing, e.g. can your program handle lots of input?</a:t>
+            </a:r>
+          </a:p>
+          <a:p>
+            <a:pPr lvl="1"/>
+            <a:endParaRPr lang="en-CA" dirty="0"/>
+          </a:p>
+          <a:p>
+            <a:pPr lvl="1"/>
+            <a:endParaRPr lang="en-CA" dirty="0"/>
+          </a:p>
+          <a:p>
+            <a:pPr lvl="1"/>
+            <a:endParaRPr lang="en-AU" dirty="0"/>
+          </a:p>
+        </p:txBody>
+      </p:sp>
+      <p:sp>
+        <p:nvSpPr>
+          <p:cNvPr id="4" name="Slide Number Placeholder 3">
+            <a:extLst>
+              <a:ext uri="{FF2B5EF4-FFF2-40B4-BE49-F238E27FC236}">
+                <a16:creationId xmlns:a16="http://schemas.microsoft.com/office/drawing/2014/main" id="{5E740AF1-89D9-0A5B-57DE-42A24FD62F89}"/>
+              </a:ext>
+            </a:extLst>
+          </p:cNvPr>
+          <p:cNvSpPr>
+            <a:spLocks noGrp="1"/>
+          </p:cNvSpPr>
+          <p:nvPr>
+            <p:ph type="sldNum" sz="quarter" idx="12"/>
+          </p:nvPr>
+        </p:nvSpPr>
+        <p:spPr/>
+        <p:txBody>
+          <a:bodyPr/>
+          <a:lstStyle/>
+          <a:p>
+            <a:fld id="{E5BA05A5-0517-4A37-865C-5DD63AFCA22E}" type="slidenum">
+              <a:rPr lang="en-AU" smtClean="0"/>
+              <a:pPr/>
+              <a:t>40</a:t>
+            </a:fld>
+            <a:endParaRPr lang="en-AU" dirty="0"/>
+          </a:p>
+        </p:txBody>
+      </p:sp>
+    </p:spTree>
+    <p:extLst>
+      <p:ext uri="{BB962C8B-B14F-4D97-AF65-F5344CB8AC3E}">
+        <p14:creationId xmlns:p14="http://schemas.microsoft.com/office/powerpoint/2010/main" val="3036112539"/>
+      </p:ext>
+    </p:extLst>
+  </p:cSld>
+  <p:clrMapOvr>
+    <a:masterClrMapping/>
+  </p:clrMapOvr>
+</p:sld>
+</file>
+
+<file path=ppt/slides/slide41.xml><?xml version="1.0" encoding="utf-8"?>
+<p:sld xmlns:a="http://schemas.openxmlformats.org/drawingml/2006/main" xmlns:r="http://schemas.openxmlformats.org/officeDocument/2006/relationships" xmlns:p="http://schemas.openxmlformats.org/presentationml/2006/main">
+  <p:cSld>
+    <p:spTree>
+      <p:nvGrpSpPr>
+        <p:cNvPr id="1" name=""/>
+        <p:cNvGrpSpPr/>
+        <p:nvPr/>
+      </p:nvGrpSpPr>
+      <p:grpSpPr>
+        <a:xfrm>
+          <a:off x="0" y="0"/>
+          <a:ext cx="0" cy="0"/>
+          <a:chOff x="0" y="0"/>
+          <a:chExt cx="0" cy="0"/>
+        </a:xfrm>
+      </p:grpSpPr>
+      <p:sp>
+        <p:nvSpPr>
+          <p:cNvPr id="2" name="Title 1">
+            <a:extLst>
+              <a:ext uri="{FF2B5EF4-FFF2-40B4-BE49-F238E27FC236}">
+                <a16:creationId xmlns:a16="http://schemas.microsoft.com/office/drawing/2014/main" id="{54AB4E2D-5CD6-1176-E31E-32E24930D22D}"/>
+              </a:ext>
+            </a:extLst>
+          </p:cNvPr>
+          <p:cNvSpPr>
+            <a:spLocks noGrp="1"/>
+          </p:cNvSpPr>
+          <p:nvPr>
+            <p:ph type="title"/>
+          </p:nvPr>
+        </p:nvSpPr>
+        <p:spPr/>
+        <p:txBody>
+          <a:bodyPr/>
+          <a:lstStyle/>
+          <a:p>
+            <a:r>
+              <a:rPr lang="en-CA" dirty="0"/>
+              <a:t>Pointers and Memory Management</a:t>
+            </a:r>
+            <a:endParaRPr lang="en-AU" dirty="0"/>
+          </a:p>
+        </p:txBody>
+      </p:sp>
+      <p:sp>
+        <p:nvSpPr>
+          <p:cNvPr id="3" name="Content Placeholder 2">
+            <a:extLst>
+              <a:ext uri="{FF2B5EF4-FFF2-40B4-BE49-F238E27FC236}">
+                <a16:creationId xmlns:a16="http://schemas.microsoft.com/office/drawing/2014/main" id="{40B721B6-8B02-0123-2B53-573B1CA3B184}"/>
+              </a:ext>
+            </a:extLst>
+          </p:cNvPr>
+          <p:cNvSpPr>
+            <a:spLocks noGrp="1"/>
+          </p:cNvSpPr>
+          <p:nvPr>
+            <p:ph idx="1"/>
+          </p:nvPr>
+        </p:nvSpPr>
+        <p:spPr/>
+        <p:txBody>
+          <a:bodyPr/>
+          <a:lstStyle/>
+          <a:p>
+            <a:r>
+              <a:rPr lang="en-CA" dirty="0"/>
+              <a:t>Managing memory is a major topic in C++</a:t>
+            </a:r>
+          </a:p>
+          <a:p>
+            <a:r>
+              <a:rPr lang="en-CA" dirty="0"/>
+              <a:t>While </a:t>
+            </a:r>
+            <a:r>
+              <a:rPr lang="en-CA" b="1" dirty="0"/>
+              <a:t>call-stack memory </a:t>
+            </a:r>
+            <a:r>
+              <a:rPr lang="en-CA" dirty="0"/>
+              <a:t>is automatically managed, </a:t>
+            </a:r>
+            <a:r>
+              <a:rPr lang="en-CA" b="1" dirty="0"/>
+              <a:t>free store memory</a:t>
+            </a:r>
+            <a:r>
+              <a:rPr lang="en-CA" dirty="0"/>
+              <a:t> is manually managed by the programmer</a:t>
+            </a:r>
+          </a:p>
+          <a:p>
+            <a:pPr lvl="1"/>
+            <a:r>
+              <a:rPr lang="en-CA" dirty="0"/>
+              <a:t>In contrast, most other programming languages automatically manage memory using a special program called a </a:t>
+            </a:r>
+            <a:r>
+              <a:rPr lang="en-CA" b="1" dirty="0"/>
+              <a:t>garbage collector </a:t>
+            </a:r>
+            <a:r>
+              <a:rPr lang="en-CA" dirty="0"/>
+              <a:t>that runs while your program runs</a:t>
+            </a:r>
+          </a:p>
+          <a:p>
+            <a:pPr lvl="1"/>
+            <a:r>
+              <a:rPr lang="en-CA" dirty="0"/>
+              <a:t>The garbage collector automatically de-allocates any unused memory</a:t>
+            </a:r>
+          </a:p>
+          <a:p>
+            <a:pPr lvl="1"/>
+            <a:r>
+              <a:rPr lang="en-CA" dirty="0"/>
+              <a:t>Garbage collectors can result in slightly slower programs, or programs with short pauses, which might not be acceptable in real-time applications</a:t>
+            </a:r>
+          </a:p>
+          <a:p>
+            <a:r>
+              <a:rPr lang="en-CA" dirty="0"/>
+              <a:t>In C++, to use free store memory you must use pointers …</a:t>
+            </a:r>
+            <a:endParaRPr lang="en-AU" dirty="0"/>
+          </a:p>
+        </p:txBody>
+      </p:sp>
+      <p:sp>
+        <p:nvSpPr>
+          <p:cNvPr id="4" name="Slide Number Placeholder 3">
+            <a:extLst>
+              <a:ext uri="{FF2B5EF4-FFF2-40B4-BE49-F238E27FC236}">
+                <a16:creationId xmlns:a16="http://schemas.microsoft.com/office/drawing/2014/main" id="{130E6670-A4DB-F733-7470-2FED74276CB8}"/>
+              </a:ext>
+            </a:extLst>
+          </p:cNvPr>
+          <p:cNvSpPr>
+            <a:spLocks noGrp="1"/>
+          </p:cNvSpPr>
+          <p:nvPr>
+            <p:ph type="sldNum" sz="quarter" idx="12"/>
+          </p:nvPr>
+        </p:nvSpPr>
+        <p:spPr/>
+        <p:txBody>
+          <a:bodyPr/>
+          <a:lstStyle/>
+          <a:p>
+            <a:fld id="{E5BA05A5-0517-4A37-865C-5DD63AFCA22E}" type="slidenum">
+              <a:rPr lang="en-AU" smtClean="0"/>
+              <a:pPr/>
+              <a:t>41</a:t>
+            </a:fld>
+            <a:endParaRPr lang="en-AU" dirty="0"/>
+          </a:p>
+        </p:txBody>
+      </p:sp>
+    </p:spTree>
+    <p:extLst>
+      <p:ext uri="{BB962C8B-B14F-4D97-AF65-F5344CB8AC3E}">
+        <p14:creationId xmlns:p14="http://schemas.microsoft.com/office/powerpoint/2010/main" val="1840618605"/>
+      </p:ext>
+    </p:extLst>
+  </p:cSld>
+  <p:clrMapOvr>
+    <a:masterClrMapping/>
+  </p:clrMapOvr>
+</p:sld>
+</file>
+
+<file path=ppt/slides/slide42.xml><?xml version="1.0" encoding="utf-8"?>
+<p:sld xmlns:a="http://schemas.openxmlformats.org/drawingml/2006/main" xmlns:r="http://schemas.openxmlformats.org/officeDocument/2006/relationships" xmlns:p="http://schemas.openxmlformats.org/presentationml/2006/main">
+  <p:cSld>
+    <p:spTree>
+      <p:nvGrpSpPr>
+        <p:cNvPr id="1" name=""/>
+        <p:cNvGrpSpPr/>
+        <p:nvPr/>
+      </p:nvGrpSpPr>
+      <p:grpSpPr>
+        <a:xfrm>
+          <a:off x="0" y="0"/>
+          <a:ext cx="0" cy="0"/>
+          <a:chOff x="0" y="0"/>
+          <a:chExt cx="0" cy="0"/>
+        </a:xfrm>
+      </p:grpSpPr>
+      <p:sp>
+        <p:nvSpPr>
+          <p:cNvPr id="2" name="Title 1">
+            <a:extLst>
+              <a:ext uri="{FF2B5EF4-FFF2-40B4-BE49-F238E27FC236}">
+                <a16:creationId xmlns:a16="http://schemas.microsoft.com/office/drawing/2014/main" id="{6E27C467-0D4B-5398-59B5-024CE8B55934}"/>
+              </a:ext>
+            </a:extLst>
+          </p:cNvPr>
+          <p:cNvSpPr>
+            <a:spLocks noGrp="1"/>
+          </p:cNvSpPr>
+          <p:nvPr>
+            <p:ph type="title"/>
+          </p:nvPr>
+        </p:nvSpPr>
+        <p:spPr/>
+        <p:txBody>
+          <a:bodyPr/>
+          <a:lstStyle/>
+          <a:p>
+            <a:r>
+              <a:rPr lang="en-CA" dirty="0"/>
+              <a:t>Memory of a running C++ program</a:t>
+            </a:r>
+            <a:endParaRPr lang="en-AU" dirty="0"/>
+          </a:p>
+        </p:txBody>
+      </p:sp>
+      <p:sp>
+        <p:nvSpPr>
+          <p:cNvPr id="4" name="Slide Number Placeholder 3">
+            <a:extLst>
+              <a:ext uri="{FF2B5EF4-FFF2-40B4-BE49-F238E27FC236}">
+                <a16:creationId xmlns:a16="http://schemas.microsoft.com/office/drawing/2014/main" id="{600631E4-52B7-B7DB-E129-DC961E8DDD93}"/>
+              </a:ext>
+            </a:extLst>
+          </p:cNvPr>
+          <p:cNvSpPr>
+            <a:spLocks noGrp="1"/>
+          </p:cNvSpPr>
+          <p:nvPr>
+            <p:ph type="sldNum" sz="quarter" idx="12"/>
+          </p:nvPr>
+        </p:nvSpPr>
+        <p:spPr/>
+        <p:txBody>
+          <a:bodyPr/>
+          <a:lstStyle/>
+          <a:p>
+            <a:fld id="{E5BA05A5-0517-4A37-865C-5DD63AFCA22E}" type="slidenum">
+              <a:rPr lang="en-AU" smtClean="0"/>
+              <a:pPr/>
+              <a:t>42</a:t>
             </a:fld>
             <a:endParaRPr lang="en-AU" dirty="0"/>
           </a:p>
@@ -26188,7 +30015,7 @@
 </p:sld>
 </file>
 
-<file path=ppt/slides/slide38.xml><?xml version="1.0" encoding="utf-8"?>
+<file path=ppt/slides/slide43.xml><?xml version="1.0" encoding="utf-8"?>
 <p:sld xmlns:a="http://schemas.openxmlformats.org/drawingml/2006/main" xmlns:r="http://schemas.openxmlformats.org/officeDocument/2006/relationships" xmlns:p="http://schemas.openxmlformats.org/presentationml/2006/main">
   <p:cSld>
     <p:spTree>
@@ -26258,7 +30085,7 @@
             <a:fld id="{E5BA05A5-0517-4A37-865C-5DD63AFCA22E}" type="slidenum">
               <a:rPr lang="en-AU" smtClean="0"/>
               <a:pPr/>
-              <a:t>38</a:t>
+              <a:t>43</a:t>
             </a:fld>
             <a:endParaRPr lang="en-AU" dirty="0"/>
           </a:p>
@@ -27571,7 +31398,7 @@
 </p:sld>
 </file>
 
-<file path=ppt/slides/slide39.xml><?xml version="1.0" encoding="utf-8"?>
+<file path=ppt/slides/slide44.xml><?xml version="1.0" encoding="utf-8"?>
 <p:sld xmlns:a="http://schemas.openxmlformats.org/drawingml/2006/main" xmlns:r="http://schemas.openxmlformats.org/officeDocument/2006/relationships" xmlns:p="http://schemas.openxmlformats.org/presentationml/2006/main">
   <p:cSld>
     <p:spTree>
@@ -27641,7 +31468,7 @@
             <a:fld id="{E5BA05A5-0517-4A37-865C-5DD63AFCA22E}" type="slidenum">
               <a:rPr lang="en-AU" smtClean="0"/>
               <a:pPr/>
-              <a:t>39</a:t>
+              <a:t>44</a:t>
             </a:fld>
             <a:endParaRPr lang="en-AU" dirty="0"/>
           </a:p>
@@ -28691,7 +32518,7 @@
 </p:sld>
 </file>
 
-<file path=ppt/slides/slide4.xml><?xml version="1.0" encoding="utf-8"?>
+<file path=ppt/slides/slide45.xml><?xml version="1.0" encoding="utf-8"?>
 <p:sld xmlns:a="http://schemas.openxmlformats.org/drawingml/2006/main" xmlns:r="http://schemas.openxmlformats.org/officeDocument/2006/relationships" xmlns:p="http://schemas.openxmlformats.org/presentationml/2006/main">
   <p:cSld>
     <p:spTree>
@@ -28713,7 +32540,7 @@
           <p:cNvPr id="2" name="Title 1">
             <a:extLst>
               <a:ext uri="{FF2B5EF4-FFF2-40B4-BE49-F238E27FC236}">
-                <a16:creationId xmlns:a16="http://schemas.microsoft.com/office/drawing/2014/main" id="{44530B2A-3809-F837-03E9-07D5E1B8F199}"/>
+                <a16:creationId xmlns:a16="http://schemas.microsoft.com/office/drawing/2014/main" id="{6E27C467-0D4B-5398-59B5-024CE8B55934}"/>
               </a:ext>
             </a:extLst>
           </p:cNvPr>
@@ -28731,7 +32558,7 @@
           <a:p>
             <a:r>
               <a:rPr lang="en-CA" dirty="0"/>
-              <a:t>How do you know if a program is correct?</a:t>
+              <a:t>Memory of a running C++ program</a:t>
             </a:r>
             <a:endParaRPr lang="en-AU" dirty="0"/>
           </a:p>
@@ -28739,115 +32566,10 @@
       </p:sp>
       <p:sp>
         <p:nvSpPr>
-          <p:cNvPr id="3" name="Content Placeholder 2">
-            <a:extLst>
-              <a:ext uri="{FF2B5EF4-FFF2-40B4-BE49-F238E27FC236}">
-                <a16:creationId xmlns:a16="http://schemas.microsoft.com/office/drawing/2014/main" id="{1FECA53D-FC0F-2C1A-B9F0-8F6C988044AA}"/>
-              </a:ext>
-            </a:extLst>
-          </p:cNvPr>
-          <p:cNvSpPr>
-            <a:spLocks noGrp="1"/>
-          </p:cNvSpPr>
-          <p:nvPr>
-            <p:ph idx="1"/>
-          </p:nvPr>
-        </p:nvSpPr>
-        <p:spPr>
-          <a:xfrm>
-            <a:off x="838200" y="1825625"/>
-            <a:ext cx="7859936" cy="4351338"/>
-          </a:xfrm>
-        </p:spPr>
-        <p:txBody>
-          <a:bodyPr>
-            <a:normAutofit fontScale="92500"/>
-          </a:bodyPr>
-          <a:lstStyle/>
-          <a:p>
-            <a:pPr marL="0" indent="0">
-              <a:buNone/>
-            </a:pPr>
-            <a:r>
-              <a:rPr lang="en-CA" dirty="0"/>
-              <a:t>Two basic techniques:</a:t>
-            </a:r>
-          </a:p>
-          <a:p>
-            <a:pPr marL="514350" indent="-514350">
-              <a:buFont typeface="+mj-lt"/>
-              <a:buAutoNum type="arabicPeriod"/>
-            </a:pPr>
-            <a:r>
-              <a:rPr lang="en-AU" b="1" dirty="0"/>
-              <a:t>Inspection</a:t>
-            </a:r>
-            <a:br>
-              <a:rPr lang="en-AU" dirty="0"/>
-            </a:br>
-            <a:r>
-              <a:rPr lang="en-AU" dirty="0"/>
-              <a:t>e.g. read the source code to make sure there are no errors, and that all cases are handled</a:t>
-            </a:r>
-          </a:p>
-          <a:p>
-            <a:pPr lvl="1"/>
-            <a:r>
-              <a:rPr lang="en-AU" dirty="0"/>
-              <a:t>many software companies (e.g. Google, Microsoft) require at least one other person to read any code you submit</a:t>
-            </a:r>
-          </a:p>
-          <a:p>
-            <a:pPr marL="514350" indent="-514350">
-              <a:buFont typeface="+mj-lt"/>
-              <a:buAutoNum type="arabicPeriod"/>
-            </a:pPr>
-            <a:r>
-              <a:rPr lang="en-AU" b="1" dirty="0"/>
-              <a:t>Testing</a:t>
-            </a:r>
-            <a:br>
-              <a:rPr lang="en-AU" dirty="0"/>
-            </a:br>
-            <a:r>
-              <a:rPr lang="en-AU" dirty="0"/>
-              <a:t>e.g. run the program on some sample inputs and make sure it does the right thing</a:t>
-            </a:r>
-          </a:p>
-          <a:p>
-            <a:pPr lvl="1"/>
-            <a:r>
-              <a:rPr lang="en-AU" b="1" dirty="0"/>
-              <a:t>continuous</a:t>
-            </a:r>
-            <a:r>
-              <a:rPr lang="en-AU" dirty="0"/>
-              <a:t> and </a:t>
-            </a:r>
-            <a:r>
-              <a:rPr lang="en-AU" b="1" dirty="0"/>
-              <a:t>automated</a:t>
-            </a:r>
-            <a:r>
-              <a:rPr lang="en-AU" dirty="0"/>
-              <a:t> testing is the general standard that most good software companies follow, or at least aim for</a:t>
-            </a:r>
-          </a:p>
-          <a:p>
-            <a:pPr lvl="1"/>
-            <a:endParaRPr lang="en-AU" dirty="0"/>
-          </a:p>
-          <a:p>
-            <a:endParaRPr lang="en-CA" dirty="0"/>
-          </a:p>
-        </p:txBody>
-      </p:sp>
-      <p:sp>
-        <p:nvSpPr>
-          <p:cNvPr id="5" name="Slide Number Placeholder 4">
-            <a:extLst>
-              <a:ext uri="{FF2B5EF4-FFF2-40B4-BE49-F238E27FC236}">
-                <a16:creationId xmlns:a16="http://schemas.microsoft.com/office/drawing/2014/main" id="{DC5B06CA-90AE-EF0C-532F-2878F1280333}"/>
+          <p:cNvPr id="4" name="Slide Number Placeholder 3">
+            <a:extLst>
+              <a:ext uri="{FF2B5EF4-FFF2-40B4-BE49-F238E27FC236}">
+                <a16:creationId xmlns:a16="http://schemas.microsoft.com/office/drawing/2014/main" id="{600631E4-52B7-B7DB-E129-DC961E8DDD93}"/>
               </a:ext>
             </a:extLst>
           </p:cNvPr>
@@ -28865,18 +32587,19 @@
           <a:p>
             <a:fld id="{E5BA05A5-0517-4A37-865C-5DD63AFCA22E}" type="slidenum">
               <a:rPr lang="en-AU" smtClean="0"/>
-              <a:t>4</a:t>
+              <a:pPr/>
+              <a:t>45</a:t>
             </a:fld>
-            <a:endParaRPr lang="en-AU"/>
-          </a:p>
-        </p:txBody>
-      </p:sp>
-      <p:sp>
-        <p:nvSpPr>
-          <p:cNvPr id="4" name="TextBox 3">
-            <a:extLst>
-              <a:ext uri="{FF2B5EF4-FFF2-40B4-BE49-F238E27FC236}">
-                <a16:creationId xmlns:a16="http://schemas.microsoft.com/office/drawing/2014/main" id="{376D9ECB-F48A-16E5-568E-17CD3C6C5346}"/>
+            <a:endParaRPr lang="en-AU" dirty="0"/>
+          </a:p>
+        </p:txBody>
+      </p:sp>
+      <p:sp>
+        <p:nvSpPr>
+          <p:cNvPr id="5" name="TextBox 4">
+            <a:extLst>
+              <a:ext uri="{FF2B5EF4-FFF2-40B4-BE49-F238E27FC236}">
+                <a16:creationId xmlns:a16="http://schemas.microsoft.com/office/drawing/2014/main" id="{63620396-E9C4-3F62-E3A6-982B88D20ED3}"/>
               </a:ext>
             </a:extLst>
           </p:cNvPr>
@@ -28885,8 +32608,1002 @@
         </p:nvSpPr>
         <p:spPr>
           <a:xfrm>
-            <a:off x="9027749" y="1463506"/>
-            <a:ext cx="2912349" cy="1600438"/>
+            <a:off x="1571861" y="2403134"/>
+            <a:ext cx="785931" cy="369332"/>
+          </a:xfrm>
+          <a:prstGeom prst="rect">
+            <a:avLst/>
+          </a:prstGeom>
+          <a:noFill/>
+          <a:ln>
+            <a:solidFill>
+              <a:srgbClr val="002060"/>
+            </a:solidFill>
+          </a:ln>
+        </p:spPr>
+        <p:txBody>
+          <a:bodyPr wrap="square" rtlCol="0">
+            <a:spAutoFit/>
+          </a:bodyPr>
+          <a:lstStyle/>
+          <a:p>
+            <a:pPr algn="ctr"/>
+            <a:endParaRPr lang="en-AU" dirty="0"/>
+          </a:p>
+        </p:txBody>
+      </p:sp>
+      <p:sp>
+        <p:nvSpPr>
+          <p:cNvPr id="6" name="TextBox 5">
+            <a:extLst>
+              <a:ext uri="{FF2B5EF4-FFF2-40B4-BE49-F238E27FC236}">
+                <a16:creationId xmlns:a16="http://schemas.microsoft.com/office/drawing/2014/main" id="{62CACBED-B31B-20E9-2047-0713E1B895E4}"/>
+              </a:ext>
+            </a:extLst>
+          </p:cNvPr>
+          <p:cNvSpPr txBox="1"/>
+          <p:nvPr/>
+        </p:nvSpPr>
+        <p:spPr>
+          <a:xfrm>
+            <a:off x="1571860" y="2026542"/>
+            <a:ext cx="785931" cy="307777"/>
+          </a:xfrm>
+          <a:prstGeom prst="rect">
+            <a:avLst/>
+          </a:prstGeom>
+          <a:noFill/>
+          <a:ln>
+            <a:noFill/>
+          </a:ln>
+        </p:spPr>
+        <p:txBody>
+          <a:bodyPr wrap="square" rtlCol="0">
+            <a:spAutoFit/>
+          </a:bodyPr>
+          <a:lstStyle/>
+          <a:p>
+            <a:pPr algn="ctr"/>
+            <a:r>
+              <a:rPr lang="en-CA" sz="1400" dirty="0"/>
+              <a:t>456</a:t>
+            </a:r>
+            <a:endParaRPr lang="en-AU" sz="1400" dirty="0"/>
+          </a:p>
+        </p:txBody>
+      </p:sp>
+      <p:sp>
+        <p:nvSpPr>
+          <p:cNvPr id="7" name="TextBox 6">
+            <a:extLst>
+              <a:ext uri="{FF2B5EF4-FFF2-40B4-BE49-F238E27FC236}">
+                <a16:creationId xmlns:a16="http://schemas.microsoft.com/office/drawing/2014/main" id="{204F554E-E05B-3CCE-6566-62D27C643B58}"/>
+              </a:ext>
+            </a:extLst>
+          </p:cNvPr>
+          <p:cNvSpPr txBox="1"/>
+          <p:nvPr/>
+        </p:nvSpPr>
+        <p:spPr>
+          <a:xfrm>
+            <a:off x="2365348" y="2403134"/>
+            <a:ext cx="785931" cy="369332"/>
+          </a:xfrm>
+          <a:prstGeom prst="rect">
+            <a:avLst/>
+          </a:prstGeom>
+          <a:noFill/>
+          <a:ln>
+            <a:solidFill>
+              <a:srgbClr val="002060"/>
+            </a:solidFill>
+          </a:ln>
+        </p:spPr>
+        <p:txBody>
+          <a:bodyPr wrap="square" rtlCol="0">
+            <a:spAutoFit/>
+          </a:bodyPr>
+          <a:lstStyle/>
+          <a:p>
+            <a:pPr algn="ctr"/>
+            <a:r>
+              <a:rPr lang="en-CA" dirty="0"/>
+              <a:t>'a'</a:t>
+            </a:r>
+            <a:endParaRPr lang="en-AU" dirty="0"/>
+          </a:p>
+        </p:txBody>
+      </p:sp>
+      <p:sp>
+        <p:nvSpPr>
+          <p:cNvPr id="8" name="TextBox 7">
+            <a:extLst>
+              <a:ext uri="{FF2B5EF4-FFF2-40B4-BE49-F238E27FC236}">
+                <a16:creationId xmlns:a16="http://schemas.microsoft.com/office/drawing/2014/main" id="{2F62D660-1846-2F07-5F56-0D2680D71CB4}"/>
+              </a:ext>
+            </a:extLst>
+          </p:cNvPr>
+          <p:cNvSpPr txBox="1"/>
+          <p:nvPr/>
+        </p:nvSpPr>
+        <p:spPr>
+          <a:xfrm>
+            <a:off x="2365347" y="2026542"/>
+            <a:ext cx="785931" cy="307777"/>
+          </a:xfrm>
+          <a:prstGeom prst="rect">
+            <a:avLst/>
+          </a:prstGeom>
+          <a:noFill/>
+          <a:ln>
+            <a:noFill/>
+          </a:ln>
+        </p:spPr>
+        <p:txBody>
+          <a:bodyPr wrap="square" rtlCol="0">
+            <a:spAutoFit/>
+          </a:bodyPr>
+          <a:lstStyle/>
+          <a:p>
+            <a:pPr algn="ctr"/>
+            <a:r>
+              <a:rPr lang="en-CA" sz="1400" dirty="0"/>
+              <a:t>457</a:t>
+            </a:r>
+            <a:endParaRPr lang="en-AU" sz="1400" dirty="0"/>
+          </a:p>
+        </p:txBody>
+      </p:sp>
+      <p:sp>
+        <p:nvSpPr>
+          <p:cNvPr id="9" name="TextBox 8">
+            <a:extLst>
+              <a:ext uri="{FF2B5EF4-FFF2-40B4-BE49-F238E27FC236}">
+                <a16:creationId xmlns:a16="http://schemas.microsoft.com/office/drawing/2014/main" id="{2089ED6A-5722-F5A6-588B-E11EF2D9FBCD}"/>
+              </a:ext>
+            </a:extLst>
+          </p:cNvPr>
+          <p:cNvSpPr txBox="1"/>
+          <p:nvPr/>
+        </p:nvSpPr>
+        <p:spPr>
+          <a:xfrm>
+            <a:off x="3158835" y="2403134"/>
+            <a:ext cx="785931" cy="369332"/>
+          </a:xfrm>
+          <a:prstGeom prst="rect">
+            <a:avLst/>
+          </a:prstGeom>
+          <a:noFill/>
+          <a:ln>
+            <a:solidFill>
+              <a:srgbClr val="002060"/>
+            </a:solidFill>
+          </a:ln>
+        </p:spPr>
+        <p:txBody>
+          <a:bodyPr wrap="square" rtlCol="0">
+            <a:spAutoFit/>
+          </a:bodyPr>
+          <a:lstStyle/>
+          <a:p>
+            <a:pPr algn="ctr"/>
+            <a:endParaRPr lang="en-AU" dirty="0"/>
+          </a:p>
+        </p:txBody>
+      </p:sp>
+      <p:sp>
+        <p:nvSpPr>
+          <p:cNvPr id="10" name="TextBox 9">
+            <a:extLst>
+              <a:ext uri="{FF2B5EF4-FFF2-40B4-BE49-F238E27FC236}">
+                <a16:creationId xmlns:a16="http://schemas.microsoft.com/office/drawing/2014/main" id="{189568D6-EFE1-80E7-C225-26D4D906ED1D}"/>
+              </a:ext>
+            </a:extLst>
+          </p:cNvPr>
+          <p:cNvSpPr txBox="1"/>
+          <p:nvPr/>
+        </p:nvSpPr>
+        <p:spPr>
+          <a:xfrm>
+            <a:off x="3158834" y="2026542"/>
+            <a:ext cx="785931" cy="307777"/>
+          </a:xfrm>
+          <a:prstGeom prst="rect">
+            <a:avLst/>
+          </a:prstGeom>
+          <a:noFill/>
+          <a:ln>
+            <a:noFill/>
+          </a:ln>
+        </p:spPr>
+        <p:txBody>
+          <a:bodyPr wrap="square" rtlCol="0">
+            <a:spAutoFit/>
+          </a:bodyPr>
+          <a:lstStyle/>
+          <a:p>
+            <a:pPr algn="ctr"/>
+            <a:r>
+              <a:rPr lang="en-CA" sz="1400" dirty="0"/>
+              <a:t>458</a:t>
+            </a:r>
+            <a:endParaRPr lang="en-AU" sz="1400" dirty="0"/>
+          </a:p>
+        </p:txBody>
+      </p:sp>
+      <p:sp>
+        <p:nvSpPr>
+          <p:cNvPr id="11" name="TextBox 10">
+            <a:extLst>
+              <a:ext uri="{FF2B5EF4-FFF2-40B4-BE49-F238E27FC236}">
+                <a16:creationId xmlns:a16="http://schemas.microsoft.com/office/drawing/2014/main" id="{FC3588D3-B396-C710-B469-CE020BE40935}"/>
+              </a:ext>
+            </a:extLst>
+          </p:cNvPr>
+          <p:cNvSpPr txBox="1"/>
+          <p:nvPr/>
+        </p:nvSpPr>
+        <p:spPr>
+          <a:xfrm>
+            <a:off x="3952322" y="2403134"/>
+            <a:ext cx="785931" cy="369332"/>
+          </a:xfrm>
+          <a:prstGeom prst="rect">
+            <a:avLst/>
+          </a:prstGeom>
+          <a:noFill/>
+          <a:ln>
+            <a:solidFill>
+              <a:srgbClr val="002060"/>
+            </a:solidFill>
+          </a:ln>
+        </p:spPr>
+        <p:txBody>
+          <a:bodyPr wrap="square" rtlCol="0">
+            <a:spAutoFit/>
+          </a:bodyPr>
+          <a:lstStyle/>
+          <a:p>
+            <a:pPr algn="ctr"/>
+            <a:endParaRPr lang="en-AU" dirty="0"/>
+          </a:p>
+        </p:txBody>
+      </p:sp>
+      <p:sp>
+        <p:nvSpPr>
+          <p:cNvPr id="12" name="TextBox 11">
+            <a:extLst>
+              <a:ext uri="{FF2B5EF4-FFF2-40B4-BE49-F238E27FC236}">
+                <a16:creationId xmlns:a16="http://schemas.microsoft.com/office/drawing/2014/main" id="{F06BC40E-1F5B-9172-AF88-409A0F64E4D5}"/>
+              </a:ext>
+            </a:extLst>
+          </p:cNvPr>
+          <p:cNvSpPr txBox="1"/>
+          <p:nvPr/>
+        </p:nvSpPr>
+        <p:spPr>
+          <a:xfrm>
+            <a:off x="3952321" y="2026542"/>
+            <a:ext cx="785931" cy="307777"/>
+          </a:xfrm>
+          <a:prstGeom prst="rect">
+            <a:avLst/>
+          </a:prstGeom>
+          <a:noFill/>
+          <a:ln>
+            <a:noFill/>
+          </a:ln>
+        </p:spPr>
+        <p:txBody>
+          <a:bodyPr wrap="square" rtlCol="0">
+            <a:spAutoFit/>
+          </a:bodyPr>
+          <a:lstStyle/>
+          <a:p>
+            <a:pPr algn="ctr"/>
+            <a:r>
+              <a:rPr lang="en-CA" sz="1400" dirty="0"/>
+              <a:t>459</a:t>
+            </a:r>
+            <a:endParaRPr lang="en-AU" sz="1400" dirty="0"/>
+          </a:p>
+        </p:txBody>
+      </p:sp>
+      <p:sp>
+        <p:nvSpPr>
+          <p:cNvPr id="13" name="TextBox 12">
+            <a:extLst>
+              <a:ext uri="{FF2B5EF4-FFF2-40B4-BE49-F238E27FC236}">
+                <a16:creationId xmlns:a16="http://schemas.microsoft.com/office/drawing/2014/main" id="{29D1FED8-4E60-71D5-6995-499F364647D3}"/>
+              </a:ext>
+            </a:extLst>
+          </p:cNvPr>
+          <p:cNvSpPr txBox="1"/>
+          <p:nvPr/>
+        </p:nvSpPr>
+        <p:spPr>
+          <a:xfrm>
+            <a:off x="4745809" y="2403134"/>
+            <a:ext cx="785931" cy="369332"/>
+          </a:xfrm>
+          <a:prstGeom prst="rect">
+            <a:avLst/>
+          </a:prstGeom>
+          <a:noFill/>
+          <a:ln>
+            <a:solidFill>
+              <a:srgbClr val="002060"/>
+            </a:solidFill>
+          </a:ln>
+        </p:spPr>
+        <p:txBody>
+          <a:bodyPr wrap="square" rtlCol="0">
+            <a:spAutoFit/>
+          </a:bodyPr>
+          <a:lstStyle/>
+          <a:p>
+            <a:pPr algn="ctr"/>
+            <a:r>
+              <a:rPr lang="en-CA" dirty="0"/>
+              <a:t>'a'</a:t>
+            </a:r>
+            <a:endParaRPr lang="en-AU" dirty="0"/>
+          </a:p>
+        </p:txBody>
+      </p:sp>
+      <p:sp>
+        <p:nvSpPr>
+          <p:cNvPr id="14" name="TextBox 13">
+            <a:extLst>
+              <a:ext uri="{FF2B5EF4-FFF2-40B4-BE49-F238E27FC236}">
+                <a16:creationId xmlns:a16="http://schemas.microsoft.com/office/drawing/2014/main" id="{E8E10DD0-75C8-E596-88D6-E66E4FAA8130}"/>
+              </a:ext>
+            </a:extLst>
+          </p:cNvPr>
+          <p:cNvSpPr txBox="1"/>
+          <p:nvPr/>
+        </p:nvSpPr>
+        <p:spPr>
+          <a:xfrm>
+            <a:off x="4745808" y="2026542"/>
+            <a:ext cx="785931" cy="307777"/>
+          </a:xfrm>
+          <a:prstGeom prst="rect">
+            <a:avLst/>
+          </a:prstGeom>
+          <a:noFill/>
+          <a:ln>
+            <a:noFill/>
+          </a:ln>
+        </p:spPr>
+        <p:txBody>
+          <a:bodyPr wrap="square" rtlCol="0">
+            <a:spAutoFit/>
+          </a:bodyPr>
+          <a:lstStyle/>
+          <a:p>
+            <a:pPr algn="ctr"/>
+            <a:r>
+              <a:rPr lang="en-CA" sz="1400" dirty="0"/>
+              <a:t>460</a:t>
+            </a:r>
+            <a:endParaRPr lang="en-AU" sz="1400" dirty="0"/>
+          </a:p>
+        </p:txBody>
+      </p:sp>
+      <p:sp>
+        <p:nvSpPr>
+          <p:cNvPr id="15" name="TextBox 14">
+            <a:extLst>
+              <a:ext uri="{FF2B5EF4-FFF2-40B4-BE49-F238E27FC236}">
+                <a16:creationId xmlns:a16="http://schemas.microsoft.com/office/drawing/2014/main" id="{0E03BB88-F3D1-EFD7-6CAE-48B5A86628C9}"/>
+              </a:ext>
+            </a:extLst>
+          </p:cNvPr>
+          <p:cNvSpPr txBox="1"/>
+          <p:nvPr/>
+        </p:nvSpPr>
+        <p:spPr>
+          <a:xfrm>
+            <a:off x="6863035" y="2403134"/>
+            <a:ext cx="785931" cy="369332"/>
+          </a:xfrm>
+          <a:prstGeom prst="rect">
+            <a:avLst/>
+          </a:prstGeom>
+          <a:noFill/>
+          <a:ln>
+            <a:solidFill>
+              <a:srgbClr val="002060"/>
+            </a:solidFill>
+          </a:ln>
+        </p:spPr>
+        <p:txBody>
+          <a:bodyPr wrap="square" rtlCol="0">
+            <a:spAutoFit/>
+          </a:bodyPr>
+          <a:lstStyle/>
+          <a:p>
+            <a:pPr algn="ctr"/>
+            <a:endParaRPr lang="en-AU" dirty="0"/>
+          </a:p>
+        </p:txBody>
+      </p:sp>
+      <p:sp>
+        <p:nvSpPr>
+          <p:cNvPr id="16" name="TextBox 15">
+            <a:extLst>
+              <a:ext uri="{FF2B5EF4-FFF2-40B4-BE49-F238E27FC236}">
+                <a16:creationId xmlns:a16="http://schemas.microsoft.com/office/drawing/2014/main" id="{14A991EE-6188-AFFA-5161-1C84AE88791D}"/>
+              </a:ext>
+            </a:extLst>
+          </p:cNvPr>
+          <p:cNvSpPr txBox="1"/>
+          <p:nvPr/>
+        </p:nvSpPr>
+        <p:spPr>
+          <a:xfrm>
+            <a:off x="6863034" y="2026542"/>
+            <a:ext cx="785931" cy="307777"/>
+          </a:xfrm>
+          <a:prstGeom prst="rect">
+            <a:avLst/>
+          </a:prstGeom>
+          <a:noFill/>
+          <a:ln>
+            <a:noFill/>
+          </a:ln>
+        </p:spPr>
+        <p:txBody>
+          <a:bodyPr wrap="square" rtlCol="0">
+            <a:spAutoFit/>
+          </a:bodyPr>
+          <a:lstStyle/>
+          <a:p>
+            <a:pPr algn="ctr"/>
+            <a:r>
+              <a:rPr lang="en-CA" sz="1400" dirty="0"/>
+              <a:t>1291</a:t>
+            </a:r>
+            <a:endParaRPr lang="en-AU" sz="1400" dirty="0"/>
+          </a:p>
+        </p:txBody>
+      </p:sp>
+      <p:sp>
+        <p:nvSpPr>
+          <p:cNvPr id="17" name="TextBox 16">
+            <a:extLst>
+              <a:ext uri="{FF2B5EF4-FFF2-40B4-BE49-F238E27FC236}">
+                <a16:creationId xmlns:a16="http://schemas.microsoft.com/office/drawing/2014/main" id="{EF106CEC-1AF0-3786-6C94-1BC7C3AEE08A}"/>
+              </a:ext>
+            </a:extLst>
+          </p:cNvPr>
+          <p:cNvSpPr txBox="1"/>
+          <p:nvPr/>
+        </p:nvSpPr>
+        <p:spPr>
+          <a:xfrm>
+            <a:off x="7648966" y="2403134"/>
+            <a:ext cx="785931" cy="369332"/>
+          </a:xfrm>
+          <a:prstGeom prst="rect">
+            <a:avLst/>
+          </a:prstGeom>
+          <a:noFill/>
+          <a:ln>
+            <a:solidFill>
+              <a:srgbClr val="002060"/>
+            </a:solidFill>
+          </a:ln>
+        </p:spPr>
+        <p:txBody>
+          <a:bodyPr wrap="square" rtlCol="0">
+            <a:spAutoFit/>
+          </a:bodyPr>
+          <a:lstStyle/>
+          <a:p>
+            <a:pPr algn="ctr"/>
+            <a:endParaRPr lang="en-AU" dirty="0"/>
+          </a:p>
+        </p:txBody>
+      </p:sp>
+      <p:sp>
+        <p:nvSpPr>
+          <p:cNvPr id="18" name="TextBox 17">
+            <a:extLst>
+              <a:ext uri="{FF2B5EF4-FFF2-40B4-BE49-F238E27FC236}">
+                <a16:creationId xmlns:a16="http://schemas.microsoft.com/office/drawing/2014/main" id="{CBF32584-3852-850E-92D8-B95929C6C163}"/>
+              </a:ext>
+            </a:extLst>
+          </p:cNvPr>
+          <p:cNvSpPr txBox="1"/>
+          <p:nvPr/>
+        </p:nvSpPr>
+        <p:spPr>
+          <a:xfrm>
+            <a:off x="7648965" y="2026542"/>
+            <a:ext cx="785931" cy="307777"/>
+          </a:xfrm>
+          <a:prstGeom prst="rect">
+            <a:avLst/>
+          </a:prstGeom>
+          <a:noFill/>
+          <a:ln>
+            <a:noFill/>
+          </a:ln>
+        </p:spPr>
+        <p:txBody>
+          <a:bodyPr wrap="square" rtlCol="0">
+            <a:spAutoFit/>
+          </a:bodyPr>
+          <a:lstStyle/>
+          <a:p>
+            <a:pPr algn="ctr"/>
+            <a:r>
+              <a:rPr lang="en-CA" sz="1400" dirty="0"/>
+              <a:t>1292</a:t>
+            </a:r>
+            <a:endParaRPr lang="en-AU" sz="1400" dirty="0"/>
+          </a:p>
+        </p:txBody>
+      </p:sp>
+      <p:sp>
+        <p:nvSpPr>
+          <p:cNvPr id="19" name="TextBox 18">
+            <a:extLst>
+              <a:ext uri="{FF2B5EF4-FFF2-40B4-BE49-F238E27FC236}">
+                <a16:creationId xmlns:a16="http://schemas.microsoft.com/office/drawing/2014/main" id="{DED1CED1-618C-BE51-BCE5-F8ED5B4D4949}"/>
+              </a:ext>
+            </a:extLst>
+          </p:cNvPr>
+          <p:cNvSpPr txBox="1"/>
+          <p:nvPr/>
+        </p:nvSpPr>
+        <p:spPr>
+          <a:xfrm>
+            <a:off x="8434896" y="2403134"/>
+            <a:ext cx="785931" cy="369332"/>
+          </a:xfrm>
+          <a:prstGeom prst="rect">
+            <a:avLst/>
+          </a:prstGeom>
+          <a:noFill/>
+          <a:ln>
+            <a:solidFill>
+              <a:srgbClr val="002060"/>
+            </a:solidFill>
+          </a:ln>
+        </p:spPr>
+        <p:txBody>
+          <a:bodyPr wrap="square" rtlCol="0">
+            <a:spAutoFit/>
+          </a:bodyPr>
+          <a:lstStyle/>
+          <a:p>
+            <a:pPr algn="ctr"/>
+            <a:r>
+              <a:rPr lang="en-CA" dirty="0"/>
+              <a:t>460</a:t>
+            </a:r>
+            <a:endParaRPr lang="en-AU" dirty="0"/>
+          </a:p>
+        </p:txBody>
+      </p:sp>
+      <p:sp>
+        <p:nvSpPr>
+          <p:cNvPr id="20" name="TextBox 19">
+            <a:extLst>
+              <a:ext uri="{FF2B5EF4-FFF2-40B4-BE49-F238E27FC236}">
+                <a16:creationId xmlns:a16="http://schemas.microsoft.com/office/drawing/2014/main" id="{8EF11E35-DAB6-2B6D-9E5A-AE406256EA55}"/>
+              </a:ext>
+            </a:extLst>
+          </p:cNvPr>
+          <p:cNvSpPr txBox="1"/>
+          <p:nvPr/>
+        </p:nvSpPr>
+        <p:spPr>
+          <a:xfrm>
+            <a:off x="8434895" y="2026542"/>
+            <a:ext cx="785931" cy="307777"/>
+          </a:xfrm>
+          <a:prstGeom prst="rect">
+            <a:avLst/>
+          </a:prstGeom>
+          <a:noFill/>
+          <a:ln>
+            <a:noFill/>
+          </a:ln>
+        </p:spPr>
+        <p:txBody>
+          <a:bodyPr wrap="square" rtlCol="0">
+            <a:spAutoFit/>
+          </a:bodyPr>
+          <a:lstStyle/>
+          <a:p>
+            <a:pPr algn="ctr"/>
+            <a:r>
+              <a:rPr lang="en-CA" sz="1400" dirty="0"/>
+              <a:t>1293</a:t>
+            </a:r>
+            <a:endParaRPr lang="en-AU" sz="1400" dirty="0"/>
+          </a:p>
+        </p:txBody>
+      </p:sp>
+      <p:sp>
+        <p:nvSpPr>
+          <p:cNvPr id="21" name="TextBox 20">
+            <a:extLst>
+              <a:ext uri="{FF2B5EF4-FFF2-40B4-BE49-F238E27FC236}">
+                <a16:creationId xmlns:a16="http://schemas.microsoft.com/office/drawing/2014/main" id="{E0D47DAA-DC5F-2375-F8B4-6DCF1E19C6CE}"/>
+              </a:ext>
+            </a:extLst>
+          </p:cNvPr>
+          <p:cNvSpPr txBox="1"/>
+          <p:nvPr/>
+        </p:nvSpPr>
+        <p:spPr>
+          <a:xfrm>
+            <a:off x="9220827" y="2403134"/>
+            <a:ext cx="785931" cy="369332"/>
+          </a:xfrm>
+          <a:prstGeom prst="rect">
+            <a:avLst/>
+          </a:prstGeom>
+          <a:noFill/>
+          <a:ln>
+            <a:solidFill>
+              <a:srgbClr val="002060"/>
+            </a:solidFill>
+          </a:ln>
+        </p:spPr>
+        <p:txBody>
+          <a:bodyPr wrap="square" rtlCol="0">
+            <a:spAutoFit/>
+          </a:bodyPr>
+          <a:lstStyle/>
+          <a:p>
+            <a:pPr algn="ctr"/>
+            <a:endParaRPr lang="en-AU" dirty="0"/>
+          </a:p>
+        </p:txBody>
+      </p:sp>
+      <p:sp>
+        <p:nvSpPr>
+          <p:cNvPr id="22" name="TextBox 21">
+            <a:extLst>
+              <a:ext uri="{FF2B5EF4-FFF2-40B4-BE49-F238E27FC236}">
+                <a16:creationId xmlns:a16="http://schemas.microsoft.com/office/drawing/2014/main" id="{94A3146E-F542-2FFD-8A5A-641F3D6606C2}"/>
+              </a:ext>
+            </a:extLst>
+          </p:cNvPr>
+          <p:cNvSpPr txBox="1"/>
+          <p:nvPr/>
+        </p:nvSpPr>
+        <p:spPr>
+          <a:xfrm>
+            <a:off x="9220826" y="2026542"/>
+            <a:ext cx="785931" cy="307777"/>
+          </a:xfrm>
+          <a:prstGeom prst="rect">
+            <a:avLst/>
+          </a:prstGeom>
+          <a:noFill/>
+          <a:ln>
+            <a:noFill/>
+          </a:ln>
+        </p:spPr>
+        <p:txBody>
+          <a:bodyPr wrap="square" rtlCol="0">
+            <a:spAutoFit/>
+          </a:bodyPr>
+          <a:lstStyle/>
+          <a:p>
+            <a:pPr algn="ctr"/>
+            <a:r>
+              <a:rPr lang="en-CA" sz="1400" dirty="0"/>
+              <a:t>1294</a:t>
+            </a:r>
+            <a:endParaRPr lang="en-AU" sz="1400" dirty="0"/>
+          </a:p>
+        </p:txBody>
+      </p:sp>
+      <p:sp>
+        <p:nvSpPr>
+          <p:cNvPr id="23" name="TextBox 22">
+            <a:extLst>
+              <a:ext uri="{FF2B5EF4-FFF2-40B4-BE49-F238E27FC236}">
+                <a16:creationId xmlns:a16="http://schemas.microsoft.com/office/drawing/2014/main" id="{E1A554AA-AF9B-8DC7-F685-8EE6D3BFA830}"/>
+              </a:ext>
+            </a:extLst>
+          </p:cNvPr>
+          <p:cNvSpPr txBox="1"/>
+          <p:nvPr/>
+        </p:nvSpPr>
+        <p:spPr>
+          <a:xfrm>
+            <a:off x="5974305" y="2352971"/>
+            <a:ext cx="463588" cy="369332"/>
+          </a:xfrm>
+          <a:prstGeom prst="rect">
+            <a:avLst/>
+          </a:prstGeom>
+          <a:noFill/>
+        </p:spPr>
+        <p:txBody>
+          <a:bodyPr wrap="none" rtlCol="0">
+            <a:spAutoFit/>
+          </a:bodyPr>
+          <a:lstStyle/>
+          <a:p>
+            <a:r>
+              <a:rPr lang="en-CA" dirty="0"/>
+              <a:t>. . .</a:t>
+            </a:r>
+            <a:endParaRPr lang="en-AU" dirty="0"/>
+          </a:p>
+        </p:txBody>
+      </p:sp>
+      <p:sp>
+        <p:nvSpPr>
+          <p:cNvPr id="24" name="TextBox 23">
+            <a:extLst>
+              <a:ext uri="{FF2B5EF4-FFF2-40B4-BE49-F238E27FC236}">
+                <a16:creationId xmlns:a16="http://schemas.microsoft.com/office/drawing/2014/main" id="{EB5EF798-761F-9B8A-C51A-4042C999F771}"/>
+              </a:ext>
+            </a:extLst>
+          </p:cNvPr>
+          <p:cNvSpPr txBox="1"/>
+          <p:nvPr/>
+        </p:nvSpPr>
+        <p:spPr>
+          <a:xfrm>
+            <a:off x="10230169" y="2352971"/>
+            <a:ext cx="463588" cy="369332"/>
+          </a:xfrm>
+          <a:prstGeom prst="rect">
+            <a:avLst/>
+          </a:prstGeom>
+          <a:noFill/>
+        </p:spPr>
+        <p:txBody>
+          <a:bodyPr wrap="none" rtlCol="0">
+            <a:spAutoFit/>
+          </a:bodyPr>
+          <a:lstStyle/>
+          <a:p>
+            <a:r>
+              <a:rPr lang="en-CA" dirty="0"/>
+              <a:t>. . .</a:t>
+            </a:r>
+            <a:endParaRPr lang="en-AU" dirty="0"/>
+          </a:p>
+        </p:txBody>
+      </p:sp>
+      <p:sp>
+        <p:nvSpPr>
+          <p:cNvPr id="25" name="TextBox 24">
+            <a:extLst>
+              <a:ext uri="{FF2B5EF4-FFF2-40B4-BE49-F238E27FC236}">
+                <a16:creationId xmlns:a16="http://schemas.microsoft.com/office/drawing/2014/main" id="{9BC64F22-4742-F4B0-9F2F-DE1B0620ED57}"/>
+              </a:ext>
+            </a:extLst>
+          </p:cNvPr>
+          <p:cNvSpPr txBox="1"/>
+          <p:nvPr/>
+        </p:nvSpPr>
+        <p:spPr>
+          <a:xfrm>
+            <a:off x="953878" y="2352971"/>
+            <a:ext cx="463588" cy="369332"/>
+          </a:xfrm>
+          <a:prstGeom prst="rect">
+            <a:avLst/>
+          </a:prstGeom>
+          <a:noFill/>
+        </p:spPr>
+        <p:txBody>
+          <a:bodyPr wrap="none" rtlCol="0">
+            <a:spAutoFit/>
+          </a:bodyPr>
+          <a:lstStyle/>
+          <a:p>
+            <a:r>
+              <a:rPr lang="en-CA" dirty="0"/>
+              <a:t>. . .</a:t>
+            </a:r>
+            <a:endParaRPr lang="en-AU" dirty="0"/>
+          </a:p>
+        </p:txBody>
+      </p:sp>
+      <p:sp>
+        <p:nvSpPr>
+          <p:cNvPr id="26" name="TextBox 25">
+            <a:extLst>
+              <a:ext uri="{FF2B5EF4-FFF2-40B4-BE49-F238E27FC236}">
+                <a16:creationId xmlns:a16="http://schemas.microsoft.com/office/drawing/2014/main" id="{C3165043-9098-9CC0-5659-4015745C629B}"/>
+              </a:ext>
+            </a:extLst>
+          </p:cNvPr>
+          <p:cNvSpPr txBox="1"/>
+          <p:nvPr/>
+        </p:nvSpPr>
+        <p:spPr>
+          <a:xfrm>
+            <a:off x="790022" y="3418244"/>
+            <a:ext cx="5761918" cy="2585323"/>
+          </a:xfrm>
+          <a:prstGeom prst="rect">
+            <a:avLst/>
+          </a:prstGeom>
+          <a:noFill/>
+          <a:ln>
+            <a:noFill/>
+          </a:ln>
+        </p:spPr>
+        <p:txBody>
+          <a:bodyPr wrap="square" rtlCol="0">
+            <a:spAutoFit/>
+          </a:bodyPr>
+          <a:lstStyle/>
+          <a:p>
+            <a:r>
+              <a:rPr lang="en-US" dirty="0">
+                <a:latin typeface="Consolas" panose="020B0609020204030204" pitchFamily="49" charset="0"/>
+              </a:rPr>
+              <a:t>char c = 'a';</a:t>
+            </a:r>
+            <a:br>
+              <a:rPr lang="en-US" dirty="0">
+                <a:latin typeface="Consolas" panose="020B0609020204030204" pitchFamily="49" charset="0"/>
+              </a:rPr>
+            </a:br>
+            <a:br>
+              <a:rPr lang="en-US" dirty="0">
+                <a:latin typeface="Consolas" panose="020B0609020204030204" pitchFamily="49" charset="0"/>
+              </a:rPr>
+            </a:br>
+            <a:r>
+              <a:rPr lang="en-US" dirty="0">
+                <a:latin typeface="Consolas" panose="020B0609020204030204" pitchFamily="49" charset="0"/>
+              </a:rPr>
+              <a:t>cout &lt;&lt; c; // prints value of c: 'a'</a:t>
+            </a:r>
+            <a:br>
+              <a:rPr lang="en-US" dirty="0">
+                <a:latin typeface="Consolas" panose="020B0609020204030204" pitchFamily="49" charset="0"/>
+              </a:rPr>
+            </a:br>
+            <a:br>
+              <a:rPr lang="en-US" dirty="0">
+                <a:latin typeface="Consolas" panose="020B0609020204030204" pitchFamily="49" charset="0"/>
+              </a:rPr>
+            </a:br>
+            <a:r>
+              <a:rPr lang="en-US" dirty="0">
+                <a:latin typeface="Consolas" panose="020B0609020204030204" pitchFamily="49" charset="0"/>
+              </a:rPr>
+              <a:t>cout &lt;&lt; &amp;c; // prints address of c: 457</a:t>
+            </a:r>
+          </a:p>
+          <a:p>
+            <a:endParaRPr lang="en-US" dirty="0">
+              <a:latin typeface="Consolas" panose="020B0609020204030204" pitchFamily="49" charset="0"/>
+            </a:endParaRPr>
+          </a:p>
+          <a:p>
+            <a:r>
+              <a:rPr lang="en-US" dirty="0">
+                <a:latin typeface="Consolas" panose="020B0609020204030204" pitchFamily="49" charset="0"/>
+              </a:rPr>
+              <a:t>char x = c;  // put a copy of c’s value in x</a:t>
+            </a:r>
+          </a:p>
+          <a:p>
+            <a:endParaRPr lang="en-US" dirty="0">
+              <a:latin typeface="Consolas" panose="020B0609020204030204" pitchFamily="49" charset="0"/>
+            </a:endParaRPr>
+          </a:p>
+          <a:p>
+            <a:r>
+              <a:rPr lang="en-US" b="1" dirty="0">
+                <a:solidFill>
+                  <a:srgbClr val="FF0000"/>
+                </a:solidFill>
+                <a:latin typeface="Consolas" panose="020B0609020204030204" pitchFamily="49" charset="0"/>
+              </a:rPr>
+              <a:t>???</a:t>
+            </a:r>
+            <a:r>
+              <a:rPr lang="en-US" dirty="0">
+                <a:latin typeface="Consolas" panose="020B0609020204030204" pitchFamily="49" charset="0"/>
+              </a:rPr>
+              <a:t> </a:t>
+            </a:r>
+            <a:r>
+              <a:rPr lang="en-US" dirty="0" err="1">
+                <a:latin typeface="Consolas" panose="020B0609020204030204" pitchFamily="49" charset="0"/>
+              </a:rPr>
+              <a:t>px</a:t>
+            </a:r>
+            <a:r>
+              <a:rPr lang="en-US" dirty="0">
+                <a:latin typeface="Consolas" panose="020B0609020204030204" pitchFamily="49" charset="0"/>
+              </a:rPr>
+              <a:t> = &amp;x; // store the address of x in </a:t>
+            </a:r>
+            <a:r>
+              <a:rPr lang="en-US" dirty="0" err="1">
+                <a:latin typeface="Consolas" panose="020B0609020204030204" pitchFamily="49" charset="0"/>
+              </a:rPr>
+              <a:t>px</a:t>
+            </a:r>
+            <a:endParaRPr lang="en-AU" dirty="0">
+              <a:latin typeface="Consolas" panose="020B0609020204030204" pitchFamily="49" charset="0"/>
+            </a:endParaRPr>
+          </a:p>
+        </p:txBody>
+      </p:sp>
+      <p:sp>
+        <p:nvSpPr>
+          <p:cNvPr id="27" name="TextBox 26">
+            <a:extLst>
+              <a:ext uri="{FF2B5EF4-FFF2-40B4-BE49-F238E27FC236}">
+                <a16:creationId xmlns:a16="http://schemas.microsoft.com/office/drawing/2014/main" id="{E39F9407-4EA8-9CD1-336F-08D889C0518A}"/>
+              </a:ext>
+            </a:extLst>
+          </p:cNvPr>
+          <p:cNvSpPr txBox="1"/>
+          <p:nvPr/>
+        </p:nvSpPr>
+        <p:spPr>
+          <a:xfrm>
+            <a:off x="2497281" y="2757614"/>
+            <a:ext cx="506952" cy="369332"/>
+          </a:xfrm>
+          <a:prstGeom prst="rect">
+            <a:avLst/>
+          </a:prstGeom>
+          <a:noFill/>
+          <a:ln>
+            <a:noFill/>
+          </a:ln>
+        </p:spPr>
+        <p:txBody>
+          <a:bodyPr wrap="square" rtlCol="0">
+            <a:spAutoFit/>
+          </a:bodyPr>
+          <a:lstStyle/>
+          <a:p>
+            <a:pPr algn="ctr"/>
+            <a:r>
+              <a:rPr lang="en-US" dirty="0">
+                <a:latin typeface="Consolas" panose="020B0609020204030204" pitchFamily="49" charset="0"/>
+              </a:rPr>
+              <a:t>c</a:t>
+            </a:r>
+            <a:endParaRPr lang="en-AU" dirty="0">
+              <a:latin typeface="Consolas" panose="020B0609020204030204" pitchFamily="49" charset="0"/>
+            </a:endParaRPr>
+          </a:p>
+        </p:txBody>
+      </p:sp>
+      <p:sp>
+        <p:nvSpPr>
+          <p:cNvPr id="28" name="TextBox 27">
+            <a:extLst>
+              <a:ext uri="{FF2B5EF4-FFF2-40B4-BE49-F238E27FC236}">
+                <a16:creationId xmlns:a16="http://schemas.microsoft.com/office/drawing/2014/main" id="{D59C76F1-6F1B-B12E-49A6-325207807D05}"/>
+              </a:ext>
+            </a:extLst>
+          </p:cNvPr>
+          <p:cNvSpPr txBox="1"/>
+          <p:nvPr/>
+        </p:nvSpPr>
+        <p:spPr>
+          <a:xfrm>
+            <a:off x="468219" y="6033184"/>
+            <a:ext cx="2536014" cy="646331"/>
           </a:xfrm>
           <a:prstGeom prst="rect">
             <a:avLst/>
@@ -28906,25 +33623,108 @@
           <a:p>
             <a:pPr algn="ctr"/>
             <a:r>
-              <a:rPr lang="en-CA" sz="1400" dirty="0"/>
-              <a:t>Occasionally, it may be possible to mathematically </a:t>
-            </a:r>
-            <a:r>
-              <a:rPr lang="en-CA" sz="1400" b="1" dirty="0"/>
-              <a:t>prove</a:t>
-            </a:r>
-            <a:r>
-              <a:rPr lang="en-CA" sz="1400" dirty="0"/>
-              <a:t> a program is correct. A mathematical proof can be thought of as a detailed and systematic inspection. In practice, it is rarely used since the proofs are usually more complex than the code.</a:t>
-            </a:r>
-            <a:endParaRPr lang="en-AU" sz="1400" dirty="0"/>
+              <a:rPr lang="en-CA" b="1" dirty="0"/>
+              <a:t>Question</a:t>
+            </a:r>
+            <a:r>
+              <a:rPr lang="en-CA" dirty="0"/>
+              <a:t>: what is the type of an address?</a:t>
+            </a:r>
+          </a:p>
+        </p:txBody>
+      </p:sp>
+      <p:sp>
+        <p:nvSpPr>
+          <p:cNvPr id="3" name="TextBox 2">
+            <a:extLst>
+              <a:ext uri="{FF2B5EF4-FFF2-40B4-BE49-F238E27FC236}">
+                <a16:creationId xmlns:a16="http://schemas.microsoft.com/office/drawing/2014/main" id="{73999486-2BBD-5DA3-168D-9C2B0A724DF7}"/>
+              </a:ext>
+            </a:extLst>
+          </p:cNvPr>
+          <p:cNvSpPr txBox="1"/>
+          <p:nvPr/>
+        </p:nvSpPr>
+        <p:spPr>
+          <a:xfrm>
+            <a:off x="4885297" y="2757614"/>
+            <a:ext cx="506952" cy="369332"/>
+          </a:xfrm>
+          <a:prstGeom prst="rect">
+            <a:avLst/>
+          </a:prstGeom>
+          <a:noFill/>
+          <a:ln>
+            <a:noFill/>
+          </a:ln>
+        </p:spPr>
+        <p:txBody>
+          <a:bodyPr wrap="square" rtlCol="0">
+            <a:spAutoFit/>
+          </a:bodyPr>
+          <a:lstStyle/>
+          <a:p>
+            <a:pPr algn="ctr"/>
+            <a:r>
+              <a:rPr lang="en-US" dirty="0">
+                <a:latin typeface="Consolas" panose="020B0609020204030204" pitchFamily="49" charset="0"/>
+              </a:rPr>
+              <a:t>x</a:t>
+            </a:r>
+            <a:endParaRPr lang="en-AU" dirty="0">
+              <a:latin typeface="Consolas" panose="020B0609020204030204" pitchFamily="49" charset="0"/>
+            </a:endParaRPr>
+          </a:p>
+        </p:txBody>
+      </p:sp>
+      <p:sp>
+        <p:nvSpPr>
+          <p:cNvPr id="29" name="TextBox 28">
+            <a:extLst>
+              <a:ext uri="{FF2B5EF4-FFF2-40B4-BE49-F238E27FC236}">
+                <a16:creationId xmlns:a16="http://schemas.microsoft.com/office/drawing/2014/main" id="{2BA208A7-34E9-EE4A-D424-A25341D84E88}"/>
+              </a:ext>
+            </a:extLst>
+          </p:cNvPr>
+          <p:cNvSpPr txBox="1"/>
+          <p:nvPr/>
+        </p:nvSpPr>
+        <p:spPr>
+          <a:xfrm>
+            <a:off x="8574384" y="2757614"/>
+            <a:ext cx="506952" cy="369332"/>
+          </a:xfrm>
+          <a:prstGeom prst="rect">
+            <a:avLst/>
+          </a:prstGeom>
+          <a:noFill/>
+          <a:ln>
+            <a:noFill/>
+          </a:ln>
+        </p:spPr>
+        <p:txBody>
+          <a:bodyPr wrap="square" rtlCol="0">
+            <a:spAutoFit/>
+          </a:bodyPr>
+          <a:lstStyle/>
+          <a:p>
+            <a:pPr algn="ctr"/>
+            <a:r>
+              <a:rPr lang="en-US" dirty="0" err="1">
+                <a:latin typeface="Consolas" panose="020B0609020204030204" pitchFamily="49" charset="0"/>
+              </a:rPr>
+              <a:t>px</a:t>
+            </a:r>
+            <a:endParaRPr lang="en-AU" dirty="0">
+              <a:latin typeface="Consolas" panose="020B0609020204030204" pitchFamily="49" charset="0"/>
+            </a:endParaRPr>
           </a:p>
         </p:txBody>
       </p:sp>
     </p:spTree>
     <p:extLst>
       <p:ext uri="{BB962C8B-B14F-4D97-AF65-F5344CB8AC3E}">
-        <p14:creationId xmlns:p14="http://schemas.microsoft.com/office/powerpoint/2010/main" val="926493247"/>
+        <p14:creationId xmlns:p14="http://schemas.microsoft.com/office/powerpoint/2010/main" val="1405615600"/>
       </p:ext>
     </p:extLst>
   </p:cSld>
@@ -28934,7 +33734,7 @@
 </p:sld>
 </file>
 
-<file path=ppt/slides/slide40.xml><?xml version="1.0" encoding="utf-8"?>
+<file path=ppt/slides/slide46.xml><?xml version="1.0" encoding="utf-8"?>
 <p:sld xmlns:a="http://schemas.openxmlformats.org/drawingml/2006/main" xmlns:r="http://schemas.openxmlformats.org/officeDocument/2006/relationships" xmlns:p="http://schemas.openxmlformats.org/presentationml/2006/main">
   <p:cSld>
     <p:spTree>
@@ -29004,1223 +33804,7 @@
             <a:fld id="{E5BA05A5-0517-4A37-865C-5DD63AFCA22E}" type="slidenum">
               <a:rPr lang="en-AU" smtClean="0"/>
               <a:pPr/>
-              <a:t>40</a:t>
-            </a:fld>
-            <a:endParaRPr lang="en-AU" dirty="0"/>
-          </a:p>
-        </p:txBody>
-      </p:sp>
-      <p:sp>
-        <p:nvSpPr>
-          <p:cNvPr id="5" name="TextBox 4">
-            <a:extLst>
-              <a:ext uri="{FF2B5EF4-FFF2-40B4-BE49-F238E27FC236}">
-                <a16:creationId xmlns:a16="http://schemas.microsoft.com/office/drawing/2014/main" id="{63620396-E9C4-3F62-E3A6-982B88D20ED3}"/>
-              </a:ext>
-            </a:extLst>
-          </p:cNvPr>
-          <p:cNvSpPr txBox="1"/>
-          <p:nvPr/>
-        </p:nvSpPr>
-        <p:spPr>
-          <a:xfrm>
-            <a:off x="1571861" y="2403134"/>
-            <a:ext cx="785931" cy="369332"/>
-          </a:xfrm>
-          <a:prstGeom prst="rect">
-            <a:avLst/>
-          </a:prstGeom>
-          <a:noFill/>
-          <a:ln>
-            <a:solidFill>
-              <a:srgbClr val="002060"/>
-            </a:solidFill>
-          </a:ln>
-        </p:spPr>
-        <p:txBody>
-          <a:bodyPr wrap="square" rtlCol="0">
-            <a:spAutoFit/>
-          </a:bodyPr>
-          <a:lstStyle/>
-          <a:p>
-            <a:pPr algn="ctr"/>
-            <a:endParaRPr lang="en-AU" dirty="0"/>
-          </a:p>
-        </p:txBody>
-      </p:sp>
-      <p:sp>
-        <p:nvSpPr>
-          <p:cNvPr id="6" name="TextBox 5">
-            <a:extLst>
-              <a:ext uri="{FF2B5EF4-FFF2-40B4-BE49-F238E27FC236}">
-                <a16:creationId xmlns:a16="http://schemas.microsoft.com/office/drawing/2014/main" id="{62CACBED-B31B-20E9-2047-0713E1B895E4}"/>
-              </a:ext>
-            </a:extLst>
-          </p:cNvPr>
-          <p:cNvSpPr txBox="1"/>
-          <p:nvPr/>
-        </p:nvSpPr>
-        <p:spPr>
-          <a:xfrm>
-            <a:off x="1571860" y="2026542"/>
-            <a:ext cx="785931" cy="307777"/>
-          </a:xfrm>
-          <a:prstGeom prst="rect">
-            <a:avLst/>
-          </a:prstGeom>
-          <a:noFill/>
-          <a:ln>
-            <a:noFill/>
-          </a:ln>
-        </p:spPr>
-        <p:txBody>
-          <a:bodyPr wrap="square" rtlCol="0">
-            <a:spAutoFit/>
-          </a:bodyPr>
-          <a:lstStyle/>
-          <a:p>
-            <a:pPr algn="ctr"/>
-            <a:r>
-              <a:rPr lang="en-CA" sz="1400" dirty="0"/>
-              <a:t>456</a:t>
-            </a:r>
-            <a:endParaRPr lang="en-AU" sz="1400" dirty="0"/>
-          </a:p>
-        </p:txBody>
-      </p:sp>
-      <p:sp>
-        <p:nvSpPr>
-          <p:cNvPr id="7" name="TextBox 6">
-            <a:extLst>
-              <a:ext uri="{FF2B5EF4-FFF2-40B4-BE49-F238E27FC236}">
-                <a16:creationId xmlns:a16="http://schemas.microsoft.com/office/drawing/2014/main" id="{204F554E-E05B-3CCE-6566-62D27C643B58}"/>
-              </a:ext>
-            </a:extLst>
-          </p:cNvPr>
-          <p:cNvSpPr txBox="1"/>
-          <p:nvPr/>
-        </p:nvSpPr>
-        <p:spPr>
-          <a:xfrm>
-            <a:off x="2365348" y="2403134"/>
-            <a:ext cx="785931" cy="369332"/>
-          </a:xfrm>
-          <a:prstGeom prst="rect">
-            <a:avLst/>
-          </a:prstGeom>
-          <a:noFill/>
-          <a:ln>
-            <a:solidFill>
-              <a:srgbClr val="002060"/>
-            </a:solidFill>
-          </a:ln>
-        </p:spPr>
-        <p:txBody>
-          <a:bodyPr wrap="square" rtlCol="0">
-            <a:spAutoFit/>
-          </a:bodyPr>
-          <a:lstStyle/>
-          <a:p>
-            <a:pPr algn="ctr"/>
-            <a:r>
-              <a:rPr lang="en-CA" dirty="0"/>
-              <a:t>'a'</a:t>
-            </a:r>
-            <a:endParaRPr lang="en-AU" dirty="0"/>
-          </a:p>
-        </p:txBody>
-      </p:sp>
-      <p:sp>
-        <p:nvSpPr>
-          <p:cNvPr id="8" name="TextBox 7">
-            <a:extLst>
-              <a:ext uri="{FF2B5EF4-FFF2-40B4-BE49-F238E27FC236}">
-                <a16:creationId xmlns:a16="http://schemas.microsoft.com/office/drawing/2014/main" id="{2F62D660-1846-2F07-5F56-0D2680D71CB4}"/>
-              </a:ext>
-            </a:extLst>
-          </p:cNvPr>
-          <p:cNvSpPr txBox="1"/>
-          <p:nvPr/>
-        </p:nvSpPr>
-        <p:spPr>
-          <a:xfrm>
-            <a:off x="2365347" y="2026542"/>
-            <a:ext cx="785931" cy="307777"/>
-          </a:xfrm>
-          <a:prstGeom prst="rect">
-            <a:avLst/>
-          </a:prstGeom>
-          <a:noFill/>
-          <a:ln>
-            <a:noFill/>
-          </a:ln>
-        </p:spPr>
-        <p:txBody>
-          <a:bodyPr wrap="square" rtlCol="0">
-            <a:spAutoFit/>
-          </a:bodyPr>
-          <a:lstStyle/>
-          <a:p>
-            <a:pPr algn="ctr"/>
-            <a:r>
-              <a:rPr lang="en-CA" sz="1400" dirty="0"/>
-              <a:t>457</a:t>
-            </a:r>
-            <a:endParaRPr lang="en-AU" sz="1400" dirty="0"/>
-          </a:p>
-        </p:txBody>
-      </p:sp>
-      <p:sp>
-        <p:nvSpPr>
-          <p:cNvPr id="9" name="TextBox 8">
-            <a:extLst>
-              <a:ext uri="{FF2B5EF4-FFF2-40B4-BE49-F238E27FC236}">
-                <a16:creationId xmlns:a16="http://schemas.microsoft.com/office/drawing/2014/main" id="{2089ED6A-5722-F5A6-588B-E11EF2D9FBCD}"/>
-              </a:ext>
-            </a:extLst>
-          </p:cNvPr>
-          <p:cNvSpPr txBox="1"/>
-          <p:nvPr/>
-        </p:nvSpPr>
-        <p:spPr>
-          <a:xfrm>
-            <a:off x="3158835" y="2403134"/>
-            <a:ext cx="785931" cy="369332"/>
-          </a:xfrm>
-          <a:prstGeom prst="rect">
-            <a:avLst/>
-          </a:prstGeom>
-          <a:noFill/>
-          <a:ln>
-            <a:solidFill>
-              <a:srgbClr val="002060"/>
-            </a:solidFill>
-          </a:ln>
-        </p:spPr>
-        <p:txBody>
-          <a:bodyPr wrap="square" rtlCol="0">
-            <a:spAutoFit/>
-          </a:bodyPr>
-          <a:lstStyle/>
-          <a:p>
-            <a:pPr algn="ctr"/>
-            <a:endParaRPr lang="en-AU" dirty="0"/>
-          </a:p>
-        </p:txBody>
-      </p:sp>
-      <p:sp>
-        <p:nvSpPr>
-          <p:cNvPr id="10" name="TextBox 9">
-            <a:extLst>
-              <a:ext uri="{FF2B5EF4-FFF2-40B4-BE49-F238E27FC236}">
-                <a16:creationId xmlns:a16="http://schemas.microsoft.com/office/drawing/2014/main" id="{189568D6-EFE1-80E7-C225-26D4D906ED1D}"/>
-              </a:ext>
-            </a:extLst>
-          </p:cNvPr>
-          <p:cNvSpPr txBox="1"/>
-          <p:nvPr/>
-        </p:nvSpPr>
-        <p:spPr>
-          <a:xfrm>
-            <a:off x="3158834" y="2026542"/>
-            <a:ext cx="785931" cy="307777"/>
-          </a:xfrm>
-          <a:prstGeom prst="rect">
-            <a:avLst/>
-          </a:prstGeom>
-          <a:noFill/>
-          <a:ln>
-            <a:noFill/>
-          </a:ln>
-        </p:spPr>
-        <p:txBody>
-          <a:bodyPr wrap="square" rtlCol="0">
-            <a:spAutoFit/>
-          </a:bodyPr>
-          <a:lstStyle/>
-          <a:p>
-            <a:pPr algn="ctr"/>
-            <a:r>
-              <a:rPr lang="en-CA" sz="1400" dirty="0"/>
-              <a:t>458</a:t>
-            </a:r>
-            <a:endParaRPr lang="en-AU" sz="1400" dirty="0"/>
-          </a:p>
-        </p:txBody>
-      </p:sp>
-      <p:sp>
-        <p:nvSpPr>
-          <p:cNvPr id="11" name="TextBox 10">
-            <a:extLst>
-              <a:ext uri="{FF2B5EF4-FFF2-40B4-BE49-F238E27FC236}">
-                <a16:creationId xmlns:a16="http://schemas.microsoft.com/office/drawing/2014/main" id="{FC3588D3-B396-C710-B469-CE020BE40935}"/>
-              </a:ext>
-            </a:extLst>
-          </p:cNvPr>
-          <p:cNvSpPr txBox="1"/>
-          <p:nvPr/>
-        </p:nvSpPr>
-        <p:spPr>
-          <a:xfrm>
-            <a:off x="3952322" y="2403134"/>
-            <a:ext cx="785931" cy="369332"/>
-          </a:xfrm>
-          <a:prstGeom prst="rect">
-            <a:avLst/>
-          </a:prstGeom>
-          <a:noFill/>
-          <a:ln>
-            <a:solidFill>
-              <a:srgbClr val="002060"/>
-            </a:solidFill>
-          </a:ln>
-        </p:spPr>
-        <p:txBody>
-          <a:bodyPr wrap="square" rtlCol="0">
-            <a:spAutoFit/>
-          </a:bodyPr>
-          <a:lstStyle/>
-          <a:p>
-            <a:pPr algn="ctr"/>
-            <a:endParaRPr lang="en-AU" dirty="0"/>
-          </a:p>
-        </p:txBody>
-      </p:sp>
-      <p:sp>
-        <p:nvSpPr>
-          <p:cNvPr id="12" name="TextBox 11">
-            <a:extLst>
-              <a:ext uri="{FF2B5EF4-FFF2-40B4-BE49-F238E27FC236}">
-                <a16:creationId xmlns:a16="http://schemas.microsoft.com/office/drawing/2014/main" id="{F06BC40E-1F5B-9172-AF88-409A0F64E4D5}"/>
-              </a:ext>
-            </a:extLst>
-          </p:cNvPr>
-          <p:cNvSpPr txBox="1"/>
-          <p:nvPr/>
-        </p:nvSpPr>
-        <p:spPr>
-          <a:xfrm>
-            <a:off x="3952321" y="2026542"/>
-            <a:ext cx="785931" cy="307777"/>
-          </a:xfrm>
-          <a:prstGeom prst="rect">
-            <a:avLst/>
-          </a:prstGeom>
-          <a:noFill/>
-          <a:ln>
-            <a:noFill/>
-          </a:ln>
-        </p:spPr>
-        <p:txBody>
-          <a:bodyPr wrap="square" rtlCol="0">
-            <a:spAutoFit/>
-          </a:bodyPr>
-          <a:lstStyle/>
-          <a:p>
-            <a:pPr algn="ctr"/>
-            <a:r>
-              <a:rPr lang="en-CA" sz="1400" dirty="0"/>
-              <a:t>459</a:t>
-            </a:r>
-            <a:endParaRPr lang="en-AU" sz="1400" dirty="0"/>
-          </a:p>
-        </p:txBody>
-      </p:sp>
-      <p:sp>
-        <p:nvSpPr>
-          <p:cNvPr id="13" name="TextBox 12">
-            <a:extLst>
-              <a:ext uri="{FF2B5EF4-FFF2-40B4-BE49-F238E27FC236}">
-                <a16:creationId xmlns:a16="http://schemas.microsoft.com/office/drawing/2014/main" id="{29D1FED8-4E60-71D5-6995-499F364647D3}"/>
-              </a:ext>
-            </a:extLst>
-          </p:cNvPr>
-          <p:cNvSpPr txBox="1"/>
-          <p:nvPr/>
-        </p:nvSpPr>
-        <p:spPr>
-          <a:xfrm>
-            <a:off x="4745809" y="2403134"/>
-            <a:ext cx="785931" cy="369332"/>
-          </a:xfrm>
-          <a:prstGeom prst="rect">
-            <a:avLst/>
-          </a:prstGeom>
-          <a:noFill/>
-          <a:ln>
-            <a:solidFill>
-              <a:srgbClr val="002060"/>
-            </a:solidFill>
-          </a:ln>
-        </p:spPr>
-        <p:txBody>
-          <a:bodyPr wrap="square" rtlCol="0">
-            <a:spAutoFit/>
-          </a:bodyPr>
-          <a:lstStyle/>
-          <a:p>
-            <a:pPr algn="ctr"/>
-            <a:r>
-              <a:rPr lang="en-CA" dirty="0"/>
-              <a:t>'a'</a:t>
-            </a:r>
-            <a:endParaRPr lang="en-AU" dirty="0"/>
-          </a:p>
-        </p:txBody>
-      </p:sp>
-      <p:sp>
-        <p:nvSpPr>
-          <p:cNvPr id="14" name="TextBox 13">
-            <a:extLst>
-              <a:ext uri="{FF2B5EF4-FFF2-40B4-BE49-F238E27FC236}">
-                <a16:creationId xmlns:a16="http://schemas.microsoft.com/office/drawing/2014/main" id="{E8E10DD0-75C8-E596-88D6-E66E4FAA8130}"/>
-              </a:ext>
-            </a:extLst>
-          </p:cNvPr>
-          <p:cNvSpPr txBox="1"/>
-          <p:nvPr/>
-        </p:nvSpPr>
-        <p:spPr>
-          <a:xfrm>
-            <a:off x="4745808" y="2026542"/>
-            <a:ext cx="785931" cy="307777"/>
-          </a:xfrm>
-          <a:prstGeom prst="rect">
-            <a:avLst/>
-          </a:prstGeom>
-          <a:noFill/>
-          <a:ln>
-            <a:noFill/>
-          </a:ln>
-        </p:spPr>
-        <p:txBody>
-          <a:bodyPr wrap="square" rtlCol="0">
-            <a:spAutoFit/>
-          </a:bodyPr>
-          <a:lstStyle/>
-          <a:p>
-            <a:pPr algn="ctr"/>
-            <a:r>
-              <a:rPr lang="en-CA" sz="1400" dirty="0"/>
-              <a:t>460</a:t>
-            </a:r>
-            <a:endParaRPr lang="en-AU" sz="1400" dirty="0"/>
-          </a:p>
-        </p:txBody>
-      </p:sp>
-      <p:sp>
-        <p:nvSpPr>
-          <p:cNvPr id="15" name="TextBox 14">
-            <a:extLst>
-              <a:ext uri="{FF2B5EF4-FFF2-40B4-BE49-F238E27FC236}">
-                <a16:creationId xmlns:a16="http://schemas.microsoft.com/office/drawing/2014/main" id="{0E03BB88-F3D1-EFD7-6CAE-48B5A86628C9}"/>
-              </a:ext>
-            </a:extLst>
-          </p:cNvPr>
-          <p:cNvSpPr txBox="1"/>
-          <p:nvPr/>
-        </p:nvSpPr>
-        <p:spPr>
-          <a:xfrm>
-            <a:off x="6863035" y="2403134"/>
-            <a:ext cx="785931" cy="369332"/>
-          </a:xfrm>
-          <a:prstGeom prst="rect">
-            <a:avLst/>
-          </a:prstGeom>
-          <a:noFill/>
-          <a:ln>
-            <a:solidFill>
-              <a:srgbClr val="002060"/>
-            </a:solidFill>
-          </a:ln>
-        </p:spPr>
-        <p:txBody>
-          <a:bodyPr wrap="square" rtlCol="0">
-            <a:spAutoFit/>
-          </a:bodyPr>
-          <a:lstStyle/>
-          <a:p>
-            <a:pPr algn="ctr"/>
-            <a:endParaRPr lang="en-AU" dirty="0"/>
-          </a:p>
-        </p:txBody>
-      </p:sp>
-      <p:sp>
-        <p:nvSpPr>
-          <p:cNvPr id="16" name="TextBox 15">
-            <a:extLst>
-              <a:ext uri="{FF2B5EF4-FFF2-40B4-BE49-F238E27FC236}">
-                <a16:creationId xmlns:a16="http://schemas.microsoft.com/office/drawing/2014/main" id="{14A991EE-6188-AFFA-5161-1C84AE88791D}"/>
-              </a:ext>
-            </a:extLst>
-          </p:cNvPr>
-          <p:cNvSpPr txBox="1"/>
-          <p:nvPr/>
-        </p:nvSpPr>
-        <p:spPr>
-          <a:xfrm>
-            <a:off x="6863034" y="2026542"/>
-            <a:ext cx="785931" cy="307777"/>
-          </a:xfrm>
-          <a:prstGeom prst="rect">
-            <a:avLst/>
-          </a:prstGeom>
-          <a:noFill/>
-          <a:ln>
-            <a:noFill/>
-          </a:ln>
-        </p:spPr>
-        <p:txBody>
-          <a:bodyPr wrap="square" rtlCol="0">
-            <a:spAutoFit/>
-          </a:bodyPr>
-          <a:lstStyle/>
-          <a:p>
-            <a:pPr algn="ctr"/>
-            <a:r>
-              <a:rPr lang="en-CA" sz="1400" dirty="0"/>
-              <a:t>1291</a:t>
-            </a:r>
-            <a:endParaRPr lang="en-AU" sz="1400" dirty="0"/>
-          </a:p>
-        </p:txBody>
-      </p:sp>
-      <p:sp>
-        <p:nvSpPr>
-          <p:cNvPr id="17" name="TextBox 16">
-            <a:extLst>
-              <a:ext uri="{FF2B5EF4-FFF2-40B4-BE49-F238E27FC236}">
-                <a16:creationId xmlns:a16="http://schemas.microsoft.com/office/drawing/2014/main" id="{EF106CEC-1AF0-3786-6C94-1BC7C3AEE08A}"/>
-              </a:ext>
-            </a:extLst>
-          </p:cNvPr>
-          <p:cNvSpPr txBox="1"/>
-          <p:nvPr/>
-        </p:nvSpPr>
-        <p:spPr>
-          <a:xfrm>
-            <a:off x="7648966" y="2403134"/>
-            <a:ext cx="785931" cy="369332"/>
-          </a:xfrm>
-          <a:prstGeom prst="rect">
-            <a:avLst/>
-          </a:prstGeom>
-          <a:noFill/>
-          <a:ln>
-            <a:solidFill>
-              <a:srgbClr val="002060"/>
-            </a:solidFill>
-          </a:ln>
-        </p:spPr>
-        <p:txBody>
-          <a:bodyPr wrap="square" rtlCol="0">
-            <a:spAutoFit/>
-          </a:bodyPr>
-          <a:lstStyle/>
-          <a:p>
-            <a:pPr algn="ctr"/>
-            <a:endParaRPr lang="en-AU" dirty="0"/>
-          </a:p>
-        </p:txBody>
-      </p:sp>
-      <p:sp>
-        <p:nvSpPr>
-          <p:cNvPr id="18" name="TextBox 17">
-            <a:extLst>
-              <a:ext uri="{FF2B5EF4-FFF2-40B4-BE49-F238E27FC236}">
-                <a16:creationId xmlns:a16="http://schemas.microsoft.com/office/drawing/2014/main" id="{CBF32584-3852-850E-92D8-B95929C6C163}"/>
-              </a:ext>
-            </a:extLst>
-          </p:cNvPr>
-          <p:cNvSpPr txBox="1"/>
-          <p:nvPr/>
-        </p:nvSpPr>
-        <p:spPr>
-          <a:xfrm>
-            <a:off x="7648965" y="2026542"/>
-            <a:ext cx="785931" cy="307777"/>
-          </a:xfrm>
-          <a:prstGeom prst="rect">
-            <a:avLst/>
-          </a:prstGeom>
-          <a:noFill/>
-          <a:ln>
-            <a:noFill/>
-          </a:ln>
-        </p:spPr>
-        <p:txBody>
-          <a:bodyPr wrap="square" rtlCol="0">
-            <a:spAutoFit/>
-          </a:bodyPr>
-          <a:lstStyle/>
-          <a:p>
-            <a:pPr algn="ctr"/>
-            <a:r>
-              <a:rPr lang="en-CA" sz="1400" dirty="0"/>
-              <a:t>1292</a:t>
-            </a:r>
-            <a:endParaRPr lang="en-AU" sz="1400" dirty="0"/>
-          </a:p>
-        </p:txBody>
-      </p:sp>
-      <p:sp>
-        <p:nvSpPr>
-          <p:cNvPr id="19" name="TextBox 18">
-            <a:extLst>
-              <a:ext uri="{FF2B5EF4-FFF2-40B4-BE49-F238E27FC236}">
-                <a16:creationId xmlns:a16="http://schemas.microsoft.com/office/drawing/2014/main" id="{DED1CED1-618C-BE51-BCE5-F8ED5B4D4949}"/>
-              </a:ext>
-            </a:extLst>
-          </p:cNvPr>
-          <p:cNvSpPr txBox="1"/>
-          <p:nvPr/>
-        </p:nvSpPr>
-        <p:spPr>
-          <a:xfrm>
-            <a:off x="8434896" y="2403134"/>
-            <a:ext cx="785931" cy="369332"/>
-          </a:xfrm>
-          <a:prstGeom prst="rect">
-            <a:avLst/>
-          </a:prstGeom>
-          <a:noFill/>
-          <a:ln>
-            <a:solidFill>
-              <a:srgbClr val="002060"/>
-            </a:solidFill>
-          </a:ln>
-        </p:spPr>
-        <p:txBody>
-          <a:bodyPr wrap="square" rtlCol="0">
-            <a:spAutoFit/>
-          </a:bodyPr>
-          <a:lstStyle/>
-          <a:p>
-            <a:pPr algn="ctr"/>
-            <a:r>
-              <a:rPr lang="en-CA" dirty="0"/>
-              <a:t>460</a:t>
-            </a:r>
-            <a:endParaRPr lang="en-AU" dirty="0"/>
-          </a:p>
-        </p:txBody>
-      </p:sp>
-      <p:sp>
-        <p:nvSpPr>
-          <p:cNvPr id="20" name="TextBox 19">
-            <a:extLst>
-              <a:ext uri="{FF2B5EF4-FFF2-40B4-BE49-F238E27FC236}">
-                <a16:creationId xmlns:a16="http://schemas.microsoft.com/office/drawing/2014/main" id="{8EF11E35-DAB6-2B6D-9E5A-AE406256EA55}"/>
-              </a:ext>
-            </a:extLst>
-          </p:cNvPr>
-          <p:cNvSpPr txBox="1"/>
-          <p:nvPr/>
-        </p:nvSpPr>
-        <p:spPr>
-          <a:xfrm>
-            <a:off x="8434895" y="2026542"/>
-            <a:ext cx="785931" cy="307777"/>
-          </a:xfrm>
-          <a:prstGeom prst="rect">
-            <a:avLst/>
-          </a:prstGeom>
-          <a:noFill/>
-          <a:ln>
-            <a:noFill/>
-          </a:ln>
-        </p:spPr>
-        <p:txBody>
-          <a:bodyPr wrap="square" rtlCol="0">
-            <a:spAutoFit/>
-          </a:bodyPr>
-          <a:lstStyle/>
-          <a:p>
-            <a:pPr algn="ctr"/>
-            <a:r>
-              <a:rPr lang="en-CA" sz="1400" dirty="0"/>
-              <a:t>1293</a:t>
-            </a:r>
-            <a:endParaRPr lang="en-AU" sz="1400" dirty="0"/>
-          </a:p>
-        </p:txBody>
-      </p:sp>
-      <p:sp>
-        <p:nvSpPr>
-          <p:cNvPr id="21" name="TextBox 20">
-            <a:extLst>
-              <a:ext uri="{FF2B5EF4-FFF2-40B4-BE49-F238E27FC236}">
-                <a16:creationId xmlns:a16="http://schemas.microsoft.com/office/drawing/2014/main" id="{E0D47DAA-DC5F-2375-F8B4-6DCF1E19C6CE}"/>
-              </a:ext>
-            </a:extLst>
-          </p:cNvPr>
-          <p:cNvSpPr txBox="1"/>
-          <p:nvPr/>
-        </p:nvSpPr>
-        <p:spPr>
-          <a:xfrm>
-            <a:off x="9220827" y="2403134"/>
-            <a:ext cx="785931" cy="369332"/>
-          </a:xfrm>
-          <a:prstGeom prst="rect">
-            <a:avLst/>
-          </a:prstGeom>
-          <a:noFill/>
-          <a:ln>
-            <a:solidFill>
-              <a:srgbClr val="002060"/>
-            </a:solidFill>
-          </a:ln>
-        </p:spPr>
-        <p:txBody>
-          <a:bodyPr wrap="square" rtlCol="0">
-            <a:spAutoFit/>
-          </a:bodyPr>
-          <a:lstStyle/>
-          <a:p>
-            <a:pPr algn="ctr"/>
-            <a:endParaRPr lang="en-AU" dirty="0"/>
-          </a:p>
-        </p:txBody>
-      </p:sp>
-      <p:sp>
-        <p:nvSpPr>
-          <p:cNvPr id="22" name="TextBox 21">
-            <a:extLst>
-              <a:ext uri="{FF2B5EF4-FFF2-40B4-BE49-F238E27FC236}">
-                <a16:creationId xmlns:a16="http://schemas.microsoft.com/office/drawing/2014/main" id="{94A3146E-F542-2FFD-8A5A-641F3D6606C2}"/>
-              </a:ext>
-            </a:extLst>
-          </p:cNvPr>
-          <p:cNvSpPr txBox="1"/>
-          <p:nvPr/>
-        </p:nvSpPr>
-        <p:spPr>
-          <a:xfrm>
-            <a:off x="9220826" y="2026542"/>
-            <a:ext cx="785931" cy="307777"/>
-          </a:xfrm>
-          <a:prstGeom prst="rect">
-            <a:avLst/>
-          </a:prstGeom>
-          <a:noFill/>
-          <a:ln>
-            <a:noFill/>
-          </a:ln>
-        </p:spPr>
-        <p:txBody>
-          <a:bodyPr wrap="square" rtlCol="0">
-            <a:spAutoFit/>
-          </a:bodyPr>
-          <a:lstStyle/>
-          <a:p>
-            <a:pPr algn="ctr"/>
-            <a:r>
-              <a:rPr lang="en-CA" sz="1400" dirty="0"/>
-              <a:t>1294</a:t>
-            </a:r>
-            <a:endParaRPr lang="en-AU" sz="1400" dirty="0"/>
-          </a:p>
-        </p:txBody>
-      </p:sp>
-      <p:sp>
-        <p:nvSpPr>
-          <p:cNvPr id="23" name="TextBox 22">
-            <a:extLst>
-              <a:ext uri="{FF2B5EF4-FFF2-40B4-BE49-F238E27FC236}">
-                <a16:creationId xmlns:a16="http://schemas.microsoft.com/office/drawing/2014/main" id="{E1A554AA-AF9B-8DC7-F685-8EE6D3BFA830}"/>
-              </a:ext>
-            </a:extLst>
-          </p:cNvPr>
-          <p:cNvSpPr txBox="1"/>
-          <p:nvPr/>
-        </p:nvSpPr>
-        <p:spPr>
-          <a:xfrm>
-            <a:off x="5974305" y="2352971"/>
-            <a:ext cx="463588" cy="369332"/>
-          </a:xfrm>
-          <a:prstGeom prst="rect">
-            <a:avLst/>
-          </a:prstGeom>
-          <a:noFill/>
-        </p:spPr>
-        <p:txBody>
-          <a:bodyPr wrap="none" rtlCol="0">
-            <a:spAutoFit/>
-          </a:bodyPr>
-          <a:lstStyle/>
-          <a:p>
-            <a:r>
-              <a:rPr lang="en-CA" dirty="0"/>
-              <a:t>. . .</a:t>
-            </a:r>
-            <a:endParaRPr lang="en-AU" dirty="0"/>
-          </a:p>
-        </p:txBody>
-      </p:sp>
-      <p:sp>
-        <p:nvSpPr>
-          <p:cNvPr id="24" name="TextBox 23">
-            <a:extLst>
-              <a:ext uri="{FF2B5EF4-FFF2-40B4-BE49-F238E27FC236}">
-                <a16:creationId xmlns:a16="http://schemas.microsoft.com/office/drawing/2014/main" id="{EB5EF798-761F-9B8A-C51A-4042C999F771}"/>
-              </a:ext>
-            </a:extLst>
-          </p:cNvPr>
-          <p:cNvSpPr txBox="1"/>
-          <p:nvPr/>
-        </p:nvSpPr>
-        <p:spPr>
-          <a:xfrm>
-            <a:off x="10230169" y="2352971"/>
-            <a:ext cx="463588" cy="369332"/>
-          </a:xfrm>
-          <a:prstGeom prst="rect">
-            <a:avLst/>
-          </a:prstGeom>
-          <a:noFill/>
-        </p:spPr>
-        <p:txBody>
-          <a:bodyPr wrap="none" rtlCol="0">
-            <a:spAutoFit/>
-          </a:bodyPr>
-          <a:lstStyle/>
-          <a:p>
-            <a:r>
-              <a:rPr lang="en-CA" dirty="0"/>
-              <a:t>. . .</a:t>
-            </a:r>
-            <a:endParaRPr lang="en-AU" dirty="0"/>
-          </a:p>
-        </p:txBody>
-      </p:sp>
-      <p:sp>
-        <p:nvSpPr>
-          <p:cNvPr id="25" name="TextBox 24">
-            <a:extLst>
-              <a:ext uri="{FF2B5EF4-FFF2-40B4-BE49-F238E27FC236}">
-                <a16:creationId xmlns:a16="http://schemas.microsoft.com/office/drawing/2014/main" id="{9BC64F22-4742-F4B0-9F2F-DE1B0620ED57}"/>
-              </a:ext>
-            </a:extLst>
-          </p:cNvPr>
-          <p:cNvSpPr txBox="1"/>
-          <p:nvPr/>
-        </p:nvSpPr>
-        <p:spPr>
-          <a:xfrm>
-            <a:off x="953878" y="2352971"/>
-            <a:ext cx="463588" cy="369332"/>
-          </a:xfrm>
-          <a:prstGeom prst="rect">
-            <a:avLst/>
-          </a:prstGeom>
-          <a:noFill/>
-        </p:spPr>
-        <p:txBody>
-          <a:bodyPr wrap="none" rtlCol="0">
-            <a:spAutoFit/>
-          </a:bodyPr>
-          <a:lstStyle/>
-          <a:p>
-            <a:r>
-              <a:rPr lang="en-CA" dirty="0"/>
-              <a:t>. . .</a:t>
-            </a:r>
-            <a:endParaRPr lang="en-AU" dirty="0"/>
-          </a:p>
-        </p:txBody>
-      </p:sp>
-      <p:sp>
-        <p:nvSpPr>
-          <p:cNvPr id="26" name="TextBox 25">
-            <a:extLst>
-              <a:ext uri="{FF2B5EF4-FFF2-40B4-BE49-F238E27FC236}">
-                <a16:creationId xmlns:a16="http://schemas.microsoft.com/office/drawing/2014/main" id="{C3165043-9098-9CC0-5659-4015745C629B}"/>
-              </a:ext>
-            </a:extLst>
-          </p:cNvPr>
-          <p:cNvSpPr txBox="1"/>
-          <p:nvPr/>
-        </p:nvSpPr>
-        <p:spPr>
-          <a:xfrm>
-            <a:off x="790022" y="3418244"/>
-            <a:ext cx="5761918" cy="2585323"/>
-          </a:xfrm>
-          <a:prstGeom prst="rect">
-            <a:avLst/>
-          </a:prstGeom>
-          <a:noFill/>
-          <a:ln>
-            <a:noFill/>
-          </a:ln>
-        </p:spPr>
-        <p:txBody>
-          <a:bodyPr wrap="square" rtlCol="0">
-            <a:spAutoFit/>
-          </a:bodyPr>
-          <a:lstStyle/>
-          <a:p>
-            <a:r>
-              <a:rPr lang="en-US" dirty="0">
-                <a:latin typeface="Consolas" panose="020B0609020204030204" pitchFamily="49" charset="0"/>
-              </a:rPr>
-              <a:t>char c = 'a';</a:t>
-            </a:r>
-            <a:br>
-              <a:rPr lang="en-US" dirty="0">
-                <a:latin typeface="Consolas" panose="020B0609020204030204" pitchFamily="49" charset="0"/>
-              </a:rPr>
-            </a:br>
-            <a:br>
-              <a:rPr lang="en-US" dirty="0">
-                <a:latin typeface="Consolas" panose="020B0609020204030204" pitchFamily="49" charset="0"/>
-              </a:rPr>
-            </a:br>
-            <a:r>
-              <a:rPr lang="en-US" dirty="0">
-                <a:latin typeface="Consolas" panose="020B0609020204030204" pitchFamily="49" charset="0"/>
-              </a:rPr>
-              <a:t>cout &lt;&lt; c; // prints value of c: 'a'</a:t>
-            </a:r>
-            <a:br>
-              <a:rPr lang="en-US" dirty="0">
-                <a:latin typeface="Consolas" panose="020B0609020204030204" pitchFamily="49" charset="0"/>
-              </a:rPr>
-            </a:br>
-            <a:br>
-              <a:rPr lang="en-US" dirty="0">
-                <a:latin typeface="Consolas" panose="020B0609020204030204" pitchFamily="49" charset="0"/>
-              </a:rPr>
-            </a:br>
-            <a:r>
-              <a:rPr lang="en-US" dirty="0">
-                <a:latin typeface="Consolas" panose="020B0609020204030204" pitchFamily="49" charset="0"/>
-              </a:rPr>
-              <a:t>cout &lt;&lt; &amp;c; // prints address of c: 457</a:t>
-            </a:r>
-          </a:p>
-          <a:p>
-            <a:endParaRPr lang="en-US" dirty="0">
-              <a:latin typeface="Consolas" panose="020B0609020204030204" pitchFamily="49" charset="0"/>
-            </a:endParaRPr>
-          </a:p>
-          <a:p>
-            <a:r>
-              <a:rPr lang="en-US" dirty="0">
-                <a:latin typeface="Consolas" panose="020B0609020204030204" pitchFamily="49" charset="0"/>
-              </a:rPr>
-              <a:t>char x = c;  // put a copy of c’s value in x</a:t>
-            </a:r>
-          </a:p>
-          <a:p>
-            <a:endParaRPr lang="en-US" dirty="0">
-              <a:latin typeface="Consolas" panose="020B0609020204030204" pitchFamily="49" charset="0"/>
-            </a:endParaRPr>
-          </a:p>
-          <a:p>
-            <a:r>
-              <a:rPr lang="en-US" b="1" dirty="0">
-                <a:solidFill>
-                  <a:srgbClr val="FF0000"/>
-                </a:solidFill>
-                <a:latin typeface="Consolas" panose="020B0609020204030204" pitchFamily="49" charset="0"/>
-              </a:rPr>
-              <a:t>???</a:t>
-            </a:r>
-            <a:r>
-              <a:rPr lang="en-US" dirty="0">
-                <a:latin typeface="Consolas" panose="020B0609020204030204" pitchFamily="49" charset="0"/>
-              </a:rPr>
-              <a:t> </a:t>
-            </a:r>
-            <a:r>
-              <a:rPr lang="en-US" dirty="0" err="1">
-                <a:latin typeface="Consolas" panose="020B0609020204030204" pitchFamily="49" charset="0"/>
-              </a:rPr>
-              <a:t>px</a:t>
-            </a:r>
-            <a:r>
-              <a:rPr lang="en-US" dirty="0">
-                <a:latin typeface="Consolas" panose="020B0609020204030204" pitchFamily="49" charset="0"/>
-              </a:rPr>
-              <a:t> = &amp;x; // store the address of x in </a:t>
-            </a:r>
-            <a:r>
-              <a:rPr lang="en-US" dirty="0" err="1">
-                <a:latin typeface="Consolas" panose="020B0609020204030204" pitchFamily="49" charset="0"/>
-              </a:rPr>
-              <a:t>px</a:t>
-            </a:r>
-            <a:endParaRPr lang="en-AU" dirty="0">
-              <a:latin typeface="Consolas" panose="020B0609020204030204" pitchFamily="49" charset="0"/>
-            </a:endParaRPr>
-          </a:p>
-        </p:txBody>
-      </p:sp>
-      <p:sp>
-        <p:nvSpPr>
-          <p:cNvPr id="27" name="TextBox 26">
-            <a:extLst>
-              <a:ext uri="{FF2B5EF4-FFF2-40B4-BE49-F238E27FC236}">
-                <a16:creationId xmlns:a16="http://schemas.microsoft.com/office/drawing/2014/main" id="{E39F9407-4EA8-9CD1-336F-08D889C0518A}"/>
-              </a:ext>
-            </a:extLst>
-          </p:cNvPr>
-          <p:cNvSpPr txBox="1"/>
-          <p:nvPr/>
-        </p:nvSpPr>
-        <p:spPr>
-          <a:xfrm>
-            <a:off x="2497281" y="2757614"/>
-            <a:ext cx="506952" cy="369332"/>
-          </a:xfrm>
-          <a:prstGeom prst="rect">
-            <a:avLst/>
-          </a:prstGeom>
-          <a:noFill/>
-          <a:ln>
-            <a:noFill/>
-          </a:ln>
-        </p:spPr>
-        <p:txBody>
-          <a:bodyPr wrap="square" rtlCol="0">
-            <a:spAutoFit/>
-          </a:bodyPr>
-          <a:lstStyle/>
-          <a:p>
-            <a:pPr algn="ctr"/>
-            <a:r>
-              <a:rPr lang="en-US" dirty="0">
-                <a:latin typeface="Consolas" panose="020B0609020204030204" pitchFamily="49" charset="0"/>
-              </a:rPr>
-              <a:t>c</a:t>
-            </a:r>
-            <a:endParaRPr lang="en-AU" dirty="0">
-              <a:latin typeface="Consolas" panose="020B0609020204030204" pitchFamily="49" charset="0"/>
-            </a:endParaRPr>
-          </a:p>
-        </p:txBody>
-      </p:sp>
-      <p:sp>
-        <p:nvSpPr>
-          <p:cNvPr id="28" name="TextBox 27">
-            <a:extLst>
-              <a:ext uri="{FF2B5EF4-FFF2-40B4-BE49-F238E27FC236}">
-                <a16:creationId xmlns:a16="http://schemas.microsoft.com/office/drawing/2014/main" id="{D59C76F1-6F1B-B12E-49A6-325207807D05}"/>
-              </a:ext>
-            </a:extLst>
-          </p:cNvPr>
-          <p:cNvSpPr txBox="1"/>
-          <p:nvPr/>
-        </p:nvSpPr>
-        <p:spPr>
-          <a:xfrm>
-            <a:off x="468219" y="6033184"/>
-            <a:ext cx="2536014" cy="646331"/>
-          </a:xfrm>
-          <a:prstGeom prst="rect">
-            <a:avLst/>
-          </a:prstGeom>
-          <a:solidFill>
-            <a:schemeClr val="accent4">
-              <a:lumMod val="40000"/>
-              <a:lumOff val="60000"/>
-            </a:schemeClr>
-          </a:solidFill>
-        </p:spPr>
-        <p:txBody>
-          <a:bodyPr wrap="square" rtlCol="0">
-            <a:spAutoFit/>
-          </a:bodyPr>
-          <a:lstStyle/>
-          <a:p>
-            <a:pPr algn="ctr"/>
-            <a:r>
-              <a:rPr lang="en-CA" b="1" dirty="0"/>
-              <a:t>Question</a:t>
-            </a:r>
-            <a:r>
-              <a:rPr lang="en-CA" dirty="0"/>
-              <a:t>: what is the type of an address?</a:t>
-            </a:r>
-          </a:p>
-        </p:txBody>
-      </p:sp>
-      <p:sp>
-        <p:nvSpPr>
-          <p:cNvPr id="3" name="TextBox 2">
-            <a:extLst>
-              <a:ext uri="{FF2B5EF4-FFF2-40B4-BE49-F238E27FC236}">
-                <a16:creationId xmlns:a16="http://schemas.microsoft.com/office/drawing/2014/main" id="{73999486-2BBD-5DA3-168D-9C2B0A724DF7}"/>
-              </a:ext>
-            </a:extLst>
-          </p:cNvPr>
-          <p:cNvSpPr txBox="1"/>
-          <p:nvPr/>
-        </p:nvSpPr>
-        <p:spPr>
-          <a:xfrm>
-            <a:off x="4885297" y="2757614"/>
-            <a:ext cx="506952" cy="369332"/>
-          </a:xfrm>
-          <a:prstGeom prst="rect">
-            <a:avLst/>
-          </a:prstGeom>
-          <a:noFill/>
-          <a:ln>
-            <a:noFill/>
-          </a:ln>
-        </p:spPr>
-        <p:txBody>
-          <a:bodyPr wrap="square" rtlCol="0">
-            <a:spAutoFit/>
-          </a:bodyPr>
-          <a:lstStyle/>
-          <a:p>
-            <a:pPr algn="ctr"/>
-            <a:r>
-              <a:rPr lang="en-US" dirty="0">
-                <a:latin typeface="Consolas" panose="020B0609020204030204" pitchFamily="49" charset="0"/>
-              </a:rPr>
-              <a:t>x</a:t>
-            </a:r>
-            <a:endParaRPr lang="en-AU" dirty="0">
-              <a:latin typeface="Consolas" panose="020B0609020204030204" pitchFamily="49" charset="0"/>
-            </a:endParaRPr>
-          </a:p>
-        </p:txBody>
-      </p:sp>
-      <p:sp>
-        <p:nvSpPr>
-          <p:cNvPr id="29" name="TextBox 28">
-            <a:extLst>
-              <a:ext uri="{FF2B5EF4-FFF2-40B4-BE49-F238E27FC236}">
-                <a16:creationId xmlns:a16="http://schemas.microsoft.com/office/drawing/2014/main" id="{2BA208A7-34E9-EE4A-D424-A25341D84E88}"/>
-              </a:ext>
-            </a:extLst>
-          </p:cNvPr>
-          <p:cNvSpPr txBox="1"/>
-          <p:nvPr/>
-        </p:nvSpPr>
-        <p:spPr>
-          <a:xfrm>
-            <a:off x="8574384" y="2757614"/>
-            <a:ext cx="506952" cy="369332"/>
-          </a:xfrm>
-          <a:prstGeom prst="rect">
-            <a:avLst/>
-          </a:prstGeom>
-          <a:noFill/>
-          <a:ln>
-            <a:noFill/>
-          </a:ln>
-        </p:spPr>
-        <p:txBody>
-          <a:bodyPr wrap="square" rtlCol="0">
-            <a:spAutoFit/>
-          </a:bodyPr>
-          <a:lstStyle/>
-          <a:p>
-            <a:pPr algn="ctr"/>
-            <a:r>
-              <a:rPr lang="en-US" dirty="0" err="1">
-                <a:latin typeface="Consolas" panose="020B0609020204030204" pitchFamily="49" charset="0"/>
-              </a:rPr>
-              <a:t>px</a:t>
-            </a:r>
-            <a:endParaRPr lang="en-AU" dirty="0">
-              <a:latin typeface="Consolas" panose="020B0609020204030204" pitchFamily="49" charset="0"/>
-            </a:endParaRPr>
-          </a:p>
-        </p:txBody>
-      </p:sp>
-    </p:spTree>
-    <p:extLst>
-      <p:ext uri="{BB962C8B-B14F-4D97-AF65-F5344CB8AC3E}">
-        <p14:creationId xmlns:p14="http://schemas.microsoft.com/office/powerpoint/2010/main" val="1405615600"/>
-      </p:ext>
-    </p:extLst>
-  </p:cSld>
-  <p:clrMapOvr>
-    <a:masterClrMapping/>
-  </p:clrMapOvr>
-</p:sld>
-</file>
-
-<file path=ppt/slides/slide41.xml><?xml version="1.0" encoding="utf-8"?>
-<p:sld xmlns:a="http://schemas.openxmlformats.org/drawingml/2006/main" xmlns:r="http://schemas.openxmlformats.org/officeDocument/2006/relationships" xmlns:p="http://schemas.openxmlformats.org/presentationml/2006/main">
-  <p:cSld>
-    <p:spTree>
-      <p:nvGrpSpPr>
-        <p:cNvPr id="1" name=""/>
-        <p:cNvGrpSpPr/>
-        <p:nvPr/>
-      </p:nvGrpSpPr>
-      <p:grpSpPr>
-        <a:xfrm>
-          <a:off x="0" y="0"/>
-          <a:ext cx="0" cy="0"/>
-          <a:chOff x="0" y="0"/>
-          <a:chExt cx="0" cy="0"/>
-        </a:xfrm>
-      </p:grpSpPr>
-      <p:sp>
-        <p:nvSpPr>
-          <p:cNvPr id="2" name="Title 1">
-            <a:extLst>
-              <a:ext uri="{FF2B5EF4-FFF2-40B4-BE49-F238E27FC236}">
-                <a16:creationId xmlns:a16="http://schemas.microsoft.com/office/drawing/2014/main" id="{6E27C467-0D4B-5398-59B5-024CE8B55934}"/>
-              </a:ext>
-            </a:extLst>
-          </p:cNvPr>
-          <p:cNvSpPr>
-            <a:spLocks noGrp="1"/>
-          </p:cNvSpPr>
-          <p:nvPr>
-            <p:ph type="title"/>
-          </p:nvPr>
-        </p:nvSpPr>
-        <p:spPr/>
-        <p:txBody>
-          <a:bodyPr/>
-          <a:lstStyle/>
-          <a:p>
-            <a:r>
-              <a:rPr lang="en-CA" dirty="0"/>
-              <a:t>Memory of a running C++ program</a:t>
-            </a:r>
-            <a:endParaRPr lang="en-AU" dirty="0"/>
-          </a:p>
-        </p:txBody>
-      </p:sp>
-      <p:sp>
-        <p:nvSpPr>
-          <p:cNvPr id="4" name="Slide Number Placeholder 3">
-            <a:extLst>
-              <a:ext uri="{FF2B5EF4-FFF2-40B4-BE49-F238E27FC236}">
-                <a16:creationId xmlns:a16="http://schemas.microsoft.com/office/drawing/2014/main" id="{600631E4-52B7-B7DB-E129-DC961E8DDD93}"/>
-              </a:ext>
-            </a:extLst>
-          </p:cNvPr>
-          <p:cNvSpPr>
-            <a:spLocks noGrp="1"/>
-          </p:cNvSpPr>
-          <p:nvPr>
-            <p:ph type="sldNum" sz="quarter" idx="12"/>
-          </p:nvPr>
-        </p:nvSpPr>
-        <p:spPr/>
-        <p:txBody>
-          <a:bodyPr/>
-          <a:lstStyle/>
-          <a:p>
-            <a:fld id="{E5BA05A5-0517-4A37-865C-5DD63AFCA22E}" type="slidenum">
-              <a:rPr lang="en-AU" smtClean="0"/>
-              <a:pPr/>
-              <a:t>41</a:t>
+              <a:t>46</a:t>
             </a:fld>
             <a:endParaRPr lang="en-AU" dirty="0"/>
           </a:p>
@@ -31880,7 +35464,7 @@
 </p:sld>
 </file>
 
-<file path=ppt/slides/slide42.xml><?xml version="1.0" encoding="utf-8"?>
+<file path=ppt/slides/slide47.xml><?xml version="1.0" encoding="utf-8"?>
 <p:sld xmlns:a="http://schemas.openxmlformats.org/drawingml/2006/main" xmlns:r="http://schemas.openxmlformats.org/officeDocument/2006/relationships" xmlns:p="http://schemas.openxmlformats.org/presentationml/2006/main">
   <p:cSld>
     <p:spTree>
@@ -31950,7 +35534,7 @@
             <a:fld id="{E5BA05A5-0517-4A37-865C-5DD63AFCA22E}" type="slidenum">
               <a:rPr lang="en-AU" smtClean="0"/>
               <a:pPr/>
-              <a:t>42</a:t>
+              <a:t>47</a:t>
             </a:fld>
             <a:endParaRPr lang="en-AU" dirty="0"/>
           </a:p>
@@ -33075,13 +36659,13 @@
   <p:clrMapOvr>
     <a:masterClrMapping/>
   </p:clrMapOvr>
-  <mc:AlternateContent xmlns:mc="http://schemas.openxmlformats.org/markup-compatibility/2006">
-    <mc:Choice xmlns:p159="http://schemas.microsoft.com/office/powerpoint/2015/09/main" Requires="p159">
+  <mc:AlternateContent xmlns:mc="http://schemas.openxmlformats.org/markup-compatibility/2006" xmlns:p159="http://schemas.microsoft.com/office/powerpoint/2015/09/main">
+    <mc:Choice Requires="p159">
       <p:transition xmlns:p14="http://schemas.microsoft.com/office/powerpoint/2010/main" spd="slow" p14:dur="2000">
         <p159:morph option="byObject"/>
       </p:transition>
     </mc:Choice>
-    <mc:Fallback>
+    <mc:Fallback xmlns="">
       <p:transition spd="slow">
         <p:fade/>
       </p:transition>
@@ -33090,7 +36674,7 @@
 </p:sld>
 </file>
 
-<file path=ppt/slides/slide43.xml><?xml version="1.0" encoding="utf-8"?>
+<file path=ppt/slides/slide48.xml><?xml version="1.0" encoding="utf-8"?>
 <p:sld xmlns:a="http://schemas.openxmlformats.org/drawingml/2006/main" xmlns:r="http://schemas.openxmlformats.org/officeDocument/2006/relationships" xmlns:p="http://schemas.openxmlformats.org/presentationml/2006/main">
   <p:cSld>
     <p:spTree>
@@ -33160,7 +36744,7 @@
             <a:fld id="{E5BA05A5-0517-4A37-865C-5DD63AFCA22E}" type="slidenum">
               <a:rPr lang="en-AU" smtClean="0"/>
               <a:pPr/>
-              <a:t>43</a:t>
+              <a:t>48</a:t>
             </a:fld>
             <a:endParaRPr lang="en-AU" dirty="0"/>
           </a:p>
@@ -34161,13 +37745,13 @@
   <p:clrMapOvr>
     <a:masterClrMapping/>
   </p:clrMapOvr>
-  <mc:AlternateContent xmlns:mc="http://schemas.openxmlformats.org/markup-compatibility/2006">
-    <mc:Choice xmlns:p159="http://schemas.microsoft.com/office/powerpoint/2015/09/main" Requires="p159">
+  <mc:AlternateContent xmlns:mc="http://schemas.openxmlformats.org/markup-compatibility/2006" xmlns:p159="http://schemas.microsoft.com/office/powerpoint/2015/09/main">
+    <mc:Choice Requires="p159">
       <p:transition xmlns:p14="http://schemas.microsoft.com/office/powerpoint/2010/main" spd="slow" p14:dur="2000">
         <p159:morph option="byObject"/>
       </p:transition>
     </mc:Choice>
-    <mc:Fallback>
+    <mc:Fallback xmlns="">
       <p:transition spd="slow">
         <p:fade/>
       </p:transition>
@@ -34176,7 +37760,7 @@
 </p:sld>
 </file>
 
-<file path=ppt/slides/slide44.xml><?xml version="1.0" encoding="utf-8"?>
+<file path=ppt/slides/slide49.xml><?xml version="1.0" encoding="utf-8"?>
 <p:sld xmlns:a="http://schemas.openxmlformats.org/drawingml/2006/main" xmlns:r="http://schemas.openxmlformats.org/officeDocument/2006/relationships" xmlns:p="http://schemas.openxmlformats.org/presentationml/2006/main">
   <p:cSld>
     <p:spTree>
@@ -34246,7 +37830,7 @@
             <a:fld id="{E5BA05A5-0517-4A37-865C-5DD63AFCA22E}" type="slidenum">
               <a:rPr lang="en-AU" smtClean="0"/>
               <a:pPr/>
-              <a:t>44</a:t>
+              <a:t>49</a:t>
             </a:fld>
             <a:endParaRPr lang="en-AU" dirty="0"/>
           </a:p>
@@ -34868,13 +38452,13 @@
   <p:clrMapOvr>
     <a:masterClrMapping/>
   </p:clrMapOvr>
-  <mc:AlternateContent xmlns:mc="http://schemas.openxmlformats.org/markup-compatibility/2006">
-    <mc:Choice xmlns:p159="http://schemas.microsoft.com/office/powerpoint/2015/09/main" Requires="p159">
+  <mc:AlternateContent xmlns:mc="http://schemas.openxmlformats.org/markup-compatibility/2006" xmlns:p159="http://schemas.microsoft.com/office/powerpoint/2015/09/main">
+    <mc:Choice Requires="p159">
       <p:transition xmlns:p14="http://schemas.microsoft.com/office/powerpoint/2010/main" spd="slow" p14:dur="2000">
         <p159:morph option="byObject"/>
       </p:transition>
     </mc:Choice>
-    <mc:Fallback>
+    <mc:Fallback xmlns="">
       <p:transition spd="slow">
         <p:fade/>
       </p:transition>
@@ -34883,7 +38467,7 @@
 </p:sld>
 </file>
 
-<file path=ppt/slides/slide45.xml><?xml version="1.0" encoding="utf-8"?>
+<file path=ppt/slides/slide5.xml><?xml version="1.0" encoding="utf-8"?>
 <p:sld xmlns:a="http://schemas.openxmlformats.org/drawingml/2006/main" xmlns:r="http://schemas.openxmlformats.org/officeDocument/2006/relationships" xmlns:p="http://schemas.openxmlformats.org/presentationml/2006/main">
   <p:cSld>
     <p:spTree>
@@ -34905,7 +38489,7 @@
           <p:cNvPr id="2" name="Title 1">
             <a:extLst>
               <a:ext uri="{FF2B5EF4-FFF2-40B4-BE49-F238E27FC236}">
-                <a16:creationId xmlns:a16="http://schemas.microsoft.com/office/drawing/2014/main" id="{6E27C467-0D4B-5398-59B5-024CE8B55934}"/>
+                <a16:creationId xmlns:a16="http://schemas.microsoft.com/office/drawing/2014/main" id="{99F14D1C-E7F8-89E9-5696-767055C53654}"/>
               </a:ext>
             </a:extLst>
           </p:cNvPr>
@@ -34923,7 +38507,7 @@
           <a:p>
             <a:r>
               <a:rPr lang="en-CA" dirty="0"/>
-              <a:t>Memory of a running C++ program</a:t>
+              <a:t>How do you know if a program is correct?</a:t>
             </a:r>
             <a:endParaRPr lang="en-AU" dirty="0"/>
           </a:p>
@@ -34934,7 +38518,7 @@
           <p:cNvPr id="4" name="Slide Number Placeholder 3">
             <a:extLst>
               <a:ext uri="{FF2B5EF4-FFF2-40B4-BE49-F238E27FC236}">
-                <a16:creationId xmlns:a16="http://schemas.microsoft.com/office/drawing/2014/main" id="{600631E4-52B7-B7DB-E129-DC961E8DDD93}"/>
+                <a16:creationId xmlns:a16="http://schemas.microsoft.com/office/drawing/2014/main" id="{3BD8C989-E2BE-799B-BC30-3197DB8F0708}"/>
               </a:ext>
             </a:extLst>
           </p:cNvPr>
@@ -34953,7 +38537,208 @@
             <a:fld id="{E5BA05A5-0517-4A37-865C-5DD63AFCA22E}" type="slidenum">
               <a:rPr lang="en-AU" smtClean="0"/>
               <a:pPr/>
-              <a:t>45</a:t>
+              <a:t>5</a:t>
+            </a:fld>
+            <a:endParaRPr lang="en-AU" dirty="0"/>
+          </a:p>
+        </p:txBody>
+      </p:sp>
+      <p:sp>
+        <p:nvSpPr>
+          <p:cNvPr id="5" name="TextBox 4">
+            <a:extLst>
+              <a:ext uri="{FF2B5EF4-FFF2-40B4-BE49-F238E27FC236}">
+                <a16:creationId xmlns:a16="http://schemas.microsoft.com/office/drawing/2014/main" id="{279233EE-8253-D8C5-AA26-C810DA70B05C}"/>
+              </a:ext>
+            </a:extLst>
+          </p:cNvPr>
+          <p:cNvSpPr txBox="1"/>
+          <p:nvPr/>
+        </p:nvSpPr>
+        <p:spPr>
+          <a:xfrm>
+            <a:off x="2652516" y="2365349"/>
+            <a:ext cx="4416594" cy="2554545"/>
+          </a:xfrm>
+          <a:prstGeom prst="rect">
+            <a:avLst/>
+          </a:prstGeom>
+          <a:noFill/>
+        </p:spPr>
+        <p:txBody>
+          <a:bodyPr wrap="none" rtlCol="0">
+            <a:spAutoFit/>
+          </a:bodyPr>
+          <a:lstStyle/>
+          <a:p>
+            <a:r>
+              <a:rPr lang="en-CA" sz="4000" dirty="0">
+                <a:latin typeface="Consolas" panose="020B0609020204030204" pitchFamily="49" charset="0"/>
+              </a:rPr>
+              <a:t>void f(int&amp; n) </a:t>
+            </a:r>
+          </a:p>
+          <a:p>
+            <a:r>
+              <a:rPr lang="en-CA" sz="4000" dirty="0">
+                <a:latin typeface="Consolas" panose="020B0609020204030204" pitchFamily="49" charset="0"/>
+              </a:rPr>
+              <a:t>{</a:t>
+            </a:r>
+            <a:br>
+              <a:rPr lang="en-CA" sz="4000" dirty="0">
+                <a:latin typeface="Consolas" panose="020B0609020204030204" pitchFamily="49" charset="0"/>
+              </a:rPr>
+            </a:br>
+            <a:r>
+              <a:rPr lang="en-CA" sz="4000" dirty="0">
+                <a:latin typeface="Consolas" panose="020B0609020204030204" pitchFamily="49" charset="0"/>
+              </a:rPr>
+              <a:t>   n++;</a:t>
+            </a:r>
+            <a:br>
+              <a:rPr lang="en-CA" sz="4000" dirty="0">
+                <a:latin typeface="Consolas" panose="020B0609020204030204" pitchFamily="49" charset="0"/>
+              </a:rPr>
+            </a:br>
+            <a:r>
+              <a:rPr lang="en-CA" sz="4000" dirty="0">
+                <a:latin typeface="Consolas" panose="020B0609020204030204" pitchFamily="49" charset="0"/>
+              </a:rPr>
+              <a:t>}</a:t>
+            </a:r>
+            <a:endParaRPr lang="en-AU" sz="4000" dirty="0">
+              <a:latin typeface="Consolas" panose="020B0609020204030204" pitchFamily="49" charset="0"/>
+            </a:endParaRPr>
+          </a:p>
+        </p:txBody>
+      </p:sp>
+      <p:sp>
+        <p:nvSpPr>
+          <p:cNvPr id="6" name="TextBox 5">
+            <a:extLst>
+              <a:ext uri="{FF2B5EF4-FFF2-40B4-BE49-F238E27FC236}">
+                <a16:creationId xmlns:a16="http://schemas.microsoft.com/office/drawing/2014/main" id="{ED5FA59A-061C-24CD-8A0C-B0229B850F0E}"/>
+              </a:ext>
+            </a:extLst>
+          </p:cNvPr>
+          <p:cNvSpPr txBox="1"/>
+          <p:nvPr/>
+        </p:nvSpPr>
+        <p:spPr>
+          <a:xfrm>
+            <a:off x="1395154" y="1624760"/>
+            <a:ext cx="1582314" cy="646331"/>
+          </a:xfrm>
+          <a:prstGeom prst="rect">
+            <a:avLst/>
+          </a:prstGeom>
+          <a:solidFill>
+            <a:schemeClr val="accent4">
+              <a:lumMod val="40000"/>
+              <a:lumOff val="60000"/>
+            </a:schemeClr>
+          </a:solidFill>
+        </p:spPr>
+        <p:txBody>
+          <a:bodyPr wrap="square" rtlCol="0">
+            <a:spAutoFit/>
+          </a:bodyPr>
+          <a:lstStyle/>
+          <a:p>
+            <a:pPr algn="ctr"/>
+            <a:r>
+              <a:rPr lang="en-CA" dirty="0"/>
+              <a:t>Is this function correct?</a:t>
+            </a:r>
+            <a:endParaRPr lang="en-AU" dirty="0"/>
+          </a:p>
+        </p:txBody>
+      </p:sp>
+    </p:spTree>
+    <p:extLst>
+      <p:ext uri="{BB962C8B-B14F-4D97-AF65-F5344CB8AC3E}">
+        <p14:creationId xmlns:p14="http://schemas.microsoft.com/office/powerpoint/2010/main" val="3516570974"/>
+      </p:ext>
+    </p:extLst>
+  </p:cSld>
+  <p:clrMapOvr>
+    <a:masterClrMapping/>
+  </p:clrMapOvr>
+</p:sld>
+</file>
+
+<file path=ppt/slides/slide50.xml><?xml version="1.0" encoding="utf-8"?>
+<p:sld xmlns:a="http://schemas.openxmlformats.org/drawingml/2006/main" xmlns:r="http://schemas.openxmlformats.org/officeDocument/2006/relationships" xmlns:p="http://schemas.openxmlformats.org/presentationml/2006/main">
+  <p:cSld>
+    <p:spTree>
+      <p:nvGrpSpPr>
+        <p:cNvPr id="1" name=""/>
+        <p:cNvGrpSpPr/>
+        <p:nvPr/>
+      </p:nvGrpSpPr>
+      <p:grpSpPr>
+        <a:xfrm>
+          <a:off x="0" y="0"/>
+          <a:ext cx="0" cy="0"/>
+          <a:chOff x="0" y="0"/>
+          <a:chExt cx="0" cy="0"/>
+        </a:xfrm>
+      </p:grpSpPr>
+      <p:sp>
+        <p:nvSpPr>
+          <p:cNvPr id="2" name="Title 1">
+            <a:extLst>
+              <a:ext uri="{FF2B5EF4-FFF2-40B4-BE49-F238E27FC236}">
+                <a16:creationId xmlns:a16="http://schemas.microsoft.com/office/drawing/2014/main" id="{6E27C467-0D4B-5398-59B5-024CE8B55934}"/>
+              </a:ext>
+            </a:extLst>
+          </p:cNvPr>
+          <p:cNvSpPr>
+            <a:spLocks noGrp="1"/>
+          </p:cNvSpPr>
+          <p:nvPr>
+            <p:ph type="title"/>
+          </p:nvPr>
+        </p:nvSpPr>
+        <p:spPr/>
+        <p:txBody>
+          <a:bodyPr/>
+          <a:lstStyle/>
+          <a:p>
+            <a:r>
+              <a:rPr lang="en-CA" dirty="0"/>
+              <a:t>Memory of a running C++ program</a:t>
+            </a:r>
+            <a:endParaRPr lang="en-AU" dirty="0"/>
+          </a:p>
+        </p:txBody>
+      </p:sp>
+      <p:sp>
+        <p:nvSpPr>
+          <p:cNvPr id="4" name="Slide Number Placeholder 3">
+            <a:extLst>
+              <a:ext uri="{FF2B5EF4-FFF2-40B4-BE49-F238E27FC236}">
+                <a16:creationId xmlns:a16="http://schemas.microsoft.com/office/drawing/2014/main" id="{600631E4-52B7-B7DB-E129-DC961E8DDD93}"/>
+              </a:ext>
+            </a:extLst>
+          </p:cNvPr>
+          <p:cNvSpPr>
+            <a:spLocks noGrp="1"/>
+          </p:cNvSpPr>
+          <p:nvPr>
+            <p:ph type="sldNum" sz="quarter" idx="12"/>
+          </p:nvPr>
+        </p:nvSpPr>
+        <p:spPr/>
+        <p:txBody>
+          <a:bodyPr/>
+          <a:lstStyle/>
+          <a:p>
+            <a:fld id="{E5BA05A5-0517-4A37-865C-5DD63AFCA22E}" type="slidenum">
+              <a:rPr lang="en-AU" smtClean="0"/>
+              <a:pPr/>
+              <a:t>50</a:t>
             </a:fld>
             <a:endParaRPr lang="en-AU" dirty="0"/>
           </a:p>
@@ -35644,13 +39429,13 @@
   <p:clrMapOvr>
     <a:masterClrMapping/>
   </p:clrMapOvr>
-  <mc:AlternateContent xmlns:mc="http://schemas.openxmlformats.org/markup-compatibility/2006">
-    <mc:Choice xmlns:p159="http://schemas.microsoft.com/office/powerpoint/2015/09/main" Requires="p159">
+  <mc:AlternateContent xmlns:mc="http://schemas.openxmlformats.org/markup-compatibility/2006" xmlns:p159="http://schemas.microsoft.com/office/powerpoint/2015/09/main">
+    <mc:Choice Requires="p159">
       <p:transition xmlns:p14="http://schemas.microsoft.com/office/powerpoint/2010/main" spd="slow" p14:dur="2000">
         <p159:morph option="byObject"/>
       </p:transition>
     </mc:Choice>
-    <mc:Fallback>
+    <mc:Fallback xmlns="">
       <p:transition spd="slow">
         <p:fade/>
       </p:transition>
@@ -35659,7 +39444,7 @@
 </p:sld>
 </file>
 
-<file path=ppt/slides/slide46.xml><?xml version="1.0" encoding="utf-8"?>
+<file path=ppt/slides/slide51.xml><?xml version="1.0" encoding="utf-8"?>
 <p:sld xmlns:a="http://schemas.openxmlformats.org/drawingml/2006/main" xmlns:r="http://schemas.openxmlformats.org/officeDocument/2006/relationships" xmlns:p="http://schemas.openxmlformats.org/presentationml/2006/main">
   <p:cSld>
     <p:spTree>
@@ -35729,7 +39514,7 @@
             <a:fld id="{E5BA05A5-0517-4A37-865C-5DD63AFCA22E}" type="slidenum">
               <a:rPr lang="en-AU" smtClean="0"/>
               <a:pPr/>
-              <a:t>46</a:t>
+              <a:t>51</a:t>
             </a:fld>
             <a:endParaRPr lang="en-AU" dirty="0"/>
           </a:p>
@@ -36543,13 +40328,13 @@
   <p:clrMapOvr>
     <a:masterClrMapping/>
   </p:clrMapOvr>
-  <mc:AlternateContent xmlns:mc="http://schemas.openxmlformats.org/markup-compatibility/2006">
-    <mc:Choice xmlns:p159="http://schemas.microsoft.com/office/powerpoint/2015/09/main" Requires="p159">
+  <mc:AlternateContent xmlns:mc="http://schemas.openxmlformats.org/markup-compatibility/2006" xmlns:p159="http://schemas.microsoft.com/office/powerpoint/2015/09/main">
+    <mc:Choice Requires="p159">
       <p:transition xmlns:p14="http://schemas.microsoft.com/office/powerpoint/2010/main" spd="slow" p14:dur="2000">
         <p159:morph option="byObject"/>
       </p:transition>
     </mc:Choice>
-    <mc:Fallback>
+    <mc:Fallback xmlns="">
       <p:transition spd="slow">
         <p:fade/>
       </p:transition>
@@ -36558,7 +40343,7 @@
 </p:sld>
 </file>
 
-<file path=ppt/slides/slide47.xml><?xml version="1.0" encoding="utf-8"?>
+<file path=ppt/slides/slide52.xml><?xml version="1.0" encoding="utf-8"?>
 <p:sld xmlns:a="http://schemas.openxmlformats.org/drawingml/2006/main" xmlns:r="http://schemas.openxmlformats.org/officeDocument/2006/relationships" xmlns:p="http://schemas.openxmlformats.org/presentationml/2006/main">
   <p:cSld>
     <p:spTree>
@@ -36628,7 +40413,7 @@
             <a:fld id="{E5BA05A5-0517-4A37-865C-5DD63AFCA22E}" type="slidenum">
               <a:rPr lang="en-AU" smtClean="0"/>
               <a:pPr/>
-              <a:t>47</a:t>
+              <a:t>52</a:t>
             </a:fld>
             <a:endParaRPr lang="en-AU" dirty="0"/>
           </a:p>
@@ -37505,13 +41290,13 @@
   <p:clrMapOvr>
     <a:masterClrMapping/>
   </p:clrMapOvr>
-  <mc:AlternateContent xmlns:mc="http://schemas.openxmlformats.org/markup-compatibility/2006">
-    <mc:Choice xmlns:p159="http://schemas.microsoft.com/office/powerpoint/2015/09/main" Requires="p159">
+  <mc:AlternateContent xmlns:mc="http://schemas.openxmlformats.org/markup-compatibility/2006" xmlns:p159="http://schemas.microsoft.com/office/powerpoint/2015/09/main">
+    <mc:Choice Requires="p159">
       <p:transition xmlns:p14="http://schemas.microsoft.com/office/powerpoint/2010/main" spd="slow" p14:dur="2000">
         <p159:morph option="byObject"/>
       </p:transition>
     </mc:Choice>
-    <mc:Fallback>
+    <mc:Fallback xmlns="">
       <p:transition spd="slow">
         <p:fade/>
       </p:transition>
@@ -37520,7 +41305,7 @@
 </p:sld>
 </file>
 
-<file path=ppt/slides/slide48.xml><?xml version="1.0" encoding="utf-8"?>
+<file path=ppt/slides/slide53.xml><?xml version="1.0" encoding="utf-8"?>
 <p:sld xmlns:a="http://schemas.openxmlformats.org/drawingml/2006/main" xmlns:r="http://schemas.openxmlformats.org/officeDocument/2006/relationships" xmlns:p="http://schemas.openxmlformats.org/presentationml/2006/main">
   <p:cSld>
     <p:spTree>
@@ -37590,7 +41375,7 @@
             <a:fld id="{E5BA05A5-0517-4A37-865C-5DD63AFCA22E}" type="slidenum">
               <a:rPr lang="en-AU" smtClean="0"/>
               <a:pPr/>
-              <a:t>48</a:t>
+              <a:t>53</a:t>
             </a:fld>
             <a:endParaRPr lang="en-AU" dirty="0"/>
           </a:p>
@@ -38716,13 +42501,13 @@
   <p:clrMapOvr>
     <a:masterClrMapping/>
   </p:clrMapOvr>
-  <mc:AlternateContent xmlns:mc="http://schemas.openxmlformats.org/markup-compatibility/2006">
-    <mc:Choice xmlns:p159="http://schemas.microsoft.com/office/powerpoint/2015/09/main" Requires="p159">
+  <mc:AlternateContent xmlns:mc="http://schemas.openxmlformats.org/markup-compatibility/2006" xmlns:p159="http://schemas.microsoft.com/office/powerpoint/2015/09/main">
+    <mc:Choice Requires="p159">
       <p:transition xmlns:p14="http://schemas.microsoft.com/office/powerpoint/2010/main" spd="slow" p14:dur="2000">
         <p159:morph option="byObject"/>
       </p:transition>
     </mc:Choice>
-    <mc:Fallback>
+    <mc:Fallback xmlns="">
       <p:transition spd="slow">
         <p:fade/>
       </p:transition>
@@ -38731,7 +42516,7 @@
 </p:sld>
 </file>
 
-<file path=ppt/slides/slide49.xml><?xml version="1.0" encoding="utf-8"?>
+<file path=ppt/slides/slide54.xml><?xml version="1.0" encoding="utf-8"?>
 <p:sld xmlns:a="http://schemas.openxmlformats.org/drawingml/2006/main" xmlns:r="http://schemas.openxmlformats.org/officeDocument/2006/relationships" xmlns:p="http://schemas.openxmlformats.org/presentationml/2006/main">
   <p:cSld>
     <p:spTree>
@@ -38801,7 +42586,7 @@
             <a:fld id="{E5BA05A5-0517-4A37-865C-5DD63AFCA22E}" type="slidenum">
               <a:rPr lang="en-AU" smtClean="0"/>
               <a:pPr/>
-              <a:t>49</a:t>
+              <a:t>54</a:t>
             </a:fld>
             <a:endParaRPr lang="en-AU" dirty="0"/>
           </a:p>
@@ -39864,7 +43649,7 @@
 </p:sld>
 </file>
 
-<file path=ppt/slides/slide5.xml><?xml version="1.0" encoding="utf-8"?>
+<file path=ppt/slides/slide55.xml><?xml version="1.0" encoding="utf-8"?>
 <p:sld xmlns:a="http://schemas.openxmlformats.org/drawingml/2006/main" xmlns:r="http://schemas.openxmlformats.org/officeDocument/2006/relationships" xmlns:p="http://schemas.openxmlformats.org/presentationml/2006/main">
   <p:cSld>
     <p:spTree>
@@ -39886,7 +43671,7 @@
           <p:cNvPr id="2" name="Title 1">
             <a:extLst>
               <a:ext uri="{FF2B5EF4-FFF2-40B4-BE49-F238E27FC236}">
-                <a16:creationId xmlns:a16="http://schemas.microsoft.com/office/drawing/2014/main" id="{99F14D1C-E7F8-89E9-5696-767055C53654}"/>
+                <a16:creationId xmlns:a16="http://schemas.microsoft.com/office/drawing/2014/main" id="{B2E0EC4B-8A0E-1BCF-888B-26E96DB43052}"/>
               </a:ext>
             </a:extLst>
           </p:cNvPr>
@@ -39904,7 +43689,7 @@
           <a:p>
             <a:r>
               <a:rPr lang="en-CA" dirty="0"/>
-              <a:t>How do you know if a program is correct?</a:t>
+              <a:t>General rules</a:t>
             </a:r>
             <a:endParaRPr lang="en-AU" dirty="0"/>
           </a:p>
@@ -39912,10 +43697,81 @@
       </p:sp>
       <p:sp>
         <p:nvSpPr>
+          <p:cNvPr id="3" name="Content Placeholder 2">
+            <a:extLst>
+              <a:ext uri="{FF2B5EF4-FFF2-40B4-BE49-F238E27FC236}">
+                <a16:creationId xmlns:a16="http://schemas.microsoft.com/office/drawing/2014/main" id="{BF3F0BF9-3D1B-BF89-E0FD-C32FB4D1F3AA}"/>
+              </a:ext>
+            </a:extLst>
+          </p:cNvPr>
+          <p:cNvSpPr>
+            <a:spLocks noGrp="1"/>
+          </p:cNvSpPr>
+          <p:nvPr>
+            <p:ph idx="1"/>
+          </p:nvPr>
+        </p:nvSpPr>
+        <p:spPr>
+          <a:xfrm>
+            <a:off x="692098" y="1618068"/>
+            <a:ext cx="10515600" cy="501939"/>
+          </a:xfrm>
+          <a:ln>
+            <a:solidFill>
+              <a:srgbClr val="FF0000"/>
+            </a:solidFill>
+          </a:ln>
+        </p:spPr>
+        <p:txBody>
+          <a:bodyPr/>
+          <a:lstStyle/>
+          <a:p>
+            <a:pPr marL="0" indent="0" algn="ctr">
+              <a:buNone/>
+            </a:pPr>
+            <a:r>
+              <a:rPr lang="en-CA" dirty="0"/>
+              <a:t>If </a:t>
+            </a:r>
+            <a:r>
+              <a:rPr lang="en-CA" dirty="0">
+                <a:latin typeface="Consolas" panose="020B0609020204030204" pitchFamily="49" charset="0"/>
+              </a:rPr>
+              <a:t>x</a:t>
+            </a:r>
+            <a:r>
+              <a:rPr lang="en-CA" dirty="0"/>
+              <a:t> is a variable, then </a:t>
+            </a:r>
+            <a:r>
+              <a:rPr lang="en-CA" dirty="0">
+                <a:latin typeface="Consolas" panose="020B0609020204030204" pitchFamily="49" charset="0"/>
+              </a:rPr>
+              <a:t>&amp;x</a:t>
+            </a:r>
+            <a:r>
+              <a:rPr lang="en-CA" dirty="0"/>
+              <a:t> is the address where the value of </a:t>
+            </a:r>
+            <a:r>
+              <a:rPr lang="en-CA" dirty="0">
+                <a:latin typeface="Consolas" panose="020B0609020204030204" pitchFamily="49" charset="0"/>
+              </a:rPr>
+              <a:t>x</a:t>
+            </a:r>
+            <a:r>
+              <a:rPr lang="en-CA" dirty="0"/>
+              <a:t> is stored</a:t>
+            </a:r>
+          </a:p>
+        </p:txBody>
+      </p:sp>
+      <p:sp>
+        <p:nvSpPr>
           <p:cNvPr id="4" name="Slide Number Placeholder 3">
             <a:extLst>
               <a:ext uri="{FF2B5EF4-FFF2-40B4-BE49-F238E27FC236}">
-                <a16:creationId xmlns:a16="http://schemas.microsoft.com/office/drawing/2014/main" id="{3BD8C989-E2BE-799B-BC30-3197DB8F0708}"/>
+                <a16:creationId xmlns:a16="http://schemas.microsoft.com/office/drawing/2014/main" id="{D42AF5BD-1AC7-9269-2E3C-FFC90CE844DC}"/>
               </a:ext>
             </a:extLst>
           </p:cNvPr>
@@ -39934,279 +43790,7 @@
             <a:fld id="{E5BA05A5-0517-4A37-865C-5DD63AFCA22E}" type="slidenum">
               <a:rPr lang="en-AU" smtClean="0"/>
               <a:pPr/>
-              <a:t>5</a:t>
-            </a:fld>
-            <a:endParaRPr lang="en-AU" dirty="0"/>
-          </a:p>
-        </p:txBody>
-      </p:sp>
-      <p:sp>
-        <p:nvSpPr>
-          <p:cNvPr id="5" name="TextBox 4">
-            <a:extLst>
-              <a:ext uri="{FF2B5EF4-FFF2-40B4-BE49-F238E27FC236}">
-                <a16:creationId xmlns:a16="http://schemas.microsoft.com/office/drawing/2014/main" id="{279233EE-8253-D8C5-AA26-C810DA70B05C}"/>
-              </a:ext>
-            </a:extLst>
-          </p:cNvPr>
-          <p:cNvSpPr txBox="1"/>
-          <p:nvPr/>
-        </p:nvSpPr>
-        <p:spPr>
-          <a:xfrm>
-            <a:off x="2652516" y="2365349"/>
-            <a:ext cx="4416594" cy="2554545"/>
-          </a:xfrm>
-          <a:prstGeom prst="rect">
-            <a:avLst/>
-          </a:prstGeom>
-          <a:noFill/>
-        </p:spPr>
-        <p:txBody>
-          <a:bodyPr wrap="none" rtlCol="0">
-            <a:spAutoFit/>
-          </a:bodyPr>
-          <a:lstStyle/>
-          <a:p>
-            <a:r>
-              <a:rPr lang="en-CA" sz="4000" dirty="0">
-                <a:latin typeface="Consolas" panose="020B0609020204030204" pitchFamily="49" charset="0"/>
-              </a:rPr>
-              <a:t>void f(int&amp; n) </a:t>
-            </a:r>
-          </a:p>
-          <a:p>
-            <a:r>
-              <a:rPr lang="en-CA" sz="4000" dirty="0">
-                <a:latin typeface="Consolas" panose="020B0609020204030204" pitchFamily="49" charset="0"/>
-              </a:rPr>
-              <a:t>{</a:t>
-            </a:r>
-            <a:br>
-              <a:rPr lang="en-CA" sz="4000" dirty="0">
-                <a:latin typeface="Consolas" panose="020B0609020204030204" pitchFamily="49" charset="0"/>
-              </a:rPr>
-            </a:br>
-            <a:r>
-              <a:rPr lang="en-CA" sz="4000" dirty="0">
-                <a:latin typeface="Consolas" panose="020B0609020204030204" pitchFamily="49" charset="0"/>
-              </a:rPr>
-              <a:t>   n++;</a:t>
-            </a:r>
-            <a:br>
-              <a:rPr lang="en-CA" sz="4000" dirty="0">
-                <a:latin typeface="Consolas" panose="020B0609020204030204" pitchFamily="49" charset="0"/>
-              </a:rPr>
-            </a:br>
-            <a:r>
-              <a:rPr lang="en-CA" sz="4000" dirty="0">
-                <a:latin typeface="Consolas" panose="020B0609020204030204" pitchFamily="49" charset="0"/>
-              </a:rPr>
-              <a:t>}</a:t>
-            </a:r>
-            <a:endParaRPr lang="en-AU" sz="4000" dirty="0">
-              <a:latin typeface="Consolas" panose="020B0609020204030204" pitchFamily="49" charset="0"/>
-            </a:endParaRPr>
-          </a:p>
-        </p:txBody>
-      </p:sp>
-      <p:sp>
-        <p:nvSpPr>
-          <p:cNvPr id="6" name="TextBox 5">
-            <a:extLst>
-              <a:ext uri="{FF2B5EF4-FFF2-40B4-BE49-F238E27FC236}">
-                <a16:creationId xmlns:a16="http://schemas.microsoft.com/office/drawing/2014/main" id="{ED5FA59A-061C-24CD-8A0C-B0229B850F0E}"/>
-              </a:ext>
-            </a:extLst>
-          </p:cNvPr>
-          <p:cNvSpPr txBox="1"/>
-          <p:nvPr/>
-        </p:nvSpPr>
-        <p:spPr>
-          <a:xfrm>
-            <a:off x="1395154" y="1624760"/>
-            <a:ext cx="1582314" cy="646331"/>
-          </a:xfrm>
-          <a:prstGeom prst="rect">
-            <a:avLst/>
-          </a:prstGeom>
-          <a:solidFill>
-            <a:schemeClr val="accent4">
-              <a:lumMod val="40000"/>
-              <a:lumOff val="60000"/>
-            </a:schemeClr>
-          </a:solidFill>
-        </p:spPr>
-        <p:txBody>
-          <a:bodyPr wrap="square" rtlCol="0">
-            <a:spAutoFit/>
-          </a:bodyPr>
-          <a:lstStyle/>
-          <a:p>
-            <a:pPr algn="ctr"/>
-            <a:r>
-              <a:rPr lang="en-CA" dirty="0"/>
-              <a:t>Is this function correct?</a:t>
-            </a:r>
-            <a:endParaRPr lang="en-AU" dirty="0"/>
-          </a:p>
-        </p:txBody>
-      </p:sp>
-    </p:spTree>
-    <p:extLst>
-      <p:ext uri="{BB962C8B-B14F-4D97-AF65-F5344CB8AC3E}">
-        <p14:creationId xmlns:p14="http://schemas.microsoft.com/office/powerpoint/2010/main" val="3516570974"/>
-      </p:ext>
-    </p:extLst>
-  </p:cSld>
-  <p:clrMapOvr>
-    <a:masterClrMapping/>
-  </p:clrMapOvr>
-</p:sld>
-</file>
-
-<file path=ppt/slides/slide50.xml><?xml version="1.0" encoding="utf-8"?>
-<p:sld xmlns:a="http://schemas.openxmlformats.org/drawingml/2006/main" xmlns:r="http://schemas.openxmlformats.org/officeDocument/2006/relationships" xmlns:p="http://schemas.openxmlformats.org/presentationml/2006/main">
-  <p:cSld>
-    <p:spTree>
-      <p:nvGrpSpPr>
-        <p:cNvPr id="1" name=""/>
-        <p:cNvGrpSpPr/>
-        <p:nvPr/>
-      </p:nvGrpSpPr>
-      <p:grpSpPr>
-        <a:xfrm>
-          <a:off x="0" y="0"/>
-          <a:ext cx="0" cy="0"/>
-          <a:chOff x="0" y="0"/>
-          <a:chExt cx="0" cy="0"/>
-        </a:xfrm>
-      </p:grpSpPr>
-      <p:sp>
-        <p:nvSpPr>
-          <p:cNvPr id="2" name="Title 1">
-            <a:extLst>
-              <a:ext uri="{FF2B5EF4-FFF2-40B4-BE49-F238E27FC236}">
-                <a16:creationId xmlns:a16="http://schemas.microsoft.com/office/drawing/2014/main" id="{B2E0EC4B-8A0E-1BCF-888B-26E96DB43052}"/>
-              </a:ext>
-            </a:extLst>
-          </p:cNvPr>
-          <p:cNvSpPr>
-            <a:spLocks noGrp="1"/>
-          </p:cNvSpPr>
-          <p:nvPr>
-            <p:ph type="title"/>
-          </p:nvPr>
-        </p:nvSpPr>
-        <p:spPr/>
-        <p:txBody>
-          <a:bodyPr/>
-          <a:lstStyle/>
-          <a:p>
-            <a:r>
-              <a:rPr lang="en-CA" dirty="0"/>
-              <a:t>General rules</a:t>
-            </a:r>
-            <a:endParaRPr lang="en-AU" dirty="0"/>
-          </a:p>
-        </p:txBody>
-      </p:sp>
-      <p:sp>
-        <p:nvSpPr>
-          <p:cNvPr id="3" name="Content Placeholder 2">
-            <a:extLst>
-              <a:ext uri="{FF2B5EF4-FFF2-40B4-BE49-F238E27FC236}">
-                <a16:creationId xmlns:a16="http://schemas.microsoft.com/office/drawing/2014/main" id="{BF3F0BF9-3D1B-BF89-E0FD-C32FB4D1F3AA}"/>
-              </a:ext>
-            </a:extLst>
-          </p:cNvPr>
-          <p:cNvSpPr>
-            <a:spLocks noGrp="1"/>
-          </p:cNvSpPr>
-          <p:nvPr>
-            <p:ph idx="1"/>
-          </p:nvPr>
-        </p:nvSpPr>
-        <p:spPr>
-          <a:xfrm>
-            <a:off x="692098" y="1618068"/>
-            <a:ext cx="10515600" cy="501939"/>
-          </a:xfrm>
-          <a:ln>
-            <a:solidFill>
-              <a:srgbClr val="FF0000"/>
-            </a:solidFill>
-          </a:ln>
-        </p:spPr>
-        <p:txBody>
-          <a:bodyPr/>
-          <a:lstStyle/>
-          <a:p>
-            <a:pPr marL="0" indent="0" algn="ctr">
-              <a:buNone/>
-            </a:pPr>
-            <a:r>
-              <a:rPr lang="en-CA" dirty="0"/>
-              <a:t>If </a:t>
-            </a:r>
-            <a:r>
-              <a:rPr lang="en-CA" dirty="0">
-                <a:latin typeface="Consolas" panose="020B0609020204030204" pitchFamily="49" charset="0"/>
-              </a:rPr>
-              <a:t>x</a:t>
-            </a:r>
-            <a:r>
-              <a:rPr lang="en-CA" dirty="0"/>
-              <a:t> is a variable, then </a:t>
-            </a:r>
-            <a:r>
-              <a:rPr lang="en-CA" dirty="0">
-                <a:latin typeface="Consolas" panose="020B0609020204030204" pitchFamily="49" charset="0"/>
-              </a:rPr>
-              <a:t>&amp;x</a:t>
-            </a:r>
-            <a:r>
-              <a:rPr lang="en-CA" dirty="0"/>
-              <a:t> is the address where the value of </a:t>
-            </a:r>
-            <a:r>
-              <a:rPr lang="en-CA" dirty="0">
-                <a:latin typeface="Consolas" panose="020B0609020204030204" pitchFamily="49" charset="0"/>
-              </a:rPr>
-              <a:t>x</a:t>
-            </a:r>
-            <a:r>
-              <a:rPr lang="en-CA" dirty="0"/>
-              <a:t> is stored</a:t>
-            </a:r>
-          </a:p>
-        </p:txBody>
-      </p:sp>
-      <p:sp>
-        <p:nvSpPr>
-          <p:cNvPr id="4" name="Slide Number Placeholder 3">
-            <a:extLst>
-              <a:ext uri="{FF2B5EF4-FFF2-40B4-BE49-F238E27FC236}">
-                <a16:creationId xmlns:a16="http://schemas.microsoft.com/office/drawing/2014/main" id="{D42AF5BD-1AC7-9269-2E3C-FFC90CE844DC}"/>
-              </a:ext>
-            </a:extLst>
-          </p:cNvPr>
-          <p:cNvSpPr>
-            <a:spLocks noGrp="1"/>
-          </p:cNvSpPr>
-          <p:nvPr>
-            <p:ph type="sldNum" sz="quarter" idx="12"/>
-          </p:nvPr>
-        </p:nvSpPr>
-        <p:spPr/>
-        <p:txBody>
-          <a:bodyPr/>
-          <a:lstStyle/>
-          <a:p>
-            <a:fld id="{E5BA05A5-0517-4A37-865C-5DD63AFCA22E}" type="slidenum">
-              <a:rPr lang="en-AU" smtClean="0"/>
-              <a:pPr/>
-              <a:t>50</a:t>
+              <a:t>55</a:t>
             </a:fld>
             <a:endParaRPr lang="en-AU" dirty="0"/>
           </a:p>

--- a/sample_code/week2/week2_cmpt135.pptx
+++ b/sample_code/week2/week2_cmpt135.pptx
@@ -632,7 +632,7 @@
   <pc:docChgLst>
     <pc:chgData name="Toby Donaldson" userId="2e6e5431-bb17-4c41-9985-d39c50d83c73" providerId="ADAL" clId="{F56B8EF3-5C90-42FD-AD3E-B2A337B95298}"/>
     <pc:docChg chg="undo redo custSel addSld delSld modSld sldOrd modSection">
-      <pc:chgData name="Toby Donaldson" userId="2e6e5431-bb17-4c41-9985-d39c50d83c73" providerId="ADAL" clId="{F56B8EF3-5C90-42FD-AD3E-B2A337B95298}" dt="2024-01-17T18:51:46.262" v="18792" actId="27309"/>
+      <pc:chgData name="Toby Donaldson" userId="2e6e5431-bb17-4c41-9985-d39c50d83c73" providerId="ADAL" clId="{F56B8EF3-5C90-42FD-AD3E-B2A337B95298}" dt="2024-01-17T18:54:21.373" v="18826" actId="20577"/>
       <pc:docMkLst>
         <pc:docMk/>
       </pc:docMkLst>
@@ -2550,7 +2550,7 @@
         </pc:sldMkLst>
       </pc:sldChg>
       <pc:sldChg chg="addSp modSp new mod ord">
-        <pc:chgData name="Toby Donaldson" userId="2e6e5431-bb17-4c41-9985-d39c50d83c73" providerId="ADAL" clId="{F56B8EF3-5C90-42FD-AD3E-B2A337B95298}" dt="2024-01-15T22:35:24.059" v="13468" actId="20577"/>
+        <pc:chgData name="Toby Donaldson" userId="2e6e5431-bb17-4c41-9985-d39c50d83c73" providerId="ADAL" clId="{F56B8EF3-5C90-42FD-AD3E-B2A337B95298}" dt="2024-01-17T18:54:13.996" v="18821" actId="20577"/>
         <pc:sldMkLst>
           <pc:docMk/>
           <pc:sldMk cId="289417061" sldId="293"/>
@@ -2564,7 +2564,7 @@
           </ac:spMkLst>
         </pc:spChg>
         <pc:spChg chg="mod">
-          <ac:chgData name="Toby Donaldson" userId="2e6e5431-bb17-4c41-9985-d39c50d83c73" providerId="ADAL" clId="{F56B8EF3-5C90-42FD-AD3E-B2A337B95298}" dt="2024-01-15T22:35:14.026" v="13454" actId="113"/>
+          <ac:chgData name="Toby Donaldson" userId="2e6e5431-bb17-4c41-9985-d39c50d83c73" providerId="ADAL" clId="{F56B8EF3-5C90-42FD-AD3E-B2A337B95298}" dt="2024-01-17T18:53:22.393" v="18814" actId="20577"/>
           <ac:spMkLst>
             <pc:docMk/>
             <pc:sldMk cId="289417061" sldId="293"/>
@@ -2572,7 +2572,7 @@
           </ac:spMkLst>
         </pc:spChg>
         <pc:spChg chg="add mod">
-          <ac:chgData name="Toby Donaldson" userId="2e6e5431-bb17-4c41-9985-d39c50d83c73" providerId="ADAL" clId="{F56B8EF3-5C90-42FD-AD3E-B2A337B95298}" dt="2024-01-15T22:26:34.108" v="12992" actId="20577"/>
+          <ac:chgData name="Toby Donaldson" userId="2e6e5431-bb17-4c41-9985-d39c50d83c73" providerId="ADAL" clId="{F56B8EF3-5C90-42FD-AD3E-B2A337B95298}" dt="2024-01-17T18:54:13.996" v="18821" actId="20577"/>
           <ac:spMkLst>
             <pc:docMk/>
             <pc:sldMk cId="289417061" sldId="293"/>
@@ -2603,7 +2603,7 @@
         </pc:sldMkLst>
       </pc:sldChg>
       <pc:sldChg chg="addSp delSp modSp add mod">
-        <pc:chgData name="Toby Donaldson" userId="2e6e5431-bb17-4c41-9985-d39c50d83c73" providerId="ADAL" clId="{F56B8EF3-5C90-42FD-AD3E-B2A337B95298}" dt="2024-01-15T22:34:17.584" v="13283" actId="20577"/>
+        <pc:chgData name="Toby Donaldson" userId="2e6e5431-bb17-4c41-9985-d39c50d83c73" providerId="ADAL" clId="{F56B8EF3-5C90-42FD-AD3E-B2A337B95298}" dt="2024-01-17T18:54:21.373" v="18826" actId="20577"/>
         <pc:sldMkLst>
           <pc:docMk/>
           <pc:sldMk cId="4253127751" sldId="294"/>
@@ -2625,7 +2625,7 @@
           </ac:spMkLst>
         </pc:spChg>
         <pc:spChg chg="mod">
-          <ac:chgData name="Toby Donaldson" userId="2e6e5431-bb17-4c41-9985-d39c50d83c73" providerId="ADAL" clId="{F56B8EF3-5C90-42FD-AD3E-B2A337B95298}" dt="2024-01-15T22:29:20.846" v="13171" actId="1076"/>
+          <ac:chgData name="Toby Donaldson" userId="2e6e5431-bb17-4c41-9985-d39c50d83c73" providerId="ADAL" clId="{F56B8EF3-5C90-42FD-AD3E-B2A337B95298}" dt="2024-01-17T18:54:21.373" v="18826" actId="20577"/>
           <ac:spMkLst>
             <pc:docMk/>
             <pc:sldMk cId="4253127751" sldId="294"/>
@@ -2665,7 +2665,7 @@
           </ac:spMkLst>
         </pc:spChg>
         <pc:spChg chg="add mod">
-          <ac:chgData name="Toby Donaldson" userId="2e6e5431-bb17-4c41-9985-d39c50d83c73" providerId="ADAL" clId="{F56B8EF3-5C90-42FD-AD3E-B2A337B95298}" dt="2024-01-15T22:31:01.645" v="13218" actId="1076"/>
+          <ac:chgData name="Toby Donaldson" userId="2e6e5431-bb17-4c41-9985-d39c50d83c73" providerId="ADAL" clId="{F56B8EF3-5C90-42FD-AD3E-B2A337B95298}" dt="2024-01-17T18:53:37.476" v="18816" actId="20577"/>
           <ac:spMkLst>
             <pc:docMk/>
             <pc:sldMk cId="4253127751" sldId="294"/>
@@ -17215,7 +17215,7 @@
           <a:p>
             <a:r>
               <a:rPr lang="en-CA" dirty="0"/>
-              <a:t>We’ll focus on automated testing</a:t>
+              <a:t>We usually want automated testing</a:t>
             </a:r>
           </a:p>
           <a:p>
@@ -17304,7 +17304,7 @@
         <p:spPr>
           <a:xfrm>
             <a:off x="5378155" y="1413063"/>
-            <a:ext cx="6356227" cy="4278094"/>
+            <a:ext cx="6356227" cy="4031873"/>
           </a:xfrm>
           <a:prstGeom prst="rect">
             <a:avLst/>
@@ -17434,38 +17434,6 @@
                 <a:latin typeface="Consolas" panose="020B0609020204030204" pitchFamily="49" charset="0"/>
               </a:rPr>
               <a:t>    }</a:t>
-            </a:r>
-          </a:p>
-          <a:p>
-            <a:r>
-              <a:rPr lang="en-US" sz="1600" dirty="0">
-                <a:latin typeface="Consolas" panose="020B0609020204030204" pitchFamily="49" charset="0"/>
-              </a:rPr>
-              <a:t>    // </a:t>
-            </a:r>
-            <a:r>
-              <a:rPr lang="en-US" sz="1600" dirty="0" err="1">
-                <a:latin typeface="Consolas" panose="020B0609020204030204" pitchFamily="49" charset="0"/>
-              </a:rPr>
-              <a:t>s.substr</a:t>
-            </a:r>
-            <a:r>
-              <a:rPr lang="en-US" sz="1600" dirty="0">
-                <a:latin typeface="Consolas" panose="020B0609020204030204" pitchFamily="49" charset="0"/>
-              </a:rPr>
-              <a:t>(</a:t>
-            </a:r>
-            <a:r>
-              <a:rPr lang="en-US" sz="1600" dirty="0" err="1">
-                <a:latin typeface="Consolas" panose="020B0609020204030204" pitchFamily="49" charset="0"/>
-              </a:rPr>
-              <a:t>start_index</a:t>
-            </a:r>
-            <a:r>
-              <a:rPr lang="en-US" sz="1600" dirty="0">
-                <a:latin typeface="Consolas" panose="020B0609020204030204" pitchFamily="49" charset="0"/>
-              </a:rPr>
-              <a:t>, length)</a:t>
             </a:r>
           </a:p>
           <a:p>
@@ -17602,7 +17570,7 @@
         <p:spPr>
           <a:xfrm>
             <a:off x="136027" y="1690688"/>
-            <a:ext cx="5516628" cy="4278094"/>
+            <a:ext cx="5516628" cy="4031873"/>
           </a:xfrm>
           <a:prstGeom prst="rect">
             <a:avLst/>
@@ -17733,39 +17701,7 @@
           </a:p>
           <a:p>
             <a:r>
-              <a:rPr lang="en-US" sz="1600" dirty="0">
-                <a:latin typeface="Consolas" panose="020B0609020204030204" pitchFamily="49" charset="0"/>
-              </a:rPr>
-              <a:t>    // </a:t>
-            </a:r>
-            <a:r>
-              <a:rPr lang="en-US" sz="1600" dirty="0" err="1">
-                <a:latin typeface="Consolas" panose="020B0609020204030204" pitchFamily="49" charset="0"/>
-              </a:rPr>
-              <a:t>s.substr</a:t>
-            </a:r>
-            <a:r>
-              <a:rPr lang="en-US" sz="1600" dirty="0">
-                <a:latin typeface="Consolas" panose="020B0609020204030204" pitchFamily="49" charset="0"/>
-              </a:rPr>
-              <a:t>(</a:t>
-            </a:r>
-            <a:r>
-              <a:rPr lang="en-US" sz="1600" dirty="0" err="1">
-                <a:latin typeface="Consolas" panose="020B0609020204030204" pitchFamily="49" charset="0"/>
-              </a:rPr>
-              <a:t>start_index</a:t>
-            </a:r>
-            <a:r>
-              <a:rPr lang="en-US" sz="1600" dirty="0">
-                <a:latin typeface="Consolas" panose="020B0609020204030204" pitchFamily="49" charset="0"/>
-              </a:rPr>
-              <a:t>, length)</a:t>
-            </a:r>
-          </a:p>
-          <a:p>
-            <a:r>
-              <a:rPr lang="en-US" sz="1600" dirty="0">
+              <a:rPr lang="en-US" sz="1600">
                 <a:latin typeface="Consolas" panose="020B0609020204030204" pitchFamily="49" charset="0"/>
               </a:rPr>
               <a:t>    return </a:t>
@@ -18050,7 +17986,7 @@
             <a:pPr algn="ctr"/>
             <a:r>
               <a:rPr lang="en-CA" dirty="0"/>
-              <a:t>Reads an entire line of input.</a:t>
+              <a:t>reads an entire line of input</a:t>
             </a:r>
           </a:p>
         </p:txBody>

--- a/sample_code/week2/week2_cmpt135.pptx
+++ b/sample_code/week2/week2_cmpt135.pptx
@@ -632,7 +632,7 @@
   <pc:docChgLst>
     <pc:chgData name="Toby Donaldson" userId="2e6e5431-bb17-4c41-9985-d39c50d83c73" providerId="ADAL" clId="{F56B8EF3-5C90-42FD-AD3E-B2A337B95298}"/>
     <pc:docChg chg="undo redo custSel addSld delSld modSld sldOrd modSection">
-      <pc:chgData name="Toby Donaldson" userId="2e6e5431-bb17-4c41-9985-d39c50d83c73" providerId="ADAL" clId="{F56B8EF3-5C90-42FD-AD3E-B2A337B95298}" dt="2024-01-17T18:54:21.373" v="18826" actId="20577"/>
+      <pc:chgData name="Toby Donaldson" userId="2e6e5431-bb17-4c41-9985-d39c50d83c73" providerId="ADAL" clId="{F56B8EF3-5C90-42FD-AD3E-B2A337B95298}" dt="2024-01-18T00:21:48.371" v="18827" actId="20577"/>
       <pc:docMkLst>
         <pc:docMk/>
       </pc:docMkLst>
@@ -667,7 +667,7 @@
         </pc:sldMkLst>
       </pc:sldChg>
       <pc:sldChg chg="addSp delSp modSp mod">
-        <pc:chgData name="Toby Donaldson" userId="2e6e5431-bb17-4c41-9985-d39c50d83c73" providerId="ADAL" clId="{F56B8EF3-5C90-42FD-AD3E-B2A337B95298}" dt="2024-01-15T04:34:30.704" v="6585" actId="20577"/>
+        <pc:chgData name="Toby Donaldson" userId="2e6e5431-bb17-4c41-9985-d39c50d83c73" providerId="ADAL" clId="{F56B8EF3-5C90-42FD-AD3E-B2A337B95298}" dt="2024-01-18T00:21:48.371" v="18827" actId="20577"/>
         <pc:sldMkLst>
           <pc:docMk/>
           <pc:sldMk cId="3457032960" sldId="258"/>
@@ -681,7 +681,7 @@
           </ac:spMkLst>
         </pc:spChg>
         <pc:spChg chg="mod">
-          <ac:chgData name="Toby Donaldson" userId="2e6e5431-bb17-4c41-9985-d39c50d83c73" providerId="ADAL" clId="{F56B8EF3-5C90-42FD-AD3E-B2A337B95298}" dt="2024-01-15T04:34:30.704" v="6585" actId="20577"/>
+          <ac:chgData name="Toby Donaldson" userId="2e6e5431-bb17-4c41-9985-d39c50d83c73" providerId="ADAL" clId="{F56B8EF3-5C90-42FD-AD3E-B2A337B95298}" dt="2024-01-18T00:21:48.371" v="18827" actId="20577"/>
           <ac:spMkLst>
             <pc:docMk/>
             <pc:sldMk cId="3457032960" sldId="258"/>
@@ -15104,8 +15104,13 @@
             <a:pPr lvl="1"/>
             <a:r>
               <a:rPr lang="en-AU" dirty="0"/>
-              <a:t>Good place to get help installing and using C+</a:t>
-            </a:r>
+              <a:t>Good place to get help installing and using </a:t>
+            </a:r>
+            <a:r>
+              <a:rPr lang="en-AU"/>
+              <a:t>C++</a:t>
+            </a:r>
+            <a:endParaRPr lang="en-AU" dirty="0"/>
           </a:p>
           <a:p>
             <a:endParaRPr lang="en-CA" dirty="0"/>
